--- a/120 구매/108 2차 지능형 드론 멘토링 HW 구매 목록 19년 6월 V1.0.pptx
+++ b/120 구매/108 2차 지능형 드론 멘토링 HW 구매 목록 19년 6월 V1.0.pptx
@@ -5,16 +5,17 @@
     <p:sldMasterId id="2147483648" r:id="rId1"/>
   </p:sldMasterIdLst>
   <p:notesMasterIdLst>
-    <p:notesMasterId r:id="rId9"/>
+    <p:notesMasterId r:id="rId10"/>
   </p:notesMasterIdLst>
   <p:sldIdLst>
     <p:sldId id="256" r:id="rId2"/>
     <p:sldId id="257" r:id="rId3"/>
     <p:sldId id="258" r:id="rId4"/>
-    <p:sldId id="259" r:id="rId5"/>
-    <p:sldId id="261" r:id="rId6"/>
-    <p:sldId id="264" r:id="rId7"/>
-    <p:sldId id="265" r:id="rId8"/>
+    <p:sldId id="267" r:id="rId5"/>
+    <p:sldId id="259" r:id="rId6"/>
+    <p:sldId id="266" r:id="rId7"/>
+    <p:sldId id="264" r:id="rId8"/>
+    <p:sldId id="265" r:id="rId9"/>
   </p:sldIdLst>
   <p:sldSz cx="9906000" cy="6858000" type="A4"/>
   <p:notesSz cx="6858000" cy="9144000"/>
@@ -248,8 +249,11 @@
     </a:lvl9pPr>
   </p:defaultTextStyle>
   <p:extLst>
+    <p:ext uri="{EFAFB233-063F-42B5-8137-9DF3F51BA10A}">
+      <p15:sldGuideLst xmlns:p15="http://schemas.microsoft.com/office/powerpoint/2012/main"/>
+    </p:ext>
     <p:ext uri="http://customooxmlschemas.google.com/">
-      <go:slidesCustomData xmlns:go="http://customooxmlschemas.google.com/" xmlns:p15="http://schemas.microsoft.com/office/powerpoint/2012/main" xmlns:p14="http://schemas.microsoft.com/office/powerpoint/2010/main" xmlns:com="http://schemas.openxmlformats.org/drawingml/2006/compatibility" xmlns:pvml="urn:schemas-microsoft-com:office:powerpoint" xmlns:v="urn:schemas-microsoft-com:vml" xmlns:o="urn:schemas-microsoft-com:office:office" xmlns:dgm="http://schemas.openxmlformats.org/drawingml/2006/diagram" xmlns:c="http://schemas.openxmlformats.org/drawingml/2006/chart" xmlns:mv="urn:schemas-microsoft-com:mac:vml" xmlns:mc="http://schemas.openxmlformats.org/markup-compatibility/2006" xmlns="" r:id="rId16" roundtripDataSignature="AMtx7miPXgO62KK0GLPE4rfhwSHbXSpQuA=="/>
+      <go:slidesCustomData xmlns="" xmlns:mc="http://schemas.openxmlformats.org/markup-compatibility/2006" xmlns:mv="urn:schemas-microsoft-com:mac:vml" xmlns:c="http://schemas.openxmlformats.org/drawingml/2006/chart" xmlns:dgm="http://schemas.openxmlformats.org/drawingml/2006/diagram" xmlns:o="urn:schemas-microsoft-com:office:office" xmlns:v="urn:schemas-microsoft-com:vml" xmlns:pvml="urn:schemas-microsoft-com:office:powerpoint" xmlns:com="http://schemas.openxmlformats.org/drawingml/2006/compatibility" xmlns:p14="http://schemas.microsoft.com/office/powerpoint/2010/main" xmlns:p15="http://schemas.microsoft.com/office/powerpoint/2012/main" xmlns:go="http://customooxmlschemas.google.com/" r:id="rId16" roundtripDataSignature="AMtx7miPXgO62KK0GLPE4rfhwSHbXSpQuA=="/>
     </p:ext>
   </p:extLst>
 </p:presentation>
@@ -1849,6 +1853,11 @@
         </p:spPr>
       </p:sp>
     </p:spTree>
+    <p:extLst>
+      <p:ext uri="{BB962C8B-B14F-4D97-AF65-F5344CB8AC3E}">
+        <p14:creationId xmlns:p14="http://schemas.microsoft.com/office/powerpoint/2010/main" val="3753021717"/>
+      </p:ext>
+    </p:extLst>
   </p:cSld>
   <p:clrMapOvr>
     <a:masterClrMapping/>
@@ -1861,7 +1870,7 @@
   <p:cSld>
     <p:spTree>
       <p:nvGrpSpPr>
-        <p:cNvPr id="1" name="Shape 117"/>
+        <p:cNvPr id="1" name="Shape 95"/>
         <p:cNvGrpSpPr/>
         <p:nvPr/>
       </p:nvGrpSpPr>
@@ -1875,7 +1884,7 @@
       </p:grpSpPr>
       <p:sp>
         <p:nvSpPr>
-          <p:cNvPr id="118" name="Google Shape;118;p6:notes"/>
+          <p:cNvPr id="96" name="Google Shape;96;p4:notes"/>
           <p:cNvSpPr txBox="1">
             <a:spLocks noGrp="1"/>
           </p:cNvSpPr>
@@ -1913,7 +1922,7 @@
       </p:sp>
       <p:sp>
         <p:nvSpPr>
-          <p:cNvPr id="119" name="Google Shape;119;p6:notes"/>
+          <p:cNvPr id="97" name="Google Shape;97;p4:notes"/>
           <p:cNvSpPr>
             <a:spLocks noGrp="1" noRot="1" noChangeAspect="1"/>
           </p:cNvSpPr>
@@ -1961,6 +1970,115 @@
 </file>
 
 <file path=ppt/notesSlides/notesSlide6.xml><?xml version="1.0" encoding="utf-8"?>
+<p:notes xmlns:a="http://schemas.openxmlformats.org/drawingml/2006/main" xmlns:r="http://schemas.openxmlformats.org/officeDocument/2006/relationships" xmlns:p="http://schemas.openxmlformats.org/presentationml/2006/main" showMasterSp="0" showMasterPhAnim="0">
+  <p:cSld>
+    <p:spTree>
+      <p:nvGrpSpPr>
+        <p:cNvPr id="1" name="Shape 95"/>
+        <p:cNvGrpSpPr/>
+        <p:nvPr/>
+      </p:nvGrpSpPr>
+      <p:grpSpPr>
+        <a:xfrm>
+          <a:off x="0" y="0"/>
+          <a:ext cx="0" cy="0"/>
+          <a:chOff x="0" y="0"/>
+          <a:chExt cx="0" cy="0"/>
+        </a:xfrm>
+      </p:grpSpPr>
+      <p:sp>
+        <p:nvSpPr>
+          <p:cNvPr id="96" name="Google Shape;96;p4:notes"/>
+          <p:cNvSpPr txBox="1">
+            <a:spLocks noGrp="1"/>
+          </p:cNvSpPr>
+          <p:nvPr>
+            <p:ph type="body" idx="1"/>
+          </p:nvPr>
+        </p:nvSpPr>
+        <p:spPr>
+          <a:xfrm>
+            <a:off x="685800" y="4400549"/>
+            <a:ext cx="5486400" cy="3600451"/>
+          </a:xfrm>
+          <a:prstGeom prst="rect">
+            <a:avLst/>
+          </a:prstGeom>
+        </p:spPr>
+        <p:txBody>
+          <a:bodyPr spcFirstLastPara="1" wrap="square" lIns="91425" tIns="45700" rIns="91425" bIns="45700" anchor="t" anchorCtr="0">
+            <a:noAutofit/>
+          </a:bodyPr>
+          <a:lstStyle/>
+          <a:p>
+            <a:pPr marL="0" lvl="0" indent="0" algn="l" rtl="0">
+              <a:spcBef>
+                <a:spcPts val="0"/>
+              </a:spcBef>
+              <a:spcAft>
+                <a:spcPts val="0"/>
+              </a:spcAft>
+              <a:buNone/>
+            </a:pPr>
+            <a:endParaRPr/>
+          </a:p>
+        </p:txBody>
+      </p:sp>
+      <p:sp>
+        <p:nvSpPr>
+          <p:cNvPr id="97" name="Google Shape;97;p4:notes"/>
+          <p:cNvSpPr>
+            <a:spLocks noGrp="1" noRot="1" noChangeAspect="1"/>
+          </p:cNvSpPr>
+          <p:nvPr>
+            <p:ph type="sldImg" idx="2"/>
+          </p:nvPr>
+        </p:nvSpPr>
+        <p:spPr>
+          <a:xfrm>
+            <a:off x="1200150" y="1143000"/>
+            <a:ext cx="4457700" cy="3086100"/>
+          </a:xfrm>
+          <a:custGeom>
+            <a:avLst/>
+            <a:gdLst/>
+            <a:ahLst/>
+            <a:cxnLst/>
+            <a:rect l="l" t="t" r="r" b="b"/>
+            <a:pathLst>
+              <a:path w="120000" h="120000" extrusionOk="0">
+                <a:moveTo>
+                  <a:pt x="0" y="0"/>
+                </a:moveTo>
+                <a:lnTo>
+                  <a:pt x="120000" y="0"/>
+                </a:lnTo>
+                <a:lnTo>
+                  <a:pt x="120000" y="120000"/>
+                </a:lnTo>
+                <a:lnTo>
+                  <a:pt x="0" y="120000"/>
+                </a:lnTo>
+                <a:close/>
+              </a:path>
+            </a:pathLst>
+          </a:custGeom>
+        </p:spPr>
+      </p:sp>
+    </p:spTree>
+    <p:extLst>
+      <p:ext uri="{BB962C8B-B14F-4D97-AF65-F5344CB8AC3E}">
+        <p14:creationId xmlns:p14="http://schemas.microsoft.com/office/powerpoint/2010/main" val="564080871"/>
+      </p:ext>
+    </p:extLst>
+  </p:cSld>
+  <p:clrMapOvr>
+    <a:masterClrMapping/>
+  </p:clrMapOvr>
+</p:notes>
+</file>
+
+<file path=ppt/notesSlides/notesSlide7.xml><?xml version="1.0" encoding="utf-8"?>
 <p:notes xmlns:a="http://schemas.openxmlformats.org/drawingml/2006/main" xmlns:r="http://schemas.openxmlformats.org/officeDocument/2006/relationships" xmlns:p="http://schemas.openxmlformats.org/presentationml/2006/main" showMasterSp="0" showMasterPhAnim="0">
   <p:cSld>
     <p:spTree>
@@ -2064,7 +2182,7 @@
 </p:notes>
 </file>
 
-<file path=ppt/notesSlides/notesSlide7.xml><?xml version="1.0" encoding="utf-8"?>
+<file path=ppt/notesSlides/notesSlide8.xml><?xml version="1.0" encoding="utf-8"?>
 <p:notes xmlns:a="http://schemas.openxmlformats.org/drawingml/2006/main" xmlns:r="http://schemas.openxmlformats.org/officeDocument/2006/relationships" xmlns:p="http://schemas.openxmlformats.org/presentationml/2006/main" showMasterSp="0" showMasterPhAnim="0">
   <p:cSld>
     <p:spTree>
@@ -12046,7 +12164,11 @@
             </a:pPr>
             <a:r>
               <a:rPr lang="en-US"/>
-              <a:t>전체 구매 목록</a:t>
+              <a:t>전체 구매 </a:t>
+            </a:r>
+            <a:r>
+              <a:rPr lang="ko-KR" altLang="en-US" smtClean="0"/>
+              <a:t>일정</a:t>
             </a:r>
             <a:endParaRPr/>
           </a:p>
@@ -12194,71 +12316,98 @@
         <p:nvGraphicFramePr>
           <p:cNvPr id="93" name="Google Shape;93;p3"/>
           <p:cNvGraphicFramePr/>
-          <p:nvPr/>
+          <p:nvPr>
+            <p:extLst>
+              <p:ext uri="{D42A27DB-BD31-4B8C-83A1-F6EECF244321}">
+                <p14:modId xmlns:p14="http://schemas.microsoft.com/office/powerpoint/2010/main" val="3865725123"/>
+              </p:ext>
+            </p:extLst>
+          </p:nvPr>
         </p:nvGraphicFramePr>
         <p:xfrm>
           <a:off x="681038" y="1255713"/>
-          <a:ext cx="8543900" cy="3316325"/>
+          <a:ext cx="8543886" cy="3608665"/>
         </p:xfrm>
         <a:graphic>
           <a:graphicData uri="http://schemas.openxmlformats.org/drawingml/2006/table">
             <a:tbl>
               <a:tblPr firstRow="1" bandRow="1">
-                <a:noFill/>
                 <a:tableStyleId>{CC17B4C5-E569-4E65-9D09-BF25285E5803}</a:tableStyleId>
               </a:tblPr>
               <a:tblGrid>
-                <a:gridCol w="988725">
+                <a:gridCol w="636034">
                   <a:extLst>
                     <a:ext uri="{9D8B030D-6E8A-4147-A177-3AD203B41FA5}">
                       <a16:colId xmlns:a16="http://schemas.microsoft.com/office/drawing/2014/main" val="20000"/>
                     </a:ext>
                   </a:extLst>
                 </a:gridCol>
-                <a:gridCol w="938250">
+                <a:gridCol w="1157680">
+                  <a:extLst>
+                    <a:ext uri="{9D8B030D-6E8A-4147-A177-3AD203B41FA5}">
+                      <a16:colId xmlns:a16="http://schemas.microsoft.com/office/drawing/2014/main" val="73889734"/>
+                    </a:ext>
+                  </a:extLst>
+                </a:gridCol>
+                <a:gridCol w="1134972">
                   <a:extLst>
                     <a:ext uri="{9D8B030D-6E8A-4147-A177-3AD203B41FA5}">
                       <a16:colId xmlns:a16="http://schemas.microsoft.com/office/drawing/2014/main" val="20001"/>
                     </a:ext>
                   </a:extLst>
                 </a:gridCol>
-                <a:gridCol w="1415325">
+                <a:gridCol w="1138445">
                   <a:extLst>
                     <a:ext uri="{9D8B030D-6E8A-4147-A177-3AD203B41FA5}">
                       <a16:colId xmlns:a16="http://schemas.microsoft.com/office/drawing/2014/main" val="20002"/>
                     </a:ext>
                   </a:extLst>
                 </a:gridCol>
-                <a:gridCol w="1844700">
+                <a:gridCol w="1818059">
                   <a:extLst>
                     <a:ext uri="{9D8B030D-6E8A-4147-A177-3AD203B41FA5}">
                       <a16:colId xmlns:a16="http://schemas.microsoft.com/office/drawing/2014/main" val="20003"/>
                     </a:ext>
                   </a:extLst>
                 </a:gridCol>
-                <a:gridCol w="1431225">
-                  <a:extLst>
-                    <a:ext uri="{9D8B030D-6E8A-4147-A177-3AD203B41FA5}">
-                      <a16:colId xmlns:a16="http://schemas.microsoft.com/office/drawing/2014/main" val="20004"/>
-                    </a:ext>
-                  </a:extLst>
-                </a:gridCol>
-                <a:gridCol w="722125">
+                <a:gridCol w="789609">
                   <a:extLst>
                     <a:ext uri="{9D8B030D-6E8A-4147-A177-3AD203B41FA5}">
                       <a16:colId xmlns:a16="http://schemas.microsoft.com/office/drawing/2014/main" val="20005"/>
                     </a:ext>
                   </a:extLst>
                 </a:gridCol>
-                <a:gridCol w="1203550">
+                <a:gridCol w="1176992">
                   <a:extLst>
                     <a:ext uri="{9D8B030D-6E8A-4147-A177-3AD203B41FA5}">
                       <a16:colId xmlns:a16="http://schemas.microsoft.com/office/drawing/2014/main" val="20006"/>
                     </a:ext>
                   </a:extLst>
                 </a:gridCol>
+                <a:gridCol w="692095">
+                  <a:extLst>
+                    <a:ext uri="{9D8B030D-6E8A-4147-A177-3AD203B41FA5}">
+                      <a16:colId xmlns:a16="http://schemas.microsoft.com/office/drawing/2014/main" val="2385396538"/>
+                    </a:ext>
+                  </a:extLst>
+                </a:gridCol>
               </a:tblGrid>
               <a:tr h="638500">
+                <a:tc>
+                  <a:txBody>
+                    <a:bodyPr/>
+                    <a:lstStyle/>
+                    <a:p>
+                      <a:pPr algn="ctr"/>
+                      <a:r>
+                        <a:rPr lang="ko-KR" altLang="en-US" smtClean="0"/>
+                        <a:t>차수</a:t>
+                      </a:r>
+                      <a:endParaRPr lang="en-US"/>
+                    </a:p>
+                  </a:txBody>
+                  <a:tcPr marL="91450" marR="91450" marT="45725" marB="45725" anchor="ctr"/>
+                </a:tc>
                 <a:tc>
                   <a:txBody>
                     <a:bodyPr/>
@@ -12373,33 +12522,6 @@
                     <a:lstStyle/>
                     <a:p>
                       <a:pPr marL="0" marR="0" lvl="0" indent="0" algn="ctr" rtl="0">
-                        <a:spcBef>
-                          <a:spcPts val="0"/>
-                        </a:spcBef>
-                        <a:spcAft>
-                          <a:spcPts val="0"/>
-                        </a:spcAft>
-                        <a:buNone/>
-                      </a:pPr>
-                      <a:r>
-                        <a:rPr lang="en-US" sz="1400" u="none" strike="noStrike" cap="none"/>
-                        <a:t>가격</a:t>
-                      </a:r>
-                      <a:endParaRPr sz="1400" u="none" strike="noStrike" cap="none">
-                        <a:solidFill>
-                          <a:schemeClr val="dk1"/>
-                        </a:solidFill>
-                      </a:endParaRPr>
-                    </a:p>
-                  </a:txBody>
-                  <a:tcPr marL="91450" marR="91450" marT="45725" marB="45725" anchor="ctr"/>
-                </a:tc>
-                <a:tc>
-                  <a:txBody>
-                    <a:bodyPr/>
-                    <a:lstStyle/>
-                    <a:p>
-                      <a:pPr marL="0" marR="0" lvl="0" indent="0" algn="ctr" rtl="0">
                         <a:lnSpc>
                           <a:spcPct val="100000"/>
                         </a:lnSpc>
@@ -12464,6 +12586,41 @@
                   </a:txBody>
                   <a:tcPr marL="91450" marR="91450" marT="45725" marB="45725" anchor="ctr"/>
                 </a:tc>
+                <a:tc>
+                  <a:txBody>
+                    <a:bodyPr/>
+                    <a:lstStyle/>
+                    <a:p>
+                      <a:pPr marL="0" marR="0" lvl="0" indent="0" algn="ctr" rtl="0">
+                        <a:lnSpc>
+                          <a:spcPct val="100000"/>
+                        </a:lnSpc>
+                        <a:spcBef>
+                          <a:spcPts val="0"/>
+                        </a:spcBef>
+                        <a:spcAft>
+                          <a:spcPts val="0"/>
+                        </a:spcAft>
+                        <a:buClr>
+                          <a:schemeClr val="dk1"/>
+                        </a:buClr>
+                        <a:buSzPts val="1400"/>
+                        <a:buFont typeface="Calibri"/>
+                        <a:buNone/>
+                      </a:pPr>
+                      <a:r>
+                        <a:rPr lang="ko-KR" altLang="en-US" sz="1400" u="none" strike="noStrike" cap="none" smtClean="0"/>
+                        <a:t>진행 상태</a:t>
+                      </a:r>
+                      <a:endParaRPr sz="1400" u="none" strike="noStrike" cap="none">
+                        <a:solidFill>
+                          <a:schemeClr val="dk1"/>
+                        </a:solidFill>
+                      </a:endParaRPr>
+                    </a:p>
+                  </a:txBody>
+                  <a:tcPr marL="91450" marR="91450" marT="45725" marB="45725" anchor="ctr"/>
+                </a:tc>
                 <a:extLst>
                   <a:ext uri="{0D108BD9-81ED-4DB2-BD59-A6C34878D82A}">
                     <a16:rowId xmlns:a16="http://schemas.microsoft.com/office/drawing/2014/main" val="10000"/>
@@ -12476,6 +12633,25 @@
                     <a:bodyPr/>
                     <a:lstStyle/>
                     <a:p>
+                      <a:pPr algn="ctr"/>
+                      <a:r>
+                        <a:rPr lang="en-US" smtClean="0"/>
+                        <a:t>1</a:t>
+                      </a:r>
+                      <a:r>
+                        <a:rPr lang="ko-KR" altLang="en-US" smtClean="0"/>
+                        <a:t>차</a:t>
+                      </a:r>
+                      <a:endParaRPr lang="en-US"/>
+                    </a:p>
+                  </a:txBody>
+                  <a:tcPr marL="91450" marR="91450" marT="45725" marB="45725" anchor="ctr"/>
+                </a:tc>
+                <a:tc>
+                  <a:txBody>
+                    <a:bodyPr/>
+                    <a:lstStyle/>
+                    <a:p>
                       <a:pPr marL="0" marR="0" lvl="0" indent="0" algn="ctr" rtl="0">
                         <a:spcBef>
                           <a:spcPts val="0"/>
@@ -12486,12 +12662,22 @@
                         <a:buNone/>
                       </a:pPr>
                       <a:r>
-                        <a:rPr lang="en-US" sz="1400" u="none" strike="noStrike" cap="none"/>
+                        <a:rPr lang="en-US" sz="1400" u="none" strike="noStrike" cap="none">
+                          <a:solidFill>
+                            <a:schemeClr val="tx1">
+                              <a:lumMod val="65000"/>
+                              <a:lumOff val="35000"/>
+                            </a:schemeClr>
+                          </a:solidFill>
+                        </a:rPr>
                         <a:t>견적 구매</a:t>
                       </a:r>
                       <a:endParaRPr sz="1400" u="none" strike="noStrike" cap="none">
                         <a:solidFill>
-                          <a:schemeClr val="dk1"/>
+                          <a:schemeClr val="tx1">
+                            <a:lumMod val="65000"/>
+                            <a:lumOff val="35000"/>
+                          </a:schemeClr>
                         </a:solidFill>
                       </a:endParaRPr>
                     </a:p>
@@ -12521,12 +12707,22 @@
                         <a:buNone/>
                       </a:pPr>
                       <a:r>
-                        <a:rPr lang="en-US" sz="1400" u="none" strike="noStrike" cap="none"/>
+                        <a:rPr lang="en-US" sz="1400" u="none" strike="noStrike" cap="none">
+                          <a:solidFill>
+                            <a:schemeClr val="tx1">
+                              <a:lumMod val="65000"/>
+                              <a:lumOff val="35000"/>
+                            </a:schemeClr>
+                          </a:solidFill>
+                        </a:rPr>
                         <a:t>5월 말</a:t>
                       </a:r>
                       <a:endParaRPr sz="1400" u="none" strike="noStrike" cap="none">
                         <a:solidFill>
-                          <a:schemeClr val="dk1"/>
+                          <a:schemeClr val="tx1">
+                            <a:lumMod val="65000"/>
+                            <a:lumOff val="35000"/>
+                          </a:schemeClr>
                         </a:solidFill>
                       </a:endParaRPr>
                     </a:p>
@@ -12556,12 +12752,22 @@
                         <a:buNone/>
                       </a:pPr>
                       <a:r>
-                        <a:rPr lang="en-US" sz="1400" u="none" strike="noStrike" cap="none"/>
+                        <a:rPr lang="en-US" sz="1400" u="none" strike="noStrike" cap="none">
+                          <a:solidFill>
+                            <a:schemeClr val="tx1">
+                              <a:lumMod val="65000"/>
+                              <a:lumOff val="35000"/>
+                            </a:schemeClr>
+                          </a:solidFill>
+                        </a:rPr>
                         <a:t>드론 조립</a:t>
                       </a:r>
                       <a:endParaRPr sz="1400" u="none" strike="noStrike" cap="none">
                         <a:solidFill>
-                          <a:schemeClr val="dk1"/>
+                          <a:schemeClr val="tx1">
+                            <a:lumMod val="65000"/>
+                            <a:lumOff val="35000"/>
+                          </a:schemeClr>
                         </a:solidFill>
                       </a:endParaRPr>
                     </a:p>
@@ -12591,12 +12797,55 @@
                         <a:buNone/>
                       </a:pPr>
                       <a:r>
-                        <a:rPr lang="en-US" sz="1400" u="none" strike="noStrike" cap="none"/>
-                        <a:t>NAVIO2 기반 드론 </a:t>
+                        <a:rPr lang="en-US" sz="1400" u="none" strike="noStrike" cap="none">
+                          <a:solidFill>
+                            <a:schemeClr val="tx1">
+                              <a:lumMod val="65000"/>
+                              <a:lumOff val="35000"/>
+                            </a:schemeClr>
+                          </a:solidFill>
+                        </a:rPr>
+                        <a:t>NAVIO2 </a:t>
+                      </a:r>
+                      <a:r>
+                        <a:rPr lang="en-US" sz="1400" u="none" strike="noStrike" cap="none" smtClean="0">
+                          <a:solidFill>
+                            <a:schemeClr val="tx1">
+                              <a:lumMod val="65000"/>
+                              <a:lumOff val="35000"/>
+                            </a:schemeClr>
+                          </a:solidFill>
+                        </a:rPr>
+                        <a:t>, 드론 </a:t>
+                      </a:r>
+                      <a:r>
+                        <a:rPr lang="ko-KR" altLang="en-US" sz="1400" u="none" strike="noStrike" cap="none" smtClean="0">
+                          <a:solidFill>
+                            <a:schemeClr val="tx1">
+                              <a:lumMod val="65000"/>
+                              <a:lumOff val="35000"/>
+                            </a:schemeClr>
+                          </a:solidFill>
+                        </a:rPr>
+                        <a:t>본체</a:t>
+                      </a:r>
+                      <a:r>
+                        <a:rPr lang="en-US" sz="1400" u="none" strike="noStrike" cap="none" smtClean="0">
+                          <a:solidFill>
+                            <a:schemeClr val="tx1">
+                              <a:lumMod val="65000"/>
+                              <a:lumOff val="35000"/>
+                            </a:schemeClr>
+                          </a:solidFill>
+                        </a:rPr>
+                        <a:t> </a:t>
                       </a:r>
                       <a:endParaRPr sz="1400" u="none" strike="noStrike" cap="none">
                         <a:solidFill>
-                          <a:schemeClr val="dk1"/>
+                          <a:schemeClr val="tx1">
+                            <a:lumMod val="65000"/>
+                            <a:lumOff val="35000"/>
+                          </a:schemeClr>
                         </a:solidFill>
                       </a:endParaRPr>
                     </a:p>
@@ -12617,36 +12866,23 @@
                         </a:spcAft>
                         <a:buNone/>
                       </a:pPr>
-                      <a:endParaRPr sz="1400" u="none" strike="noStrike" cap="none">
-                        <a:solidFill>
-                          <a:schemeClr val="dk1"/>
-                        </a:solidFill>
-                      </a:endParaRPr>
-                    </a:p>
-                  </a:txBody>
-                  <a:tcPr marL="91450" marR="91450" marT="45725" marB="45725" anchor="ctr"/>
-                </a:tc>
-                <a:tc>
-                  <a:txBody>
-                    <a:bodyPr/>
-                    <a:lstStyle/>
-                    <a:p>
-                      <a:pPr marL="0" marR="0" lvl="0" indent="0" algn="ctr" rtl="0">
-                        <a:spcBef>
-                          <a:spcPts val="0"/>
-                        </a:spcBef>
-                        <a:spcAft>
-                          <a:spcPts val="0"/>
-                        </a:spcAft>
-                        <a:buNone/>
-                      </a:pPr>
                       <a:r>
-                        <a:rPr lang="en-US" sz="1400" u="none" strike="noStrike" cap="none"/>
+                        <a:rPr lang="en-US" sz="1400" u="none" strike="noStrike" cap="none">
+                          <a:solidFill>
+                            <a:schemeClr val="tx1">
+                              <a:lumMod val="65000"/>
+                              <a:lumOff val="35000"/>
+                            </a:schemeClr>
+                          </a:solidFill>
+                        </a:rPr>
                         <a:t>2</a:t>
                       </a:r>
                       <a:endParaRPr sz="1400" u="none" strike="noStrike" cap="none">
                         <a:solidFill>
-                          <a:schemeClr val="dk1"/>
+                          <a:schemeClr val="tx1">
+                            <a:lumMod val="65000"/>
+                            <a:lumOff val="35000"/>
+                          </a:schemeClr>
                         </a:solidFill>
                       </a:endParaRPr>
                     </a:p>
@@ -12668,12 +12904,59 @@
                         <a:buNone/>
                       </a:pPr>
                       <a:r>
-                        <a:rPr lang="en-US" sz="1400" u="none" strike="noStrike" cap="none"/>
+                        <a:rPr lang="en-US" sz="1400" u="none" strike="noStrike" cap="none">
+                          <a:solidFill>
+                            <a:schemeClr val="tx1">
+                              <a:lumMod val="65000"/>
+                              <a:lumOff val="35000"/>
+                            </a:schemeClr>
+                          </a:solidFill>
+                        </a:rPr>
                         <a:t>테스트</a:t>
                       </a:r>
                       <a:endParaRPr sz="1400" u="none" strike="noStrike" cap="none">
                         <a:solidFill>
-                          <a:schemeClr val="dk1"/>
+                          <a:schemeClr val="tx1">
+                            <a:lumMod val="65000"/>
+                            <a:lumOff val="35000"/>
+                          </a:schemeClr>
+                        </a:solidFill>
+                      </a:endParaRPr>
+                    </a:p>
+                  </a:txBody>
+                  <a:tcPr marL="91450" marR="91450" marT="45725" marB="45725" anchor="ctr"/>
+                </a:tc>
+                <a:tc>
+                  <a:txBody>
+                    <a:bodyPr/>
+                    <a:lstStyle/>
+                    <a:p>
+                      <a:pPr marL="0" marR="0" lvl="0" indent="0" algn="ctr" rtl="0">
+                        <a:spcBef>
+                          <a:spcPts val="0"/>
+                        </a:spcBef>
+                        <a:spcAft>
+                          <a:spcPts val="0"/>
+                        </a:spcAft>
+                        <a:buNone/>
+                      </a:pPr>
+                      <a:r>
+                        <a:rPr lang="ko-KR" altLang="en-US" sz="1400" u="none" strike="noStrike" cap="none" smtClean="0">
+                          <a:solidFill>
+                            <a:schemeClr val="tx1">
+                              <a:lumMod val="65000"/>
+                              <a:lumOff val="35000"/>
+                            </a:schemeClr>
+                          </a:solidFill>
+                        </a:rPr>
+                        <a:t>완료</a:t>
+                      </a:r>
+                      <a:endParaRPr sz="1400" u="none" strike="noStrike" cap="none">
+                        <a:solidFill>
+                          <a:schemeClr val="tx1">
+                            <a:lumMod val="65000"/>
+                            <a:lumOff val="35000"/>
+                          </a:schemeClr>
                         </a:solidFill>
                       </a:endParaRPr>
                     </a:p>
@@ -12692,6 +12975,25 @@
                     <a:bodyPr/>
                     <a:lstStyle/>
                     <a:p>
+                      <a:pPr algn="ctr"/>
+                      <a:r>
+                        <a:rPr lang="en-US" smtClean="0"/>
+                        <a:t>2</a:t>
+                      </a:r>
+                      <a:r>
+                        <a:rPr lang="ko-KR" altLang="en-US" smtClean="0"/>
+                        <a:t>차</a:t>
+                      </a:r>
+                      <a:endParaRPr lang="en-US"/>
+                    </a:p>
+                  </a:txBody>
+                  <a:tcPr marL="91450" marR="91450" marT="45725" marB="45725" anchor="ctr"/>
+                </a:tc>
+                <a:tc>
+                  <a:txBody>
+                    <a:bodyPr/>
+                    <a:lstStyle/>
+                    <a:p>
                       <a:pPr marL="0" marR="0" lvl="0" indent="0" algn="ctr" rtl="0">
                         <a:lnSpc>
                           <a:spcPct val="100000"/>
@@ -12710,12 +13012,20 @@
                         <a:buNone/>
                       </a:pPr>
                       <a:r>
-                        <a:rPr lang="en-US" sz="1400" u="none" strike="noStrike" cap="none"/>
+                        <a:rPr lang="en-US" sz="1400" b="1" u="none" strike="noStrike" cap="none">
+                          <a:solidFill>
+                            <a:schemeClr val="accent2">
+                              <a:lumMod val="75000"/>
+                            </a:schemeClr>
+                          </a:solidFill>
+                        </a:rPr>
                         <a:t>견적 구매</a:t>
                       </a:r>
-                      <a:endParaRPr sz="1400" u="none" strike="noStrike" cap="none">
+                      <a:endParaRPr sz="1400" b="1" u="none" strike="noStrike" cap="none">
                         <a:solidFill>
-                          <a:schemeClr val="dk1"/>
+                          <a:schemeClr val="accent2">
+                            <a:lumMod val="75000"/>
+                          </a:schemeClr>
                         </a:solidFill>
                       </a:endParaRPr>
                     </a:p>
@@ -12745,12 +13055,20 @@
                         <a:buNone/>
                       </a:pPr>
                       <a:r>
-                        <a:rPr lang="en-US" sz="1400" u="none" strike="noStrike" cap="none"/>
+                        <a:rPr lang="en-US" sz="1400" b="1" u="none" strike="noStrike" cap="none">
+                          <a:solidFill>
+                            <a:schemeClr val="accent2">
+                              <a:lumMod val="75000"/>
+                            </a:schemeClr>
+                          </a:solidFill>
+                        </a:rPr>
                         <a:t>6월 중순</a:t>
                       </a:r>
-                      <a:endParaRPr sz="1400" u="none" strike="noStrike" cap="none">
+                      <a:endParaRPr sz="1400" b="1" u="none" strike="noStrike" cap="none">
                         <a:solidFill>
-                          <a:schemeClr val="dk1"/>
+                          <a:schemeClr val="accent2">
+                            <a:lumMod val="75000"/>
+                          </a:schemeClr>
                         </a:solidFill>
                       </a:endParaRPr>
                     </a:p>
@@ -12780,12 +13098,20 @@
                         <a:buNone/>
                       </a:pPr>
                       <a:r>
-                        <a:rPr lang="en-US" sz="1400" u="none" strike="noStrike" cap="none"/>
+                        <a:rPr lang="en-US" sz="1400" b="1" u="none" strike="noStrike" cap="none">
+                          <a:solidFill>
+                            <a:schemeClr val="accent2">
+                              <a:lumMod val="75000"/>
+                            </a:schemeClr>
+                          </a:solidFill>
+                        </a:rPr>
                         <a:t>드론 조립</a:t>
                       </a:r>
-                      <a:endParaRPr sz="1400" u="none" strike="noStrike" cap="none">
+                      <a:endParaRPr sz="1400" b="1" u="none" strike="noStrike" cap="none">
                         <a:solidFill>
-                          <a:schemeClr val="dk1"/>
+                          <a:schemeClr val="accent2">
+                            <a:lumMod val="75000"/>
+                          </a:schemeClr>
                         </a:solidFill>
                       </a:endParaRPr>
                     </a:p>
@@ -12815,12 +13141,40 @@
                         <a:buNone/>
                       </a:pPr>
                       <a:r>
-                        <a:rPr lang="en-US" sz="1400" u="none" strike="noStrike" cap="none"/>
-                        <a:t>NAVIO2 기반 드론 </a:t>
+                        <a:rPr lang="en-US" sz="1400" b="1" u="none" strike="noStrike" cap="none">
+                          <a:solidFill>
+                            <a:schemeClr val="accent2">
+                              <a:lumMod val="75000"/>
+                            </a:schemeClr>
+                          </a:solidFill>
+                        </a:rPr>
+                        <a:t>NAVIO2 </a:t>
                       </a:r>
-                      <a:endParaRPr sz="1400" u="none" strike="noStrike" cap="none">
+                      <a:r>
+                        <a:rPr lang="ko-KR" altLang="en-US" sz="1400" b="1" u="none" strike="noStrike" cap="none" smtClean="0">
+                          <a:solidFill>
+                            <a:schemeClr val="accent2">
+                              <a:lumMod val="75000"/>
+                            </a:schemeClr>
+                          </a:solidFill>
+                        </a:rPr>
+                        <a:t>콘트롤러</a:t>
+                      </a:r>
+                      <a:r>
+                        <a:rPr lang="en-US" sz="1400" b="1" u="none" strike="noStrike" cap="none" smtClean="0">
+                          <a:solidFill>
+                            <a:schemeClr val="accent2">
+                              <a:lumMod val="75000"/>
+                            </a:schemeClr>
+                          </a:solidFill>
+                        </a:rPr>
+                        <a:t> </a:t>
+                      </a:r>
+                      <a:endParaRPr sz="1400" b="1" u="none" strike="noStrike" cap="none">
                         <a:solidFill>
-                          <a:schemeClr val="dk1"/>
+                          <a:schemeClr val="accent2">
+                            <a:lumMod val="75000"/>
+                          </a:schemeClr>
                         </a:solidFill>
                       </a:endParaRPr>
                     </a:p>
@@ -12841,9 +13195,21 @@
                         </a:spcAft>
                         <a:buNone/>
                       </a:pPr>
-                      <a:endParaRPr sz="1400" u="none" strike="noStrike" cap="none">
+                      <a:r>
+                        <a:rPr lang="en-US" sz="1400" b="1" u="none" strike="noStrike" cap="none">
+                          <a:solidFill>
+                            <a:schemeClr val="accent2">
+                              <a:lumMod val="75000"/>
+                            </a:schemeClr>
+                          </a:solidFill>
+                        </a:rPr>
+                        <a:t>학생수</a:t>
+                      </a:r>
+                      <a:endParaRPr sz="1400" b="1" u="none" strike="noStrike" cap="none">
                         <a:solidFill>
-                          <a:schemeClr val="dk1"/>
+                          <a:schemeClr val="accent2">
+                            <a:lumMod val="75000"/>
+                          </a:schemeClr>
                         </a:solidFill>
                       </a:endParaRPr>
                     </a:p>
@@ -12865,12 +13231,20 @@
                         <a:buNone/>
                       </a:pPr>
                       <a:r>
-                        <a:rPr lang="en-US" sz="1400" u="none" strike="noStrike" cap="none"/>
-                        <a:t>학생수</a:t>
+                        <a:rPr lang="en-US" sz="1400" b="1" u="none" strike="noStrike" cap="none">
+                          <a:solidFill>
+                            <a:schemeClr val="accent2">
+                              <a:lumMod val="75000"/>
+                            </a:schemeClr>
+                          </a:solidFill>
+                        </a:rPr>
+                        <a:t>확정 구매</a:t>
                       </a:r>
-                      <a:endParaRPr sz="1400" u="none" strike="noStrike" cap="none">
+                      <a:endParaRPr sz="1400" b="1" u="none" strike="noStrike" cap="none">
                         <a:solidFill>
-                          <a:schemeClr val="dk1"/>
+                          <a:schemeClr val="accent2">
+                            <a:lumMod val="75000"/>
+                          </a:schemeClr>
                         </a:solidFill>
                       </a:endParaRPr>
                     </a:p>
@@ -12892,12 +13266,20 @@
                         <a:buNone/>
                       </a:pPr>
                       <a:r>
-                        <a:rPr lang="en-US" sz="1400" u="none" strike="noStrike" cap="none"/>
-                        <a:t>확정 구매</a:t>
+                        <a:rPr lang="ko-KR" altLang="en-US" sz="1400" b="1" u="none" strike="noStrike" cap="none" smtClean="0">
+                          <a:solidFill>
+                            <a:schemeClr val="accent2">
+                              <a:lumMod val="75000"/>
+                            </a:schemeClr>
+                          </a:solidFill>
+                        </a:rPr>
+                        <a:t>견적</a:t>
                       </a:r>
-                      <a:endParaRPr sz="1400" u="none" strike="noStrike" cap="none">
+                      <a:endParaRPr sz="1400" b="1" u="none" strike="noStrike" cap="none">
                         <a:solidFill>
-                          <a:schemeClr val="dk1"/>
+                          <a:schemeClr val="accent2">
+                            <a:lumMod val="75000"/>
+                          </a:schemeClr>
                         </a:solidFill>
                       </a:endParaRPr>
                     </a:p>
@@ -12916,18 +13298,65 @@
                     <a:bodyPr/>
                     <a:lstStyle/>
                     <a:p>
+                      <a:pPr marL="0" marR="0" lvl="0" indent="0" algn="ctr" defTabSz="914400" rtl="0" eaLnBrk="1" fontAlgn="auto" latinLnBrk="0" hangingPunct="1">
+                        <a:lnSpc>
+                          <a:spcPct val="100000"/>
+                        </a:lnSpc>
+                        <a:spcBef>
+                          <a:spcPts val="0"/>
+                        </a:spcBef>
+                        <a:spcAft>
+                          <a:spcPts val="0"/>
+                        </a:spcAft>
+                        <a:buClr>
+                          <a:srgbClr val="000000"/>
+                        </a:buClr>
+                        <a:buSzTx/>
+                        <a:buFont typeface="Arial"/>
+                        <a:buNone/>
+                        <a:tabLst/>
+                        <a:defRPr/>
+                      </a:pPr>
+                      <a:r>
+                        <a:rPr lang="en-US" smtClean="0"/>
+                        <a:t>2</a:t>
+                      </a:r>
+                      <a:r>
+                        <a:rPr lang="ko-KR" altLang="en-US" smtClean="0"/>
+                        <a:t>차</a:t>
+                      </a:r>
+                      <a:endParaRPr lang="en-US" smtClean="0"/>
+                    </a:p>
+                  </a:txBody>
+                  <a:tcPr marL="91450" marR="91450" marT="45725" marB="45725" anchor="ctr"/>
+                </a:tc>
+                <a:tc>
+                  <a:txBody>
+                    <a:bodyPr/>
+                    <a:lstStyle/>
+                    <a:p>
                       <a:pPr marL="0" marR="0" lvl="0" indent="0" algn="ctr" rtl="0">
-                        <a:spcBef>
-                          <a:spcPts val="0"/>
-                        </a:spcBef>
-                        <a:spcAft>
-                          <a:spcPts val="0"/>
-                        </a:spcAft>
-                        <a:buNone/>
-                      </a:pPr>
-                      <a:endParaRPr sz="1400" u="none" strike="noStrike" cap="none">
+                        <a:lnSpc>
+                          <a:spcPct val="100000"/>
+                        </a:lnSpc>
+                        <a:spcBef>
+                          <a:spcPts val="0"/>
+                        </a:spcBef>
+                        <a:spcAft>
+                          <a:spcPts val="0"/>
+                        </a:spcAft>
+                        <a:buClr>
+                          <a:schemeClr val="dk1"/>
+                        </a:buClr>
+                        <a:buSzPts val="1400"/>
+                        <a:buFont typeface="Calibri"/>
+                        <a:buNone/>
+                      </a:pPr>
+                      <a:endParaRPr sz="1400" b="1" u="none" strike="noStrike" cap="none">
                         <a:solidFill>
-                          <a:schemeClr val="dk1"/>
+                          <a:schemeClr val="accent2">
+                            <a:lumMod val="75000"/>
+                          </a:schemeClr>
                         </a:solidFill>
                       </a:endParaRPr>
                     </a:p>
@@ -12939,18 +13368,38 @@
                     <a:bodyPr/>
                     <a:lstStyle/>
                     <a:p>
-                      <a:pPr marL="0" marR="0" lvl="0" indent="0" algn="l" rtl="0">
-                        <a:spcBef>
-                          <a:spcPts val="0"/>
-                        </a:spcBef>
-                        <a:spcAft>
-                          <a:spcPts val="0"/>
-                        </a:spcAft>
-                        <a:buNone/>
-                      </a:pPr>
-                      <a:endParaRPr sz="1400" u="none" strike="noStrike" cap="none">
+                      <a:pPr marL="0" marR="0" lvl="0" indent="0" algn="ctr" rtl="0">
+                        <a:lnSpc>
+                          <a:spcPct val="100000"/>
+                        </a:lnSpc>
+                        <a:spcBef>
+                          <a:spcPts val="0"/>
+                        </a:spcBef>
+                        <a:spcAft>
+                          <a:spcPts val="0"/>
+                        </a:spcAft>
+                        <a:buClr>
+                          <a:schemeClr val="dk1"/>
+                        </a:buClr>
+                        <a:buSzPts val="1400"/>
+                        <a:buFont typeface="Calibri"/>
+                        <a:buNone/>
+                      </a:pPr>
+                      <a:r>
+                        <a:rPr lang="en-US" sz="1400" b="1" u="none" strike="noStrike" cap="none">
+                          <a:solidFill>
+                            <a:schemeClr val="accent2">
+                              <a:lumMod val="75000"/>
+                            </a:schemeClr>
+                          </a:solidFill>
+                        </a:rPr>
+                        <a:t>6월 중순</a:t>
+                      </a:r>
+                      <a:endParaRPr sz="1400" b="1" u="none" strike="noStrike" cap="none">
                         <a:solidFill>
-                          <a:schemeClr val="dk1"/>
+                          <a:schemeClr val="accent2">
+                            <a:lumMod val="75000"/>
+                          </a:schemeClr>
                         </a:solidFill>
                       </a:endParaRPr>
                     </a:p>
@@ -12962,18 +13411,38 @@
                     <a:bodyPr/>
                     <a:lstStyle/>
                     <a:p>
-                      <a:pPr marL="0" marR="0" lvl="0" indent="0" algn="l" rtl="0">
-                        <a:spcBef>
-                          <a:spcPts val="0"/>
-                        </a:spcBef>
-                        <a:spcAft>
-                          <a:spcPts val="0"/>
-                        </a:spcAft>
-                        <a:buNone/>
-                      </a:pPr>
-                      <a:endParaRPr sz="1400" u="none" strike="noStrike" cap="none">
+                      <a:pPr marL="0" marR="0" lvl="0" indent="0" algn="ctr" rtl="0">
+                        <a:lnSpc>
+                          <a:spcPct val="100000"/>
+                        </a:lnSpc>
+                        <a:spcBef>
+                          <a:spcPts val="0"/>
+                        </a:spcBef>
+                        <a:spcAft>
+                          <a:spcPts val="0"/>
+                        </a:spcAft>
+                        <a:buClr>
+                          <a:schemeClr val="dk1"/>
+                        </a:buClr>
+                        <a:buSzPts val="1400"/>
+                        <a:buFont typeface="Calibri"/>
+                        <a:buNone/>
+                      </a:pPr>
+                      <a:r>
+                        <a:rPr lang="en-US" sz="1400" b="1" u="none" strike="noStrike" cap="none">
+                          <a:solidFill>
+                            <a:schemeClr val="accent2">
+                              <a:lumMod val="75000"/>
+                            </a:schemeClr>
+                          </a:solidFill>
+                        </a:rPr>
+                        <a:t>드론 조립</a:t>
+                      </a:r>
+                      <a:endParaRPr sz="1400" b="1" u="none" strike="noStrike" cap="none">
                         <a:solidFill>
-                          <a:schemeClr val="dk1"/>
+                          <a:schemeClr val="accent2">
+                            <a:lumMod val="75000"/>
+                          </a:schemeClr>
                         </a:solidFill>
                       </a:endParaRPr>
                     </a:p>
@@ -12986,17 +13455,77 @@
                     <a:lstStyle/>
                     <a:p>
                       <a:pPr marL="0" marR="0" lvl="0" indent="0" algn="ctr" rtl="0">
-                        <a:spcBef>
-                          <a:spcPts val="0"/>
-                        </a:spcBef>
-                        <a:spcAft>
-                          <a:spcPts val="0"/>
-                        </a:spcAft>
-                        <a:buNone/>
-                      </a:pPr>
-                      <a:endParaRPr sz="1400" u="none" strike="noStrike" cap="none">
+                        <a:lnSpc>
+                          <a:spcPct val="100000"/>
+                        </a:lnSpc>
+                        <a:spcBef>
+                          <a:spcPts val="0"/>
+                        </a:spcBef>
+                        <a:spcAft>
+                          <a:spcPts val="0"/>
+                        </a:spcAft>
+                        <a:buClr>
+                          <a:schemeClr val="dk1"/>
+                        </a:buClr>
+                        <a:buSzPts val="1400"/>
+                        <a:buFont typeface="Calibri"/>
+                        <a:buNone/>
+                      </a:pPr>
+                      <a:r>
+                        <a:rPr lang="ko-KR" altLang="en-US" sz="1400" b="1" u="none" strike="noStrike" cap="none" smtClean="0">
+                          <a:solidFill>
+                            <a:schemeClr val="accent2">
+                              <a:lumMod val="75000"/>
+                            </a:schemeClr>
+                          </a:solidFill>
+                        </a:rPr>
+                        <a:t>드론 프레임 </a:t>
+                      </a:r>
+                      <a:r>
+                        <a:rPr lang="en-US" altLang="ko-KR" sz="1400" b="1" u="none" strike="noStrike" cap="none" smtClean="0">
+                          <a:solidFill>
+                            <a:schemeClr val="accent2">
+                              <a:lumMod val="75000"/>
+                            </a:schemeClr>
+                          </a:solidFill>
+                        </a:rPr>
+                        <a:t>+ </a:t>
+                      </a:r>
+                      <a:r>
+                        <a:rPr lang="ko-KR" altLang="en-US" sz="1400" b="1" u="none" strike="noStrike" cap="none" smtClean="0">
+                          <a:solidFill>
+                            <a:schemeClr val="accent2">
+                              <a:lumMod val="75000"/>
+                            </a:schemeClr>
+                          </a:solidFill>
+                        </a:rPr>
+                        <a:t>모터</a:t>
+                      </a:r>
+                      <a:r>
+                        <a:rPr lang="en-US" altLang="ko-KR" sz="1400" b="1" u="none" strike="noStrike" cap="none" smtClean="0">
+                          <a:solidFill>
+                            <a:schemeClr val="accent2">
+                              <a:lumMod val="75000"/>
+                            </a:schemeClr>
+                          </a:solidFill>
+                        </a:rPr>
+                        <a:t>+</a:t>
+                      </a:r>
+                      <a:r>
+                        <a:rPr lang="ko-KR" altLang="en-US" sz="1400" b="1" u="none" strike="noStrike" cap="none" smtClean="0">
+                          <a:solidFill>
+                            <a:schemeClr val="accent2">
+                              <a:lumMod val="75000"/>
+                            </a:schemeClr>
+                          </a:solidFill>
+                        </a:rPr>
+                        <a:t>기타</a:t>
+                      </a:r>
+                      <a:endParaRPr sz="1400" b="1" u="none" strike="noStrike" cap="none">
                         <a:solidFill>
-                          <a:schemeClr val="dk1"/>
+                          <a:schemeClr val="accent2">
+                            <a:lumMod val="75000"/>
+                          </a:schemeClr>
                         </a:solidFill>
                       </a:endParaRPr>
                     </a:p>
@@ -13008,18 +13537,30 @@
                     <a:bodyPr/>
                     <a:lstStyle/>
                     <a:p>
-                      <a:pPr marL="0" marR="0" lvl="0" indent="0" algn="l" rtl="0">
-                        <a:spcBef>
-                          <a:spcPts val="0"/>
-                        </a:spcBef>
-                        <a:spcAft>
-                          <a:spcPts val="0"/>
-                        </a:spcAft>
-                        <a:buNone/>
-                      </a:pPr>
-                      <a:endParaRPr sz="1400">
+                      <a:pPr marL="0" marR="0" lvl="0" indent="0" algn="ctr" rtl="0">
+                        <a:spcBef>
+                          <a:spcPts val="0"/>
+                        </a:spcBef>
+                        <a:spcAft>
+                          <a:spcPts val="0"/>
+                        </a:spcAft>
+                        <a:buNone/>
+                      </a:pPr>
+                      <a:r>
+                        <a:rPr lang="en-US" sz="1400" b="1" u="none" strike="noStrike" cap="none" smtClean="0">
+                          <a:solidFill>
+                            <a:schemeClr val="accent2">
+                              <a:lumMod val="75000"/>
+                            </a:schemeClr>
+                          </a:solidFill>
+                        </a:rPr>
+                        <a:t>1</a:t>
+                      </a:r>
+                      <a:endParaRPr sz="1400" b="1" u="none" strike="noStrike" cap="none">
                         <a:solidFill>
-                          <a:schemeClr val="dk1"/>
+                          <a:schemeClr val="accent2">
+                            <a:lumMod val="75000"/>
+                          </a:schemeClr>
                         </a:solidFill>
                       </a:endParaRPr>
                     </a:p>
@@ -13040,9 +13581,21 @@
                         </a:spcAft>
                         <a:buNone/>
                       </a:pPr>
-                      <a:endParaRPr sz="1400">
+                      <a:r>
+                        <a:rPr lang="ko-KR" altLang="en-US" sz="1400" b="1" u="none" strike="noStrike" cap="none" smtClean="0">
+                          <a:solidFill>
+                            <a:schemeClr val="accent2">
+                              <a:lumMod val="75000"/>
+                            </a:schemeClr>
+                          </a:solidFill>
+                        </a:rPr>
+                        <a:t>테스트</a:t>
+                      </a:r>
+                      <a:endParaRPr sz="1400" b="1" u="none" strike="noStrike" cap="none">
                         <a:solidFill>
-                          <a:schemeClr val="dk1"/>
+                          <a:schemeClr val="accent2">
+                            <a:lumMod val="75000"/>
+                          </a:schemeClr>
                         </a:solidFill>
                       </a:endParaRPr>
                     </a:p>
@@ -13063,9 +13616,21 @@
                         </a:spcAft>
                         <a:buNone/>
                       </a:pPr>
-                      <a:endParaRPr sz="1400">
+                      <a:r>
+                        <a:rPr lang="ko-KR" altLang="en-US" sz="1400" b="1" u="none" strike="noStrike" cap="none" smtClean="0">
+                          <a:solidFill>
+                            <a:schemeClr val="accent2">
+                              <a:lumMod val="75000"/>
+                            </a:schemeClr>
+                          </a:solidFill>
+                        </a:rPr>
+                        <a:t>견적</a:t>
+                      </a:r>
+                      <a:endParaRPr sz="1400" b="1" u="none" strike="noStrike" cap="none">
                         <a:solidFill>
-                          <a:schemeClr val="dk1"/>
+                          <a:schemeClr val="accent2">
+                            <a:lumMod val="75000"/>
+                          </a:schemeClr>
                         </a:solidFill>
                       </a:endParaRPr>
                     </a:p>
@@ -13093,6 +13658,413 @@
                         </a:spcAft>
                         <a:buNone/>
                       </a:pPr>
+                      <a:r>
+                        <a:rPr lang="en-US" sz="1400" b="1" smtClean="0">
+                          <a:solidFill>
+                            <a:schemeClr val="accent2">
+                              <a:lumMod val="75000"/>
+                            </a:schemeClr>
+                          </a:solidFill>
+                        </a:rPr>
+                        <a:t>3</a:t>
+                      </a:r>
+                      <a:r>
+                        <a:rPr lang="ko-KR" altLang="en-US" sz="1400" b="1" smtClean="0">
+                          <a:solidFill>
+                            <a:schemeClr val="accent2">
+                              <a:lumMod val="75000"/>
+                            </a:schemeClr>
+                          </a:solidFill>
+                        </a:rPr>
+                        <a:t>차</a:t>
+                      </a:r>
+                      <a:endParaRPr sz="1400" b="1">
+                        <a:solidFill>
+                          <a:schemeClr val="accent2">
+                            <a:lumMod val="75000"/>
+                          </a:schemeClr>
+                        </a:solidFill>
+                      </a:endParaRPr>
+                    </a:p>
+                  </a:txBody>
+                  <a:tcPr marL="91450" marR="91450" marT="45725" marB="45725" anchor="ctr"/>
+                </a:tc>
+                <a:tc>
+                  <a:txBody>
+                    <a:bodyPr/>
+                    <a:lstStyle/>
+                    <a:p>
+                      <a:pPr marL="0" marR="0" lvl="0" indent="0" algn="ctr" rtl="0">
+                        <a:lnSpc>
+                          <a:spcPct val="100000"/>
+                        </a:lnSpc>
+                        <a:spcBef>
+                          <a:spcPts val="0"/>
+                        </a:spcBef>
+                        <a:spcAft>
+                          <a:spcPts val="0"/>
+                        </a:spcAft>
+                        <a:buClr>
+                          <a:schemeClr val="dk1"/>
+                        </a:buClr>
+                        <a:buSzPts val="1400"/>
+                        <a:buFont typeface="Calibri"/>
+                        <a:buNone/>
+                      </a:pPr>
+                      <a:endParaRPr sz="1400" b="1" u="none" strike="noStrike" cap="none">
+                        <a:solidFill>
+                          <a:schemeClr val="accent2">
+                            <a:lumMod val="75000"/>
+                          </a:schemeClr>
+                        </a:solidFill>
+                      </a:endParaRPr>
+                    </a:p>
+                  </a:txBody>
+                  <a:tcPr marL="91450" marR="91450" marT="45725" marB="45725" anchor="ctr"/>
+                </a:tc>
+                <a:tc>
+                  <a:txBody>
+                    <a:bodyPr/>
+                    <a:lstStyle/>
+                    <a:p>
+                      <a:pPr marL="0" marR="0" lvl="0" indent="0" algn="ctr" rtl="0">
+                        <a:lnSpc>
+                          <a:spcPct val="100000"/>
+                        </a:lnSpc>
+                        <a:spcBef>
+                          <a:spcPts val="0"/>
+                        </a:spcBef>
+                        <a:spcAft>
+                          <a:spcPts val="0"/>
+                        </a:spcAft>
+                        <a:buClr>
+                          <a:schemeClr val="dk1"/>
+                        </a:buClr>
+                        <a:buSzPts val="1400"/>
+                        <a:buFont typeface="Calibri"/>
+                        <a:buNone/>
+                      </a:pPr>
+                      <a:r>
+                        <a:rPr lang="en-US" sz="1400" b="1" u="none" strike="noStrike" cap="none">
+                          <a:solidFill>
+                            <a:schemeClr val="accent2">
+                              <a:lumMod val="75000"/>
+                            </a:schemeClr>
+                          </a:solidFill>
+                        </a:rPr>
+                        <a:t>6</a:t>
+                      </a:r>
+                      <a:r>
+                        <a:rPr lang="en-US" sz="1400" b="1" u="none" strike="noStrike" cap="none" smtClean="0">
+                          <a:solidFill>
+                            <a:schemeClr val="accent2">
+                              <a:lumMod val="75000"/>
+                            </a:schemeClr>
+                          </a:solidFill>
+                        </a:rPr>
+                        <a:t>월</a:t>
+                      </a:r>
+                      <a:r>
+                        <a:rPr lang="en-US" sz="1400" b="1" u="none" strike="noStrike" cap="none" baseline="0" smtClean="0">
+                          <a:solidFill>
+                            <a:schemeClr val="accent2">
+                              <a:lumMod val="75000"/>
+                            </a:schemeClr>
+                          </a:solidFill>
+                        </a:rPr>
+                        <a:t> </a:t>
+                      </a:r>
+                      <a:r>
+                        <a:rPr lang="ko-KR" altLang="en-US" sz="1400" b="1" u="none" strike="noStrike" cap="none" baseline="0" smtClean="0">
+                          <a:solidFill>
+                            <a:schemeClr val="accent2">
+                              <a:lumMod val="75000"/>
+                            </a:schemeClr>
+                          </a:solidFill>
+                        </a:rPr>
+                        <a:t>하순</a:t>
+                      </a:r>
+                      <a:endParaRPr sz="1400" b="1" u="none" strike="noStrike" cap="none">
+                        <a:solidFill>
+                          <a:schemeClr val="accent2">
+                            <a:lumMod val="75000"/>
+                          </a:schemeClr>
+                        </a:solidFill>
+                      </a:endParaRPr>
+                    </a:p>
+                  </a:txBody>
+                  <a:tcPr marL="91450" marR="91450" marT="45725" marB="45725" anchor="ctr"/>
+                </a:tc>
+                <a:tc>
+                  <a:txBody>
+                    <a:bodyPr/>
+                    <a:lstStyle/>
+                    <a:p>
+                      <a:pPr marL="0" marR="0" lvl="0" indent="0" algn="ctr" rtl="0">
+                        <a:lnSpc>
+                          <a:spcPct val="100000"/>
+                        </a:lnSpc>
+                        <a:spcBef>
+                          <a:spcPts val="0"/>
+                        </a:spcBef>
+                        <a:spcAft>
+                          <a:spcPts val="0"/>
+                        </a:spcAft>
+                        <a:buClr>
+                          <a:schemeClr val="dk1"/>
+                        </a:buClr>
+                        <a:buSzPts val="1400"/>
+                        <a:buFont typeface="Calibri"/>
+                        <a:buNone/>
+                      </a:pPr>
+                      <a:r>
+                        <a:rPr lang="en-US" sz="1400" b="1" u="none" strike="noStrike" cap="none">
+                          <a:solidFill>
+                            <a:schemeClr val="accent2">
+                              <a:lumMod val="75000"/>
+                            </a:schemeClr>
+                          </a:solidFill>
+                        </a:rPr>
+                        <a:t>드론 조립</a:t>
+                      </a:r>
+                      <a:endParaRPr sz="1400" b="1" u="none" strike="noStrike" cap="none">
+                        <a:solidFill>
+                          <a:schemeClr val="accent2">
+                            <a:lumMod val="75000"/>
+                          </a:schemeClr>
+                        </a:solidFill>
+                      </a:endParaRPr>
+                    </a:p>
+                  </a:txBody>
+                  <a:tcPr marL="91450" marR="91450" marT="45725" marB="45725" anchor="ctr"/>
+                </a:tc>
+                <a:tc>
+                  <a:txBody>
+                    <a:bodyPr/>
+                    <a:lstStyle/>
+                    <a:p>
+                      <a:pPr marL="0" marR="0" lvl="0" indent="0" algn="ctr" rtl="0">
+                        <a:lnSpc>
+                          <a:spcPct val="100000"/>
+                        </a:lnSpc>
+                        <a:spcBef>
+                          <a:spcPts val="0"/>
+                        </a:spcBef>
+                        <a:spcAft>
+                          <a:spcPts val="0"/>
+                        </a:spcAft>
+                        <a:buClr>
+                          <a:schemeClr val="dk1"/>
+                        </a:buClr>
+                        <a:buSzPts val="1400"/>
+                        <a:buFont typeface="Calibri"/>
+                        <a:buNone/>
+                      </a:pPr>
+                      <a:r>
+                        <a:rPr lang="ko-KR" altLang="en-US" sz="1400" b="1" u="none" strike="noStrike" cap="none" smtClean="0">
+                          <a:solidFill>
+                            <a:schemeClr val="accent2">
+                              <a:lumMod val="75000"/>
+                            </a:schemeClr>
+                          </a:solidFill>
+                        </a:rPr>
+                        <a:t>드론 프레임 </a:t>
+                      </a:r>
+                      <a:r>
+                        <a:rPr lang="en-US" altLang="ko-KR" sz="1400" b="1" u="none" strike="noStrike" cap="none" smtClean="0">
+                          <a:solidFill>
+                            <a:schemeClr val="accent2">
+                              <a:lumMod val="75000"/>
+                            </a:schemeClr>
+                          </a:solidFill>
+                        </a:rPr>
+                        <a:t>+ </a:t>
+                      </a:r>
+                      <a:r>
+                        <a:rPr lang="ko-KR" altLang="en-US" sz="1400" b="1" u="none" strike="noStrike" cap="none" smtClean="0">
+                          <a:solidFill>
+                            <a:schemeClr val="accent2">
+                              <a:lumMod val="75000"/>
+                            </a:schemeClr>
+                          </a:solidFill>
+                        </a:rPr>
+                        <a:t>모터</a:t>
+                      </a:r>
+                      <a:r>
+                        <a:rPr lang="en-US" altLang="ko-KR" sz="1400" b="1" u="none" strike="noStrike" cap="none" smtClean="0">
+                          <a:solidFill>
+                            <a:schemeClr val="accent2">
+                              <a:lumMod val="75000"/>
+                            </a:schemeClr>
+                          </a:solidFill>
+                        </a:rPr>
+                        <a:t>+</a:t>
+                      </a:r>
+                      <a:r>
+                        <a:rPr lang="ko-KR" altLang="en-US" sz="1400" b="1" u="none" strike="noStrike" cap="none" smtClean="0">
+                          <a:solidFill>
+                            <a:schemeClr val="accent2">
+                              <a:lumMod val="75000"/>
+                            </a:schemeClr>
+                          </a:solidFill>
+                        </a:rPr>
+                        <a:t>기타</a:t>
+                      </a:r>
+                      <a:r>
+                        <a:rPr lang="en-US" sz="1400" b="1" u="none" strike="noStrike" cap="none" smtClean="0">
+                          <a:solidFill>
+                            <a:schemeClr val="accent2">
+                              <a:lumMod val="75000"/>
+                            </a:schemeClr>
+                          </a:solidFill>
+                        </a:rPr>
+                        <a:t> </a:t>
+                      </a:r>
+                      <a:endParaRPr sz="1400" b="1" u="none" strike="noStrike" cap="none">
+                        <a:solidFill>
+                          <a:schemeClr val="accent2">
+                            <a:lumMod val="75000"/>
+                          </a:schemeClr>
+                        </a:solidFill>
+                      </a:endParaRPr>
+                    </a:p>
+                  </a:txBody>
+                  <a:tcPr marL="91450" marR="91450" marT="45725" marB="45725" anchor="ctr"/>
+                </a:tc>
+                <a:tc>
+                  <a:txBody>
+                    <a:bodyPr/>
+                    <a:lstStyle/>
+                    <a:p>
+                      <a:pPr marL="0" marR="0" lvl="0" indent="0" algn="ctr" rtl="0">
+                        <a:spcBef>
+                          <a:spcPts val="0"/>
+                        </a:spcBef>
+                        <a:spcAft>
+                          <a:spcPts val="0"/>
+                        </a:spcAft>
+                        <a:buNone/>
+                      </a:pPr>
+                      <a:r>
+                        <a:rPr lang="en-US" sz="1400" b="1" u="none" strike="noStrike" cap="none">
+                          <a:solidFill>
+                            <a:schemeClr val="accent2">
+                              <a:lumMod val="75000"/>
+                            </a:schemeClr>
+                          </a:solidFill>
+                        </a:rPr>
+                        <a:t>학생수</a:t>
+                      </a:r>
+                      <a:endParaRPr sz="1400" b="1" u="none" strike="noStrike" cap="none">
+                        <a:solidFill>
+                          <a:schemeClr val="accent2">
+                            <a:lumMod val="75000"/>
+                          </a:schemeClr>
+                        </a:solidFill>
+                      </a:endParaRPr>
+                    </a:p>
+                  </a:txBody>
+                  <a:tcPr marL="91450" marR="91450" marT="45725" marB="45725" anchor="ctr"/>
+                </a:tc>
+                <a:tc>
+                  <a:txBody>
+                    <a:bodyPr/>
+                    <a:lstStyle/>
+                    <a:p>
+                      <a:pPr marL="0" marR="0" lvl="0" indent="0" algn="ctr" rtl="0">
+                        <a:spcBef>
+                          <a:spcPts val="0"/>
+                        </a:spcBef>
+                        <a:spcAft>
+                          <a:spcPts val="0"/>
+                        </a:spcAft>
+                        <a:buNone/>
+                      </a:pPr>
+                      <a:r>
+                        <a:rPr lang="en-US" sz="1400" b="1" u="none" strike="noStrike" cap="none">
+                          <a:solidFill>
+                            <a:schemeClr val="accent2">
+                              <a:lumMod val="75000"/>
+                            </a:schemeClr>
+                          </a:solidFill>
+                        </a:rPr>
+                        <a:t>확정 구매</a:t>
+                      </a:r>
+                      <a:endParaRPr sz="1400" b="1" u="none" strike="noStrike" cap="none">
+                        <a:solidFill>
+                          <a:schemeClr val="accent2">
+                            <a:lumMod val="75000"/>
+                          </a:schemeClr>
+                        </a:solidFill>
+                      </a:endParaRPr>
+                    </a:p>
+                  </a:txBody>
+                  <a:tcPr marL="91450" marR="91450" marT="45725" marB="45725" anchor="ctr"/>
+                </a:tc>
+                <a:tc>
+                  <a:txBody>
+                    <a:bodyPr/>
+                    <a:lstStyle/>
+                    <a:p>
+                      <a:pPr marL="0" marR="0" lvl="0" indent="0" algn="ctr" rtl="0">
+                        <a:spcBef>
+                          <a:spcPts val="0"/>
+                        </a:spcBef>
+                        <a:spcAft>
+                          <a:spcPts val="0"/>
+                        </a:spcAft>
+                        <a:buNone/>
+                      </a:pPr>
+                      <a:r>
+                        <a:rPr lang="ko-KR" altLang="en-US" sz="1400" b="1" u="none" strike="noStrike" cap="none" smtClean="0">
+                          <a:solidFill>
+                            <a:schemeClr val="accent2">
+                              <a:lumMod val="75000"/>
+                            </a:schemeClr>
+                          </a:solidFill>
+                        </a:rPr>
+                        <a:t>검토중</a:t>
+                      </a:r>
+                      <a:endParaRPr sz="1400" b="1" u="none" strike="noStrike" cap="none">
+                        <a:solidFill>
+                          <a:schemeClr val="accent2">
+                            <a:lumMod val="75000"/>
+                          </a:schemeClr>
+                        </a:solidFill>
+                      </a:endParaRPr>
+                    </a:p>
+                  </a:txBody>
+                  <a:tcPr marL="91450" marR="91450" marT="45725" marB="45725" anchor="ctr"/>
+                </a:tc>
+                <a:extLst>
+                  <a:ext uri="{0D108BD9-81ED-4DB2-BD59-A6C34878D82A}">
+                    <a16:rowId xmlns:a16="http://schemas.microsoft.com/office/drawing/2014/main" val="10004"/>
+                  </a:ext>
+                </a:extLst>
+              </a:tr>
+              <a:tr h="372000">
+                <a:tc>
+                  <a:txBody>
+                    <a:bodyPr/>
+                    <a:lstStyle/>
+                    <a:p>
+                      <a:pPr marL="0" marR="0" lvl="0" indent="0" algn="ctr" rtl="0">
+                        <a:lnSpc>
+                          <a:spcPct val="100000"/>
+                        </a:lnSpc>
+                        <a:spcBef>
+                          <a:spcPts val="0"/>
+                        </a:spcBef>
+                        <a:spcAft>
+                          <a:spcPts val="0"/>
+                        </a:spcAft>
+                        <a:buClr>
+                          <a:schemeClr val="dk1"/>
+                        </a:buClr>
+                        <a:buSzPts val="1400"/>
+                        <a:buFont typeface="Calibri"/>
+                        <a:buNone/>
+                      </a:pPr>
                       <a:endParaRPr sz="1400">
                         <a:solidFill>
                           <a:schemeClr val="dk1"/>
@@ -13153,7 +14125,160 @@
                     <a:bodyPr/>
                     <a:lstStyle/>
                     <a:p>
+                      <a:pPr marL="0" marR="0" lvl="0" indent="0" algn="l" rtl="0">
+                        <a:spcBef>
+                          <a:spcPts val="0"/>
+                        </a:spcBef>
+                        <a:spcAft>
+                          <a:spcPts val="0"/>
+                        </a:spcAft>
+                        <a:buNone/>
+                      </a:pPr>
+                      <a:endParaRPr sz="1400">
+                        <a:solidFill>
+                          <a:schemeClr val="dk1"/>
+                        </a:solidFill>
+                      </a:endParaRPr>
+                    </a:p>
+                  </a:txBody>
+                  <a:tcPr marL="91450" marR="91450" marT="45725" marB="45725" anchor="ctr"/>
+                </a:tc>
+                <a:tc>
+                  <a:txBody>
+                    <a:bodyPr/>
+                    <a:lstStyle/>
+                    <a:p>
                       <a:pPr marL="0" marR="0" lvl="0" indent="0" algn="ctr" rtl="0">
+                        <a:spcBef>
+                          <a:spcPts val="0"/>
+                        </a:spcBef>
+                        <a:spcAft>
+                          <a:spcPts val="0"/>
+                        </a:spcAft>
+                        <a:buNone/>
+                      </a:pPr>
+                      <a:endParaRPr sz="1400">
+                        <a:solidFill>
+                          <a:schemeClr val="dk1"/>
+                        </a:solidFill>
+                      </a:endParaRPr>
+                    </a:p>
+                  </a:txBody>
+                  <a:tcPr marL="91450" marR="91450" marT="45725" marB="45725" anchor="ctr"/>
+                </a:tc>
+                <a:tc>
+                  <a:txBody>
+                    <a:bodyPr/>
+                    <a:lstStyle/>
+                    <a:p>
+                      <a:pPr marL="0" marR="0" lvl="0" indent="0" algn="ctr" rtl="0">
+                        <a:spcBef>
+                          <a:spcPts val="0"/>
+                        </a:spcBef>
+                        <a:spcAft>
+                          <a:spcPts val="0"/>
+                        </a:spcAft>
+                        <a:buNone/>
+                      </a:pPr>
+                      <a:endParaRPr sz="1400">
+                        <a:solidFill>
+                          <a:schemeClr val="dk1"/>
+                        </a:solidFill>
+                      </a:endParaRPr>
+                    </a:p>
+                  </a:txBody>
+                  <a:tcPr marL="91450" marR="91450" marT="45725" marB="45725" anchor="ctr"/>
+                </a:tc>
+                <a:tc>
+                  <a:txBody>
+                    <a:bodyPr/>
+                    <a:lstStyle/>
+                    <a:p>
+                      <a:pPr marL="0" marR="0" lvl="0" indent="0" algn="ctr" rtl="0">
+                        <a:spcBef>
+                          <a:spcPts val="0"/>
+                        </a:spcBef>
+                        <a:spcAft>
+                          <a:spcPts val="0"/>
+                        </a:spcAft>
+                        <a:buNone/>
+                      </a:pPr>
+                      <a:endParaRPr sz="1400">
+                        <a:solidFill>
+                          <a:schemeClr val="dk1"/>
+                        </a:solidFill>
+                      </a:endParaRPr>
+                    </a:p>
+                  </a:txBody>
+                  <a:tcPr marL="91450" marR="91450" marT="45725" marB="45725" anchor="ctr"/>
+                </a:tc>
+                <a:tc>
+                  <a:txBody>
+                    <a:bodyPr/>
+                    <a:lstStyle/>
+                    <a:p>
+                      <a:pPr marL="0" marR="0" lvl="0" indent="0" algn="ctr" rtl="0">
+                        <a:spcBef>
+                          <a:spcPts val="0"/>
+                        </a:spcBef>
+                        <a:spcAft>
+                          <a:spcPts val="0"/>
+                        </a:spcAft>
+                        <a:buNone/>
+                      </a:pPr>
+                      <a:endParaRPr sz="1400">
+                        <a:solidFill>
+                          <a:schemeClr val="dk1"/>
+                        </a:solidFill>
+                      </a:endParaRPr>
+                    </a:p>
+                  </a:txBody>
+                  <a:tcPr marL="91450" marR="91450" marT="45725" marB="45725" anchor="ctr"/>
+                </a:tc>
+                <a:extLst>
+                  <a:ext uri="{0D108BD9-81ED-4DB2-BD59-A6C34878D82A}">
+                    <a16:rowId xmlns:a16="http://schemas.microsoft.com/office/drawing/2014/main" val="10005"/>
+                  </a:ext>
+                </a:extLst>
+              </a:tr>
+              <a:tr h="372000">
+                <a:tc>
+                  <a:txBody>
+                    <a:bodyPr/>
+                    <a:lstStyle/>
+                    <a:p>
+                      <a:pPr marL="0" marR="0" lvl="0" indent="0" algn="ctr" rtl="0">
+                        <a:lnSpc>
+                          <a:spcPct val="100000"/>
+                        </a:lnSpc>
+                        <a:spcBef>
+                          <a:spcPts val="0"/>
+                        </a:spcBef>
+                        <a:spcAft>
+                          <a:spcPts val="0"/>
+                        </a:spcAft>
+                        <a:buClr>
+                          <a:schemeClr val="dk1"/>
+                        </a:buClr>
+                        <a:buSzPts val="1400"/>
+                        <a:buFont typeface="Calibri"/>
+                        <a:buNone/>
+                      </a:pPr>
+                      <a:endParaRPr sz="1400">
+                        <a:solidFill>
+                          <a:schemeClr val="dk1"/>
+                        </a:solidFill>
+                      </a:endParaRPr>
+                    </a:p>
+                  </a:txBody>
+                  <a:tcPr marL="91450" marR="91450" marT="45725" marB="45725" anchor="ctr"/>
+                </a:tc>
+                <a:tc>
+                  <a:txBody>
+                    <a:bodyPr/>
+                    <a:lstStyle/>
+                    <a:p>
+                      <a:pPr marL="0" marR="0" lvl="0" indent="0" algn="l" rtl="0">
                         <a:spcBef>
                           <a:spcPts val="0"/>
                         </a:spcBef>
@@ -13189,289 +14314,6 @@
                         </a:spcAft>
                         <a:buNone/>
                       </a:pPr>
-                      <a:endParaRPr sz="1400">
-                        <a:solidFill>
-                          <a:schemeClr val="dk1"/>
-                        </a:solidFill>
-                      </a:endParaRPr>
-                    </a:p>
-                  </a:txBody>
-                  <a:tcPr marL="91450" marR="91450" marT="45725" marB="45725" anchor="ctr"/>
-                </a:tc>
-                <a:tc>
-                  <a:txBody>
-                    <a:bodyPr/>
-                    <a:lstStyle/>
-                    <a:p>
-                      <a:pPr marL="0" marR="0" lvl="0" indent="0" algn="ctr" rtl="0">
-                        <a:spcBef>
-                          <a:spcPts val="0"/>
-                        </a:spcBef>
-                        <a:spcAft>
-                          <a:spcPts val="0"/>
-                        </a:spcAft>
-                        <a:buNone/>
-                      </a:pPr>
-                      <a:endParaRPr sz="1400">
-                        <a:solidFill>
-                          <a:schemeClr val="dk1"/>
-                        </a:solidFill>
-                      </a:endParaRPr>
-                    </a:p>
-                  </a:txBody>
-                  <a:tcPr marL="91450" marR="91450" marT="45725" marB="45725" anchor="ctr"/>
-                </a:tc>
-                <a:tc>
-                  <a:txBody>
-                    <a:bodyPr/>
-                    <a:lstStyle/>
-                    <a:p>
-                      <a:pPr marL="0" marR="0" lvl="0" indent="0" algn="ctr" rtl="0">
-                        <a:spcBef>
-                          <a:spcPts val="0"/>
-                        </a:spcBef>
-                        <a:spcAft>
-                          <a:spcPts val="0"/>
-                        </a:spcAft>
-                        <a:buNone/>
-                      </a:pPr>
-                      <a:endParaRPr sz="1400">
-                        <a:solidFill>
-                          <a:schemeClr val="dk1"/>
-                        </a:solidFill>
-                      </a:endParaRPr>
-                    </a:p>
-                  </a:txBody>
-                  <a:tcPr marL="91450" marR="91450" marT="45725" marB="45725" anchor="ctr"/>
-                </a:tc>
-                <a:extLst>
-                  <a:ext uri="{0D108BD9-81ED-4DB2-BD59-A6C34878D82A}">
-                    <a16:rowId xmlns:a16="http://schemas.microsoft.com/office/drawing/2014/main" val="10004"/>
-                  </a:ext>
-                </a:extLst>
-              </a:tr>
-              <a:tr h="372000">
-                <a:tc>
-                  <a:txBody>
-                    <a:bodyPr/>
-                    <a:lstStyle/>
-                    <a:p>
-                      <a:pPr marL="0" marR="0" lvl="0" indent="0" algn="ctr" rtl="0">
-                        <a:lnSpc>
-                          <a:spcPct val="100000"/>
-                        </a:lnSpc>
-                        <a:spcBef>
-                          <a:spcPts val="0"/>
-                        </a:spcBef>
-                        <a:spcAft>
-                          <a:spcPts val="0"/>
-                        </a:spcAft>
-                        <a:buClr>
-                          <a:schemeClr val="dk1"/>
-                        </a:buClr>
-                        <a:buSzPts val="1400"/>
-                        <a:buFont typeface="Calibri"/>
-                        <a:buNone/>
-                      </a:pPr>
-                      <a:endParaRPr sz="1400">
-                        <a:solidFill>
-                          <a:schemeClr val="dk1"/>
-                        </a:solidFill>
-                      </a:endParaRPr>
-                    </a:p>
-                  </a:txBody>
-                  <a:tcPr marL="91450" marR="91450" marT="45725" marB="45725" anchor="ctr"/>
-                </a:tc>
-                <a:tc>
-                  <a:txBody>
-                    <a:bodyPr/>
-                    <a:lstStyle/>
-                    <a:p>
-                      <a:pPr marL="0" marR="0" lvl="0" indent="0" algn="l" rtl="0">
-                        <a:spcBef>
-                          <a:spcPts val="0"/>
-                        </a:spcBef>
-                        <a:spcAft>
-                          <a:spcPts val="0"/>
-                        </a:spcAft>
-                        <a:buNone/>
-                      </a:pPr>
-                      <a:endParaRPr sz="1400">
-                        <a:solidFill>
-                          <a:schemeClr val="dk1"/>
-                        </a:solidFill>
-                      </a:endParaRPr>
-                    </a:p>
-                  </a:txBody>
-                  <a:tcPr marL="91450" marR="91450" marT="45725" marB="45725" anchor="ctr"/>
-                </a:tc>
-                <a:tc>
-                  <a:txBody>
-                    <a:bodyPr/>
-                    <a:lstStyle/>
-                    <a:p>
-                      <a:pPr marL="0" marR="0" lvl="0" indent="0" algn="l" rtl="0">
-                        <a:spcBef>
-                          <a:spcPts val="0"/>
-                        </a:spcBef>
-                        <a:spcAft>
-                          <a:spcPts val="0"/>
-                        </a:spcAft>
-                        <a:buNone/>
-                      </a:pPr>
-                      <a:endParaRPr sz="1400">
-                        <a:solidFill>
-                          <a:schemeClr val="dk1"/>
-                        </a:solidFill>
-                      </a:endParaRPr>
-                    </a:p>
-                  </a:txBody>
-                  <a:tcPr marL="91450" marR="91450" marT="45725" marB="45725" anchor="ctr"/>
-                </a:tc>
-                <a:tc>
-                  <a:txBody>
-                    <a:bodyPr/>
-                    <a:lstStyle/>
-                    <a:p>
-                      <a:pPr marL="0" marR="0" lvl="0" indent="0" algn="ctr" rtl="0">
-                        <a:spcBef>
-                          <a:spcPts val="0"/>
-                        </a:spcBef>
-                        <a:spcAft>
-                          <a:spcPts val="0"/>
-                        </a:spcAft>
-                        <a:buNone/>
-                      </a:pPr>
-                      <a:endParaRPr sz="1400">
-                        <a:solidFill>
-                          <a:schemeClr val="dk1"/>
-                        </a:solidFill>
-                      </a:endParaRPr>
-                    </a:p>
-                  </a:txBody>
-                  <a:tcPr marL="91450" marR="91450" marT="45725" marB="45725" anchor="ctr"/>
-                </a:tc>
-                <a:tc>
-                  <a:txBody>
-                    <a:bodyPr/>
-                    <a:lstStyle/>
-                    <a:p>
-                      <a:pPr marL="0" marR="0" lvl="0" indent="0" algn="l" rtl="0">
-                        <a:spcBef>
-                          <a:spcPts val="0"/>
-                        </a:spcBef>
-                        <a:spcAft>
-                          <a:spcPts val="0"/>
-                        </a:spcAft>
-                        <a:buNone/>
-                      </a:pPr>
-                      <a:endParaRPr sz="1400">
-                        <a:solidFill>
-                          <a:schemeClr val="dk1"/>
-                        </a:solidFill>
-                      </a:endParaRPr>
-                    </a:p>
-                  </a:txBody>
-                  <a:tcPr marL="91450" marR="91450" marT="45725" marB="45725" anchor="ctr"/>
-                </a:tc>
-                <a:tc>
-                  <a:txBody>
-                    <a:bodyPr/>
-                    <a:lstStyle/>
-                    <a:p>
-                      <a:pPr marL="0" marR="0" lvl="0" indent="0" algn="ctr" rtl="0">
-                        <a:spcBef>
-                          <a:spcPts val="0"/>
-                        </a:spcBef>
-                        <a:spcAft>
-                          <a:spcPts val="0"/>
-                        </a:spcAft>
-                        <a:buNone/>
-                      </a:pPr>
-                      <a:endParaRPr sz="1400">
-                        <a:solidFill>
-                          <a:schemeClr val="dk1"/>
-                        </a:solidFill>
-                      </a:endParaRPr>
-                    </a:p>
-                  </a:txBody>
-                  <a:tcPr marL="91450" marR="91450" marT="45725" marB="45725" anchor="ctr"/>
-                </a:tc>
-                <a:tc>
-                  <a:txBody>
-                    <a:bodyPr/>
-                    <a:lstStyle/>
-                    <a:p>
-                      <a:pPr marL="0" marR="0" lvl="0" indent="0" algn="ctr" rtl="0">
-                        <a:spcBef>
-                          <a:spcPts val="0"/>
-                        </a:spcBef>
-                        <a:spcAft>
-                          <a:spcPts val="0"/>
-                        </a:spcAft>
-                        <a:buNone/>
-                      </a:pPr>
-                      <a:endParaRPr sz="1400">
-                        <a:solidFill>
-                          <a:schemeClr val="dk1"/>
-                        </a:solidFill>
-                      </a:endParaRPr>
-                    </a:p>
-                  </a:txBody>
-                  <a:tcPr marL="91450" marR="91450" marT="45725" marB="45725" anchor="ctr"/>
-                </a:tc>
-                <a:extLst>
-                  <a:ext uri="{0D108BD9-81ED-4DB2-BD59-A6C34878D82A}">
-                    <a16:rowId xmlns:a16="http://schemas.microsoft.com/office/drawing/2014/main" val="10005"/>
-                  </a:ext>
-                </a:extLst>
-              </a:tr>
-              <a:tr h="372000">
-                <a:tc>
-                  <a:txBody>
-                    <a:bodyPr/>
-                    <a:lstStyle/>
-                    <a:p>
-                      <a:pPr marL="0" marR="0" lvl="0" indent="0" algn="ctr" rtl="0">
-                        <a:lnSpc>
-                          <a:spcPct val="100000"/>
-                        </a:lnSpc>
-                        <a:spcBef>
-                          <a:spcPts val="0"/>
-                        </a:spcBef>
-                        <a:spcAft>
-                          <a:spcPts val="0"/>
-                        </a:spcAft>
-                        <a:buClr>
-                          <a:schemeClr val="dk1"/>
-                        </a:buClr>
-                        <a:buSzPts val="1400"/>
-                        <a:buFont typeface="Calibri"/>
-                        <a:buNone/>
-                      </a:pPr>
-                      <a:endParaRPr sz="1400">
-                        <a:solidFill>
-                          <a:schemeClr val="dk1"/>
-                        </a:solidFill>
-                      </a:endParaRPr>
-                    </a:p>
-                  </a:txBody>
-                  <a:tcPr marL="91450" marR="91450" marT="45725" marB="45725" anchor="ctr"/>
-                </a:tc>
-                <a:tc>
-                  <a:txBody>
-                    <a:bodyPr/>
-                    <a:lstStyle/>
-                    <a:p>
-                      <a:pPr marL="0" marR="0" lvl="0" indent="0" algn="l" rtl="0">
-                        <a:spcBef>
-                          <a:spcPts val="0"/>
-                        </a:spcBef>
-                        <a:spcAft>
-                          <a:spcPts val="0"/>
-                        </a:spcAft>
-                        <a:buNone/>
-                      </a:pPr>
                       <a:endParaRPr sz="1400" b="0">
                         <a:solidFill>
                           <a:schemeClr val="dk1"/>
@@ -13653,6 +14495,33 @@
                         <a:solidFill>
                           <a:schemeClr val="dk1"/>
                         </a:solidFill>
+                      </a:endParaRPr>
+                    </a:p>
+                  </a:txBody>
+                  <a:tcPr marL="91450" marR="91450" marT="45725" marB="45725" anchor="ctr"/>
+                </a:tc>
+                <a:tc>
+                  <a:txBody>
+                    <a:bodyPr/>
+                    <a:lstStyle/>
+                    <a:p>
+                      <a:pPr marL="0" marR="0" lvl="0" indent="0" algn="l" rtl="0">
+                        <a:spcBef>
+                          <a:spcPts val="0"/>
+                        </a:spcBef>
+                        <a:spcAft>
+                          <a:spcPts val="0"/>
+                        </a:spcAft>
+                        <a:buNone/>
+                      </a:pPr>
+                      <a:endParaRPr sz="1400" b="0">
+                        <a:solidFill>
+                          <a:schemeClr val="dk1"/>
+                        </a:solidFill>
+                        <a:latin typeface="Malgun Gothic"/>
+                        <a:ea typeface="Malgun Gothic"/>
+                        <a:cs typeface="Malgun Gothic"/>
+                        <a:sym typeface="Malgun Gothic"/>
                       </a:endParaRPr>
                     </a:p>
                   </a:txBody>
@@ -13937,12 +14806,8 @@
               <a:buNone/>
             </a:pPr>
             <a:r>
-              <a:rPr lang="en-US"/>
-              <a:t>NAVIO2 </a:t>
-            </a:r>
-            <a:r>
-              <a:rPr lang="en-US" smtClean="0"/>
-              <a:t>+ Raspberry PI B+</a:t>
+              <a:rPr lang="ko-KR" altLang="en-US" smtClean="0"/>
+              <a:t>드론 부품 목록</a:t>
             </a:r>
             <a:endParaRPr/>
           </a:p>
@@ -14093,7 +14958,7 @@
           <p:nvPr>
             <p:extLst>
               <p:ext uri="{D42A27DB-BD31-4B8C-83A1-F6EECF244321}">
-                <p14:modId xmlns:p14="http://schemas.microsoft.com/office/powerpoint/2010/main" val="126783118"/>
+                <p14:modId xmlns:p14="http://schemas.microsoft.com/office/powerpoint/2010/main" val="3722696779"/>
               </p:ext>
             </p:extLst>
           </p:nvPr>
@@ -14101,6 +14966,1797 @@
         <p:xfrm>
           <a:off x="681038" y="1255713"/>
           <a:ext cx="8543923" cy="2656845"/>
+        </p:xfrm>
+        <a:graphic>
+          <a:graphicData uri="http://schemas.openxmlformats.org/drawingml/2006/table">
+            <a:tbl>
+              <a:tblPr firstRow="1" bandRow="1">
+                <a:noFill/>
+                <a:tableStyleId>{CC17B4C5-E569-4E65-9D09-BF25285E5803}</a:tableStyleId>
+              </a:tblPr>
+              <a:tblGrid>
+                <a:gridCol w="833997">
+                  <a:extLst>
+                    <a:ext uri="{9D8B030D-6E8A-4147-A177-3AD203B41FA5}">
+                      <a16:colId xmlns:a16="http://schemas.microsoft.com/office/drawing/2014/main" val="1298838401"/>
+                    </a:ext>
+                  </a:extLst>
+                </a:gridCol>
+                <a:gridCol w="1416424">
+                  <a:extLst>
+                    <a:ext uri="{9D8B030D-6E8A-4147-A177-3AD203B41FA5}">
+                      <a16:colId xmlns:a16="http://schemas.microsoft.com/office/drawing/2014/main" val="20001"/>
+                    </a:ext>
+                  </a:extLst>
+                </a:gridCol>
+                <a:gridCol w="3496235">
+                  <a:extLst>
+                    <a:ext uri="{9D8B030D-6E8A-4147-A177-3AD203B41FA5}">
+                      <a16:colId xmlns:a16="http://schemas.microsoft.com/office/drawing/2014/main" val="20002"/>
+                    </a:ext>
+                  </a:extLst>
+                </a:gridCol>
+                <a:gridCol w="915755">
+                  <a:extLst>
+                    <a:ext uri="{9D8B030D-6E8A-4147-A177-3AD203B41FA5}">
+                      <a16:colId xmlns:a16="http://schemas.microsoft.com/office/drawing/2014/main" val="20003"/>
+                    </a:ext>
+                  </a:extLst>
+                </a:gridCol>
+                <a:gridCol w="553318">
+                  <a:extLst>
+                    <a:ext uri="{9D8B030D-6E8A-4147-A177-3AD203B41FA5}">
+                      <a16:colId xmlns:a16="http://schemas.microsoft.com/office/drawing/2014/main" val="20004"/>
+                    </a:ext>
+                  </a:extLst>
+                </a:gridCol>
+                <a:gridCol w="1328194">
+                  <a:extLst>
+                    <a:ext uri="{9D8B030D-6E8A-4147-A177-3AD203B41FA5}">
+                      <a16:colId xmlns:a16="http://schemas.microsoft.com/office/drawing/2014/main" val="1954891527"/>
+                    </a:ext>
+                  </a:extLst>
+                </a:gridCol>
+              </a:tblGrid>
+              <a:tr h="523175">
+                <a:tc>
+                  <a:txBody>
+                    <a:bodyPr/>
+                    <a:lstStyle/>
+                    <a:p>
+                      <a:pPr marL="0" marR="0" lvl="0" indent="0" algn="ctr" rtl="0">
+                        <a:spcBef>
+                          <a:spcPts val="0"/>
+                        </a:spcBef>
+                        <a:spcAft>
+                          <a:spcPts val="0"/>
+                        </a:spcAft>
+                        <a:buNone/>
+                      </a:pPr>
+                      <a:r>
+                        <a:rPr lang="ko-KR" altLang="en-US" sz="1400" smtClean="0"/>
+                        <a:t>구매처</a:t>
+                      </a:r>
+                      <a:endParaRPr sz="1400"/>
+                    </a:p>
+                  </a:txBody>
+                  <a:tcPr marL="91450" marR="91450" marT="45725" marB="45725" anchor="ctr"/>
+                </a:tc>
+                <a:tc>
+                  <a:txBody>
+                    <a:bodyPr/>
+                    <a:lstStyle/>
+                    <a:p>
+                      <a:pPr marL="0" marR="0" lvl="0" indent="0" algn="ctr" rtl="0">
+                        <a:spcBef>
+                          <a:spcPts val="0"/>
+                        </a:spcBef>
+                        <a:spcAft>
+                          <a:spcPts val="0"/>
+                        </a:spcAft>
+                        <a:buNone/>
+                      </a:pPr>
+                      <a:r>
+                        <a:rPr lang="en-US" sz="1400"/>
+                        <a:t>제품</a:t>
+                      </a:r>
+                      <a:endParaRPr sz="1400"/>
+                    </a:p>
+                  </a:txBody>
+                  <a:tcPr marL="91450" marR="91450" marT="45725" marB="45725" anchor="ctr"/>
+                </a:tc>
+                <a:tc>
+                  <a:txBody>
+                    <a:bodyPr/>
+                    <a:lstStyle/>
+                    <a:p>
+                      <a:pPr marL="0" marR="0" lvl="0" indent="0" algn="ctr" rtl="0">
+                        <a:spcBef>
+                          <a:spcPts val="0"/>
+                        </a:spcBef>
+                        <a:spcAft>
+                          <a:spcPts val="0"/>
+                        </a:spcAft>
+                        <a:buNone/>
+                      </a:pPr>
+                      <a:r>
+                        <a:rPr lang="en-US" sz="1400"/>
+                        <a:t>모델/스펙</a:t>
+                      </a:r>
+                      <a:endParaRPr sz="1400"/>
+                    </a:p>
+                  </a:txBody>
+                  <a:tcPr marL="91450" marR="91450" marT="45725" marB="45725" anchor="ctr"/>
+                </a:tc>
+                <a:tc>
+                  <a:txBody>
+                    <a:bodyPr/>
+                    <a:lstStyle/>
+                    <a:p>
+                      <a:pPr marL="0" marR="0" lvl="0" indent="0" algn="ctr" rtl="0">
+                        <a:spcBef>
+                          <a:spcPts val="0"/>
+                        </a:spcBef>
+                        <a:spcAft>
+                          <a:spcPts val="0"/>
+                        </a:spcAft>
+                        <a:buNone/>
+                      </a:pPr>
+                      <a:r>
+                        <a:rPr lang="en-US" sz="1400"/>
+                        <a:t>가격</a:t>
+                      </a:r>
+                      <a:endParaRPr sz="1400"/>
+                    </a:p>
+                  </a:txBody>
+                  <a:tcPr marL="91450" marR="91450" marT="45725" marB="45725" anchor="ctr"/>
+                </a:tc>
+                <a:tc>
+                  <a:txBody>
+                    <a:bodyPr/>
+                    <a:lstStyle/>
+                    <a:p>
+                      <a:pPr marL="0" marR="0" lvl="0" indent="0" algn="ctr" rtl="0">
+                        <a:lnSpc>
+                          <a:spcPct val="100000"/>
+                        </a:lnSpc>
+                        <a:spcBef>
+                          <a:spcPts val="0"/>
+                        </a:spcBef>
+                        <a:spcAft>
+                          <a:spcPts val="0"/>
+                        </a:spcAft>
+                        <a:buClr>
+                          <a:schemeClr val="dk1"/>
+                        </a:buClr>
+                        <a:buSzPts val="1400"/>
+                        <a:buFont typeface="Calibri"/>
+                        <a:buNone/>
+                      </a:pPr>
+                      <a:r>
+                        <a:rPr lang="en-US" sz="1400"/>
+                        <a:t>수량</a:t>
+                      </a:r>
+                      <a:endParaRPr sz="1400"/>
+                    </a:p>
+                  </a:txBody>
+                  <a:tcPr marL="91450" marR="91450" marT="45725" marB="45725" anchor="ctr"/>
+                </a:tc>
+                <a:tc>
+                  <a:txBody>
+                    <a:bodyPr/>
+                    <a:lstStyle/>
+                    <a:p>
+                      <a:pPr marL="0" marR="0" lvl="0" indent="0" algn="ctr" rtl="0">
+                        <a:lnSpc>
+                          <a:spcPct val="100000"/>
+                        </a:lnSpc>
+                        <a:spcBef>
+                          <a:spcPts val="0"/>
+                        </a:spcBef>
+                        <a:spcAft>
+                          <a:spcPts val="0"/>
+                        </a:spcAft>
+                        <a:buClr>
+                          <a:schemeClr val="dk1"/>
+                        </a:buClr>
+                        <a:buSzPts val="1400"/>
+                        <a:buFont typeface="Calibri"/>
+                        <a:buNone/>
+                      </a:pPr>
+                      <a:r>
+                        <a:rPr lang="ko-KR" altLang="en-US" sz="1400" smtClean="0"/>
+                        <a:t>비교</a:t>
+                      </a:r>
+                      <a:endParaRPr sz="1400"/>
+                    </a:p>
+                  </a:txBody>
+                  <a:tcPr marL="91450" marR="91450" marT="45725" marB="45725" anchor="ctr"/>
+                </a:tc>
+                <a:extLst>
+                  <a:ext uri="{0D108BD9-81ED-4DB2-BD59-A6C34878D82A}">
+                    <a16:rowId xmlns:a16="http://schemas.microsoft.com/office/drawing/2014/main" val="10000"/>
+                  </a:ext>
+                </a:extLst>
+              </a:tr>
+              <a:tr h="298950">
+                <a:tc>
+                  <a:txBody>
+                    <a:bodyPr/>
+                    <a:lstStyle/>
+                    <a:p>
+                      <a:pPr marL="0" marR="0" lvl="0" indent="0" algn="ctr" rtl="0">
+                        <a:spcBef>
+                          <a:spcPts val="0"/>
+                        </a:spcBef>
+                        <a:spcAft>
+                          <a:spcPts val="0"/>
+                        </a:spcAft>
+                        <a:buNone/>
+                      </a:pPr>
+                      <a:r>
+                        <a:rPr lang="ko-KR" altLang="en-US" sz="1400" b="0" i="0" smtClean="0">
+                          <a:solidFill>
+                            <a:schemeClr val="dk1"/>
+                          </a:solidFill>
+                          <a:latin typeface="Calibri"/>
+                          <a:ea typeface="Calibri"/>
+                          <a:cs typeface="Calibri"/>
+                          <a:sym typeface="Calibri"/>
+                        </a:rPr>
+                        <a:t>국내</a:t>
+                      </a:r>
+                      <a:endParaRPr sz="1400" b="0" i="0">
+                        <a:solidFill>
+                          <a:schemeClr val="dk1"/>
+                        </a:solidFill>
+                        <a:latin typeface="Calibri"/>
+                        <a:ea typeface="Calibri"/>
+                        <a:cs typeface="Calibri"/>
+                        <a:sym typeface="Calibri"/>
+                      </a:endParaRPr>
+                    </a:p>
+                  </a:txBody>
+                  <a:tcPr marL="91450" marR="91450" marT="45725" marB="45725" anchor="ctr"/>
+                </a:tc>
+                <a:tc>
+                  <a:txBody>
+                    <a:bodyPr/>
+                    <a:lstStyle/>
+                    <a:p>
+                      <a:pPr marL="0" marR="0" lvl="0" indent="0" algn="ctr" rtl="0">
+                        <a:spcBef>
+                          <a:spcPts val="0"/>
+                        </a:spcBef>
+                        <a:spcAft>
+                          <a:spcPts val="0"/>
+                        </a:spcAft>
+                        <a:buNone/>
+                      </a:pPr>
+                      <a:r>
+                        <a:rPr lang="ko-KR" altLang="en-US" sz="1400" b="0" i="0" smtClean="0">
+                          <a:solidFill>
+                            <a:schemeClr val="dk1"/>
+                          </a:solidFill>
+                          <a:latin typeface="Calibri"/>
+                          <a:ea typeface="Calibri"/>
+                          <a:cs typeface="Calibri"/>
+                          <a:sym typeface="Calibri"/>
+                        </a:rPr>
+                        <a:t>원격 조종기</a:t>
+                      </a:r>
+                      <a:endParaRPr sz="1400" b="0" i="0">
+                        <a:solidFill>
+                          <a:schemeClr val="dk1"/>
+                        </a:solidFill>
+                        <a:latin typeface="Calibri"/>
+                        <a:ea typeface="Calibri"/>
+                        <a:cs typeface="Calibri"/>
+                        <a:sym typeface="Calibri"/>
+                      </a:endParaRPr>
+                    </a:p>
+                  </a:txBody>
+                  <a:tcPr marL="91450" marR="91450" marT="45725" marB="45725" anchor="ctr"/>
+                </a:tc>
+                <a:tc>
+                  <a:txBody>
+                    <a:bodyPr/>
+                    <a:lstStyle/>
+                    <a:p>
+                      <a:pPr marL="0" marR="0" lvl="0" indent="0" algn="ctr" defTabSz="914400" rtl="0" eaLnBrk="1" fontAlgn="auto" latinLnBrk="0" hangingPunct="1">
+                        <a:lnSpc>
+                          <a:spcPct val="100000"/>
+                        </a:lnSpc>
+                        <a:spcBef>
+                          <a:spcPts val="0"/>
+                        </a:spcBef>
+                        <a:spcAft>
+                          <a:spcPts val="0"/>
+                        </a:spcAft>
+                        <a:buClr>
+                          <a:schemeClr val="dk1"/>
+                        </a:buClr>
+                        <a:buSzPts val="1400"/>
+                        <a:buFont typeface="Calibri"/>
+                        <a:buNone/>
+                        <a:tabLst/>
+                        <a:defRPr/>
+                      </a:pPr>
+                      <a:r>
+                        <a:rPr lang="en-US" sz="1400" b="0" i="0" u="none" strike="noStrike" cap="none" smtClean="0">
+                          <a:solidFill>
+                            <a:schemeClr val="dk1"/>
+                          </a:solidFill>
+                          <a:effectLst/>
+                          <a:latin typeface="Calibri"/>
+                          <a:ea typeface="Calibri"/>
+                          <a:cs typeface="Calibri"/>
+                          <a:sym typeface="Arial"/>
+                        </a:rPr>
+                        <a:t>Logitech Gamepad F310</a:t>
+                      </a:r>
+                    </a:p>
+                  </a:txBody>
+                  <a:tcPr marL="91450" marR="91450" marT="45725" marB="45725" anchor="ctr"/>
+                </a:tc>
+                <a:tc>
+                  <a:txBody>
+                    <a:bodyPr/>
+                    <a:lstStyle/>
+                    <a:p>
+                      <a:pPr marL="0" marR="0" lvl="0" indent="0" algn="r" rtl="0">
+                        <a:spcBef>
+                          <a:spcPts val="0"/>
+                        </a:spcBef>
+                        <a:spcAft>
+                          <a:spcPts val="0"/>
+                        </a:spcAft>
+                        <a:buNone/>
+                      </a:pPr>
+                      <a:r>
+                        <a:rPr lang="en-US" sz="1400" smtClean="0">
+                          <a:solidFill>
+                            <a:schemeClr val="dk1"/>
+                          </a:solidFill>
+                        </a:rPr>
+                        <a:t>3 </a:t>
+                      </a:r>
+                      <a:r>
+                        <a:rPr lang="ko-KR" altLang="en-US" sz="1400" smtClean="0">
+                          <a:solidFill>
+                            <a:schemeClr val="dk1"/>
+                          </a:solidFill>
+                        </a:rPr>
+                        <a:t>만원</a:t>
+                      </a:r>
+                      <a:r>
+                        <a:rPr lang="en-US" sz="1400" smtClean="0">
+                          <a:solidFill>
+                            <a:schemeClr val="dk1"/>
+                          </a:solidFill>
+                        </a:rPr>
+                        <a:t> </a:t>
+                      </a:r>
+                      <a:endParaRPr sz="1400">
+                        <a:solidFill>
+                          <a:schemeClr val="dk1"/>
+                        </a:solidFill>
+                      </a:endParaRPr>
+                    </a:p>
+                  </a:txBody>
+                  <a:tcPr marL="91450" marR="91450" marT="45725" marB="45725" anchor="ctr"/>
+                </a:tc>
+                <a:tc>
+                  <a:txBody>
+                    <a:bodyPr/>
+                    <a:lstStyle/>
+                    <a:p>
+                      <a:pPr marL="0" marR="0" lvl="0" indent="0" algn="ctr" rtl="0">
+                        <a:spcBef>
+                          <a:spcPts val="0"/>
+                        </a:spcBef>
+                        <a:spcAft>
+                          <a:spcPts val="0"/>
+                        </a:spcAft>
+                        <a:buNone/>
+                      </a:pPr>
+                      <a:r>
+                        <a:rPr lang="en-US" sz="1400" smtClean="0">
+                          <a:solidFill>
+                            <a:schemeClr val="dk1"/>
+                          </a:solidFill>
+                        </a:rPr>
+                        <a:t>2</a:t>
+                      </a:r>
+                      <a:endParaRPr sz="1400">
+                        <a:solidFill>
+                          <a:schemeClr val="dk1"/>
+                        </a:solidFill>
+                      </a:endParaRPr>
+                    </a:p>
+                  </a:txBody>
+                  <a:tcPr marL="91450" marR="91450" marT="45725" marB="45725" anchor="ctr"/>
+                </a:tc>
+                <a:tc>
+                  <a:txBody>
+                    <a:bodyPr/>
+                    <a:lstStyle/>
+                    <a:p>
+                      <a:pPr marL="0" marR="0" lvl="0" indent="0" algn="l" rtl="0">
+                        <a:spcBef>
+                          <a:spcPts val="0"/>
+                        </a:spcBef>
+                        <a:spcAft>
+                          <a:spcPts val="0"/>
+                        </a:spcAft>
+                        <a:buNone/>
+                      </a:pPr>
+                      <a:r>
+                        <a:rPr lang="ko-KR" altLang="en-US" sz="1400" smtClean="0">
+                          <a:solidFill>
+                            <a:schemeClr val="dk1"/>
+                          </a:solidFill>
+                        </a:rPr>
+                        <a:t>비밥 테스트용</a:t>
+                      </a:r>
+                      <a:endParaRPr sz="1400">
+                        <a:solidFill>
+                          <a:schemeClr val="dk1"/>
+                        </a:solidFill>
+                      </a:endParaRPr>
+                    </a:p>
+                  </a:txBody>
+                  <a:tcPr marL="91450" marR="91450" marT="45725" marB="45725" anchor="ctr"/>
+                </a:tc>
+                <a:extLst>
+                  <a:ext uri="{0D108BD9-81ED-4DB2-BD59-A6C34878D82A}">
+                    <a16:rowId xmlns:a16="http://schemas.microsoft.com/office/drawing/2014/main" val="10001"/>
+                  </a:ext>
+                </a:extLst>
+              </a:tr>
+              <a:tr h="298950">
+                <a:tc>
+                  <a:txBody>
+                    <a:bodyPr/>
+                    <a:lstStyle/>
+                    <a:p>
+                      <a:endParaRPr lang="en-US"/>
+                    </a:p>
+                  </a:txBody>
+                  <a:tcPr marL="91450" marR="91450" marT="45725" marB="45725" anchor="ctr"/>
+                </a:tc>
+                <a:tc>
+                  <a:txBody>
+                    <a:bodyPr/>
+                    <a:lstStyle/>
+                    <a:p>
+                      <a:pPr algn="ctr"/>
+                      <a:r>
+                        <a:rPr lang="ko-KR" altLang="en-US" smtClean="0"/>
+                        <a:t>드론 배터리</a:t>
+                      </a:r>
+                      <a:endParaRPr lang="en-US"/>
+                    </a:p>
+                  </a:txBody>
+                  <a:tcPr marL="91450" marR="91450" marT="45725" marB="45725" anchor="ctr"/>
+                </a:tc>
+                <a:tc>
+                  <a:txBody>
+                    <a:bodyPr/>
+                    <a:lstStyle/>
+                    <a:p>
+                      <a:pPr marL="0" marR="0" lvl="0" indent="0" algn="ctr" defTabSz="914400" rtl="0" eaLnBrk="1" fontAlgn="auto" latinLnBrk="0" hangingPunct="1">
+                        <a:lnSpc>
+                          <a:spcPct val="100000"/>
+                        </a:lnSpc>
+                        <a:spcBef>
+                          <a:spcPts val="0"/>
+                        </a:spcBef>
+                        <a:spcAft>
+                          <a:spcPts val="0"/>
+                        </a:spcAft>
+                        <a:buClr>
+                          <a:srgbClr val="000000"/>
+                        </a:buClr>
+                        <a:buSzTx/>
+                        <a:buFont typeface="Arial"/>
+                        <a:buNone/>
+                        <a:tabLst/>
+                        <a:defRPr/>
+                      </a:pPr>
+                      <a:r>
+                        <a:rPr lang="ko-KR" altLang="en-US" sz="1400" smtClean="0">
+                          <a:solidFill>
+                            <a:schemeClr val="dk1"/>
+                          </a:solidFill>
+                        </a:rPr>
+                        <a:t>타투 </a:t>
+                      </a:r>
+                      <a:r>
+                        <a:rPr lang="en-US" altLang="ko-KR" sz="1400" smtClean="0">
+                          <a:solidFill>
+                            <a:schemeClr val="dk1"/>
+                          </a:solidFill>
+                        </a:rPr>
+                        <a:t>R-LINE 4</a:t>
+                      </a:r>
+                      <a:r>
+                        <a:rPr lang="ko-KR" altLang="en-US" sz="1400" smtClean="0">
+                          <a:solidFill>
+                            <a:schemeClr val="dk1"/>
+                          </a:solidFill>
+                        </a:rPr>
+                        <a:t>셀 </a:t>
+                      </a:r>
+                      <a:r>
+                        <a:rPr lang="en-US" altLang="ko-KR" sz="1400" smtClean="0">
+                          <a:solidFill>
+                            <a:schemeClr val="dk1"/>
+                          </a:solidFill>
+                        </a:rPr>
+                        <a:t>1550mAh 100C </a:t>
+                      </a:r>
+                      <a:r>
+                        <a:rPr lang="ko-KR" altLang="en-US" sz="1400" smtClean="0">
+                          <a:solidFill>
+                            <a:schemeClr val="dk1"/>
+                          </a:solidFill>
+                        </a:rPr>
+                        <a:t>배터리</a:t>
+                      </a:r>
+                      <a:endParaRPr lang="en-US" sz="1400" smtClean="0">
+                        <a:solidFill>
+                          <a:schemeClr val="dk1"/>
+                        </a:solidFill>
+                      </a:endParaRPr>
+                    </a:p>
+                  </a:txBody>
+                  <a:tcPr marL="91450" marR="91450" marT="45725" marB="45725" anchor="ctr"/>
+                </a:tc>
+                <a:tc>
+                  <a:txBody>
+                    <a:bodyPr/>
+                    <a:lstStyle/>
+                    <a:p>
+                      <a:pPr marL="0" marR="0" lvl="0" indent="0" algn="r" defTabSz="914400" rtl="0" eaLnBrk="1" fontAlgn="auto" latinLnBrk="0" hangingPunct="1">
+                        <a:lnSpc>
+                          <a:spcPct val="100000"/>
+                        </a:lnSpc>
+                        <a:spcBef>
+                          <a:spcPts val="0"/>
+                        </a:spcBef>
+                        <a:spcAft>
+                          <a:spcPts val="0"/>
+                        </a:spcAft>
+                        <a:buClr>
+                          <a:srgbClr val="000000"/>
+                        </a:buClr>
+                        <a:buSzTx/>
+                        <a:buFont typeface="Arial"/>
+                        <a:buNone/>
+                        <a:tabLst/>
+                        <a:defRPr/>
+                      </a:pPr>
+                      <a:r>
+                        <a:rPr kumimoji="0" lang="en-US" altLang="ko-KR" sz="1400" b="0" i="0" u="none" strike="noStrike" kern="0" cap="none" spc="0" normalizeH="0" baseline="0" noProof="0" smtClean="0">
+                          <a:ln>
+                            <a:noFill/>
+                          </a:ln>
+                          <a:solidFill>
+                            <a:srgbClr val="000000"/>
+                          </a:solidFill>
+                          <a:effectLst/>
+                          <a:uLnTx/>
+                          <a:uFillTx/>
+                          <a:latin typeface="Calibri"/>
+                          <a:cs typeface="Calibri"/>
+                          <a:sym typeface="Arial"/>
+                        </a:rPr>
+                        <a:t>4</a:t>
+                      </a:r>
+                      <a:r>
+                        <a:rPr kumimoji="0" lang="ko-KR" altLang="en-US" sz="1400" b="0" i="0" u="none" strike="noStrike" kern="0" cap="none" spc="0" normalizeH="0" baseline="0" noProof="0" smtClean="0">
+                          <a:ln>
+                            <a:noFill/>
+                          </a:ln>
+                          <a:solidFill>
+                            <a:srgbClr val="000000"/>
+                          </a:solidFill>
+                          <a:effectLst/>
+                          <a:uLnTx/>
+                          <a:uFillTx/>
+                          <a:latin typeface="Calibri"/>
+                          <a:cs typeface="Calibri"/>
+                          <a:sym typeface="Arial"/>
+                        </a:rPr>
+                        <a:t>만원</a:t>
+                      </a:r>
+                      <a:endParaRPr kumimoji="0" lang="ko-KR" altLang="en-US" sz="1400" b="0" i="0" u="none" strike="noStrike" kern="0" cap="none" spc="0" normalizeH="0" baseline="0" noProof="0">
+                        <a:ln>
+                          <a:noFill/>
+                        </a:ln>
+                        <a:solidFill>
+                          <a:srgbClr val="000000"/>
+                        </a:solidFill>
+                        <a:effectLst/>
+                        <a:uLnTx/>
+                        <a:uFillTx/>
+                        <a:latin typeface="Calibri"/>
+                        <a:cs typeface="Calibri"/>
+                        <a:sym typeface="Arial"/>
+                      </a:endParaRPr>
+                    </a:p>
+                  </a:txBody>
+                  <a:tcPr marL="91450" marR="91450" marT="45725" marB="45725" anchor="ctr"/>
+                </a:tc>
+                <a:tc>
+                  <a:txBody>
+                    <a:bodyPr/>
+                    <a:lstStyle/>
+                    <a:p>
+                      <a:pPr algn="ctr"/>
+                      <a:r>
+                        <a:rPr lang="en-US" smtClean="0"/>
+                        <a:t>3</a:t>
+                      </a:r>
+                      <a:endParaRPr lang="en-US"/>
+                    </a:p>
+                  </a:txBody>
+                  <a:tcPr marL="91450" marR="91450" marT="45725" marB="45725" anchor="ctr"/>
+                </a:tc>
+                <a:tc>
+                  <a:txBody>
+                    <a:bodyPr/>
+                    <a:lstStyle/>
+                    <a:p>
+                      <a:r>
+                        <a:rPr lang="en-US" sz="1400" smtClean="0"/>
+                        <a:t>GT-R530 </a:t>
+                      </a:r>
+                      <a:r>
+                        <a:rPr lang="ko-KR" altLang="en-US" sz="1400" smtClean="0"/>
+                        <a:t>용</a:t>
+                      </a:r>
+                      <a:endParaRPr lang="en-US"/>
+                    </a:p>
+                  </a:txBody>
+                  <a:tcPr marL="91450" marR="91450" marT="45725" marB="45725" anchor="ctr"/>
+                </a:tc>
+                <a:extLst>
+                  <a:ext uri="{0D108BD9-81ED-4DB2-BD59-A6C34878D82A}">
+                    <a16:rowId xmlns:a16="http://schemas.microsoft.com/office/drawing/2014/main" val="10002"/>
+                  </a:ext>
+                </a:extLst>
+              </a:tr>
+              <a:tr h="298950">
+                <a:tc>
+                  <a:txBody>
+                    <a:bodyPr/>
+                    <a:lstStyle/>
+                    <a:p>
+                      <a:endParaRPr lang="en-US"/>
+                    </a:p>
+                  </a:txBody>
+                  <a:tcPr marL="91450" marR="91450" marT="45725" marB="45725" anchor="ctr"/>
+                </a:tc>
+                <a:tc>
+                  <a:txBody>
+                    <a:bodyPr/>
+                    <a:lstStyle/>
+                    <a:p>
+                      <a:pPr algn="ctr"/>
+                      <a:endParaRPr lang="en-US"/>
+                    </a:p>
+                  </a:txBody>
+                  <a:tcPr marL="91450" marR="91450" marT="45725" marB="45725" anchor="ctr"/>
+                </a:tc>
+                <a:tc>
+                  <a:txBody>
+                    <a:bodyPr/>
+                    <a:lstStyle/>
+                    <a:p>
+                      <a:pPr marL="0" marR="0" lvl="0" indent="0" algn="ctr" defTabSz="914400" rtl="0" eaLnBrk="1" fontAlgn="auto" latinLnBrk="0" hangingPunct="1">
+                        <a:lnSpc>
+                          <a:spcPct val="100000"/>
+                        </a:lnSpc>
+                        <a:spcBef>
+                          <a:spcPts val="0"/>
+                        </a:spcBef>
+                        <a:spcAft>
+                          <a:spcPts val="0"/>
+                        </a:spcAft>
+                        <a:buClr>
+                          <a:srgbClr val="000000"/>
+                        </a:buClr>
+                        <a:buSzTx/>
+                        <a:buFont typeface="Arial"/>
+                        <a:buNone/>
+                        <a:tabLst/>
+                        <a:defRPr/>
+                      </a:pPr>
+                      <a:endParaRPr lang="en-US" sz="1400" smtClean="0">
+                        <a:solidFill>
+                          <a:schemeClr val="dk1"/>
+                        </a:solidFill>
+                      </a:endParaRPr>
+                    </a:p>
+                  </a:txBody>
+                  <a:tcPr marL="91450" marR="91450" marT="45725" marB="45725" anchor="ctr"/>
+                </a:tc>
+                <a:tc>
+                  <a:txBody>
+                    <a:bodyPr/>
+                    <a:lstStyle/>
+                    <a:p>
+                      <a:pPr marL="0" marR="0" lvl="0" indent="0" algn="r" defTabSz="914400" rtl="0" eaLnBrk="1" fontAlgn="auto" latinLnBrk="0" hangingPunct="1">
+                        <a:lnSpc>
+                          <a:spcPct val="100000"/>
+                        </a:lnSpc>
+                        <a:spcBef>
+                          <a:spcPts val="0"/>
+                        </a:spcBef>
+                        <a:spcAft>
+                          <a:spcPts val="0"/>
+                        </a:spcAft>
+                        <a:buClr>
+                          <a:srgbClr val="000000"/>
+                        </a:buClr>
+                        <a:buSzTx/>
+                        <a:buFont typeface="Arial"/>
+                        <a:buNone/>
+                        <a:tabLst/>
+                        <a:defRPr/>
+                      </a:pPr>
+                      <a:endParaRPr kumimoji="0" lang="ko-KR" altLang="en-US" sz="1400" b="0" i="0" u="none" strike="noStrike" kern="0" cap="none" spc="0" normalizeH="0" baseline="0" noProof="0">
+                        <a:ln>
+                          <a:noFill/>
+                        </a:ln>
+                        <a:solidFill>
+                          <a:srgbClr val="000000"/>
+                        </a:solidFill>
+                        <a:effectLst/>
+                        <a:uLnTx/>
+                        <a:uFillTx/>
+                        <a:latin typeface="Calibri"/>
+                        <a:cs typeface="Calibri"/>
+                        <a:sym typeface="Arial"/>
+                      </a:endParaRPr>
+                    </a:p>
+                  </a:txBody>
+                  <a:tcPr marL="91450" marR="91450" marT="45725" marB="45725" anchor="ctr"/>
+                </a:tc>
+                <a:tc>
+                  <a:txBody>
+                    <a:bodyPr/>
+                    <a:lstStyle/>
+                    <a:p>
+                      <a:pPr algn="ctr"/>
+                      <a:endParaRPr lang="en-US"/>
+                    </a:p>
+                  </a:txBody>
+                  <a:tcPr marL="91450" marR="91450" marT="45725" marB="45725" anchor="ctr"/>
+                </a:tc>
+                <a:tc>
+                  <a:txBody>
+                    <a:bodyPr/>
+                    <a:lstStyle/>
+                    <a:p>
+                      <a:endParaRPr lang="en-US"/>
+                    </a:p>
+                  </a:txBody>
+                  <a:tcPr marL="91450" marR="91450" marT="45725" marB="45725" anchor="ctr"/>
+                </a:tc>
+                <a:extLst>
+                  <a:ext uri="{0D108BD9-81ED-4DB2-BD59-A6C34878D82A}">
+                    <a16:rowId xmlns:a16="http://schemas.microsoft.com/office/drawing/2014/main" val="10003"/>
+                  </a:ext>
+                </a:extLst>
+              </a:tr>
+              <a:tr h="298950">
+                <a:tc>
+                  <a:txBody>
+                    <a:bodyPr/>
+                    <a:lstStyle/>
+                    <a:p>
+                      <a:pPr marL="0" marR="0" lvl="0" indent="0" algn="ctr" rtl="0">
+                        <a:spcBef>
+                          <a:spcPts val="0"/>
+                        </a:spcBef>
+                        <a:spcAft>
+                          <a:spcPts val="0"/>
+                        </a:spcAft>
+                        <a:buNone/>
+                      </a:pPr>
+                      <a:endParaRPr sz="1400" b="0" i="0">
+                        <a:solidFill>
+                          <a:schemeClr val="dk1"/>
+                        </a:solidFill>
+                        <a:latin typeface="Calibri"/>
+                        <a:ea typeface="Calibri"/>
+                        <a:cs typeface="Calibri"/>
+                        <a:sym typeface="Calibri"/>
+                      </a:endParaRPr>
+                    </a:p>
+                  </a:txBody>
+                  <a:tcPr marL="91450" marR="91450" marT="45725" marB="45725" anchor="ctr"/>
+                </a:tc>
+                <a:tc>
+                  <a:txBody>
+                    <a:bodyPr/>
+                    <a:lstStyle/>
+                    <a:p>
+                      <a:pPr marL="0" marR="0" lvl="0" indent="0" algn="ctr" rtl="0">
+                        <a:spcBef>
+                          <a:spcPts val="0"/>
+                        </a:spcBef>
+                        <a:spcAft>
+                          <a:spcPts val="0"/>
+                        </a:spcAft>
+                        <a:buNone/>
+                      </a:pPr>
+                      <a:endParaRPr sz="1400" b="0" i="0">
+                        <a:solidFill>
+                          <a:schemeClr val="dk1"/>
+                        </a:solidFill>
+                        <a:latin typeface="Calibri"/>
+                        <a:ea typeface="Calibri"/>
+                        <a:cs typeface="Calibri"/>
+                        <a:sym typeface="Calibri"/>
+                      </a:endParaRPr>
+                    </a:p>
+                  </a:txBody>
+                  <a:tcPr marL="91450" marR="91450" marT="45725" marB="45725" anchor="ctr"/>
+                </a:tc>
+                <a:tc>
+                  <a:txBody>
+                    <a:bodyPr/>
+                    <a:lstStyle/>
+                    <a:p>
+                      <a:pPr marL="0" marR="0" lvl="0" indent="0" algn="ctr" rtl="0">
+                        <a:lnSpc>
+                          <a:spcPct val="100000"/>
+                        </a:lnSpc>
+                        <a:spcBef>
+                          <a:spcPts val="0"/>
+                        </a:spcBef>
+                        <a:spcAft>
+                          <a:spcPts val="0"/>
+                        </a:spcAft>
+                        <a:buClr>
+                          <a:schemeClr val="dk1"/>
+                        </a:buClr>
+                        <a:buSzPts val="1400"/>
+                        <a:buFont typeface="Calibri"/>
+                        <a:buNone/>
+                      </a:pPr>
+                      <a:endParaRPr sz="1400">
+                        <a:solidFill>
+                          <a:schemeClr val="dk1"/>
+                        </a:solidFill>
+                      </a:endParaRPr>
+                    </a:p>
+                  </a:txBody>
+                  <a:tcPr marL="91450" marR="91450" marT="45725" marB="45725" anchor="ctr"/>
+                </a:tc>
+                <a:tc>
+                  <a:txBody>
+                    <a:bodyPr/>
+                    <a:lstStyle/>
+                    <a:p>
+                      <a:pPr marL="0" marR="0" lvl="0" indent="0" algn="r" rtl="0">
+                        <a:spcBef>
+                          <a:spcPts val="0"/>
+                        </a:spcBef>
+                        <a:spcAft>
+                          <a:spcPts val="0"/>
+                        </a:spcAft>
+                        <a:buNone/>
+                      </a:pPr>
+                      <a:endParaRPr sz="1400">
+                        <a:solidFill>
+                          <a:schemeClr val="dk1"/>
+                        </a:solidFill>
+                      </a:endParaRPr>
+                    </a:p>
+                  </a:txBody>
+                  <a:tcPr marL="91450" marR="91450" marT="45725" marB="45725" anchor="ctr"/>
+                </a:tc>
+                <a:tc>
+                  <a:txBody>
+                    <a:bodyPr/>
+                    <a:lstStyle/>
+                    <a:p>
+                      <a:pPr marL="0" marR="0" lvl="0" indent="0" algn="ctr" rtl="0">
+                        <a:spcBef>
+                          <a:spcPts val="0"/>
+                        </a:spcBef>
+                        <a:spcAft>
+                          <a:spcPts val="0"/>
+                        </a:spcAft>
+                        <a:buNone/>
+                      </a:pPr>
+                      <a:endParaRPr sz="1400">
+                        <a:solidFill>
+                          <a:schemeClr val="dk1"/>
+                        </a:solidFill>
+                      </a:endParaRPr>
+                    </a:p>
+                  </a:txBody>
+                  <a:tcPr marL="91450" marR="91450" marT="45725" marB="45725" anchor="ctr"/>
+                </a:tc>
+                <a:tc>
+                  <a:txBody>
+                    <a:bodyPr/>
+                    <a:lstStyle/>
+                    <a:p>
+                      <a:pPr marL="0" marR="0" lvl="0" indent="0" algn="l" rtl="0">
+                        <a:spcBef>
+                          <a:spcPts val="0"/>
+                        </a:spcBef>
+                        <a:spcAft>
+                          <a:spcPts val="0"/>
+                        </a:spcAft>
+                        <a:buNone/>
+                      </a:pPr>
+                      <a:endParaRPr sz="1400">
+                        <a:solidFill>
+                          <a:schemeClr val="dk1"/>
+                        </a:solidFill>
+                      </a:endParaRPr>
+                    </a:p>
+                  </a:txBody>
+                  <a:tcPr marL="91450" marR="91450" marT="45725" marB="45725" anchor="ctr"/>
+                </a:tc>
+                <a:extLst>
+                  <a:ext uri="{0D108BD9-81ED-4DB2-BD59-A6C34878D82A}">
+                    <a16:rowId xmlns:a16="http://schemas.microsoft.com/office/drawing/2014/main" val="10004"/>
+                  </a:ext>
+                </a:extLst>
+              </a:tr>
+              <a:tr h="298950">
+                <a:tc>
+                  <a:txBody>
+                    <a:bodyPr/>
+                    <a:lstStyle/>
+                    <a:p>
+                      <a:endParaRPr lang="en-US"/>
+                    </a:p>
+                  </a:txBody>
+                  <a:tcPr marL="91450" marR="91450" marT="45725" marB="45725" anchor="ctr"/>
+                </a:tc>
+                <a:tc>
+                  <a:txBody>
+                    <a:bodyPr/>
+                    <a:lstStyle/>
+                    <a:p>
+                      <a:pPr algn="ctr"/>
+                      <a:endParaRPr lang="en-US"/>
+                    </a:p>
+                  </a:txBody>
+                  <a:tcPr marL="91450" marR="91450" marT="45725" marB="45725" anchor="ctr"/>
+                </a:tc>
+                <a:tc>
+                  <a:txBody>
+                    <a:bodyPr/>
+                    <a:lstStyle/>
+                    <a:p>
+                      <a:pPr marL="0" marR="0" lvl="0" indent="0" algn="ctr" rtl="0">
+                        <a:lnSpc>
+                          <a:spcPct val="100000"/>
+                        </a:lnSpc>
+                        <a:spcBef>
+                          <a:spcPts val="0"/>
+                        </a:spcBef>
+                        <a:spcAft>
+                          <a:spcPts val="0"/>
+                        </a:spcAft>
+                        <a:buClr>
+                          <a:schemeClr val="dk1"/>
+                        </a:buClr>
+                        <a:buSzPts val="1400"/>
+                        <a:buFont typeface="Calibri"/>
+                        <a:buNone/>
+                      </a:pPr>
+                      <a:endParaRPr sz="1400">
+                        <a:solidFill>
+                          <a:schemeClr val="dk1"/>
+                        </a:solidFill>
+                      </a:endParaRPr>
+                    </a:p>
+                  </a:txBody>
+                  <a:tcPr marL="91450" marR="91450" marT="45725" marB="45725" anchor="ctr"/>
+                </a:tc>
+                <a:tc>
+                  <a:txBody>
+                    <a:bodyPr/>
+                    <a:lstStyle/>
+                    <a:p>
+                      <a:pPr marL="0" marR="0" lvl="0" indent="0" algn="r" rtl="0">
+                        <a:spcBef>
+                          <a:spcPts val="0"/>
+                        </a:spcBef>
+                        <a:spcAft>
+                          <a:spcPts val="0"/>
+                        </a:spcAft>
+                        <a:buNone/>
+                      </a:pPr>
+                      <a:endParaRPr sz="1400">
+                        <a:solidFill>
+                          <a:schemeClr val="dk1"/>
+                        </a:solidFill>
+                      </a:endParaRPr>
+                    </a:p>
+                  </a:txBody>
+                  <a:tcPr marL="91450" marR="91450" marT="45725" marB="45725" anchor="ctr"/>
+                </a:tc>
+                <a:tc>
+                  <a:txBody>
+                    <a:bodyPr/>
+                    <a:lstStyle/>
+                    <a:p>
+                      <a:pPr marL="0" marR="0" lvl="0" indent="0" algn="ctr" rtl="0">
+                        <a:spcBef>
+                          <a:spcPts val="0"/>
+                        </a:spcBef>
+                        <a:spcAft>
+                          <a:spcPts val="0"/>
+                        </a:spcAft>
+                        <a:buNone/>
+                      </a:pPr>
+                      <a:endParaRPr sz="1400">
+                        <a:solidFill>
+                          <a:schemeClr val="dk1"/>
+                        </a:solidFill>
+                      </a:endParaRPr>
+                    </a:p>
+                  </a:txBody>
+                  <a:tcPr marL="91450" marR="91450" marT="45725" marB="45725" anchor="ctr"/>
+                </a:tc>
+                <a:tc>
+                  <a:txBody>
+                    <a:bodyPr/>
+                    <a:lstStyle/>
+                    <a:p>
+                      <a:endParaRPr lang="en-US"/>
+                    </a:p>
+                  </a:txBody>
+                  <a:tcPr marL="91450" marR="91450" marT="45725" marB="45725" anchor="ctr"/>
+                </a:tc>
+                <a:extLst>
+                  <a:ext uri="{0D108BD9-81ED-4DB2-BD59-A6C34878D82A}">
+                    <a16:rowId xmlns:a16="http://schemas.microsoft.com/office/drawing/2014/main" val="10005"/>
+                  </a:ext>
+                </a:extLst>
+              </a:tr>
+              <a:tr h="298950">
+                <a:tc>
+                  <a:txBody>
+                    <a:bodyPr/>
+                    <a:lstStyle/>
+                    <a:p>
+                      <a:pPr marL="0" marR="0" lvl="0" indent="0" algn="ctr" rtl="0">
+                        <a:spcBef>
+                          <a:spcPts val="0"/>
+                        </a:spcBef>
+                        <a:spcAft>
+                          <a:spcPts val="0"/>
+                        </a:spcAft>
+                        <a:buNone/>
+                      </a:pPr>
+                      <a:endParaRPr sz="1400" b="0">
+                        <a:solidFill>
+                          <a:schemeClr val="dk1"/>
+                        </a:solidFill>
+                        <a:latin typeface="Malgun Gothic"/>
+                        <a:ea typeface="Malgun Gothic"/>
+                        <a:cs typeface="Malgun Gothic"/>
+                        <a:sym typeface="Malgun Gothic"/>
+                      </a:endParaRPr>
+                    </a:p>
+                  </a:txBody>
+                  <a:tcPr marL="91450" marR="91450" marT="45725" marB="45725" anchor="ctr"/>
+                </a:tc>
+                <a:tc>
+                  <a:txBody>
+                    <a:bodyPr/>
+                    <a:lstStyle/>
+                    <a:p>
+                      <a:pPr marL="0" marR="0" lvl="0" indent="0" algn="ctr" rtl="0">
+                        <a:spcBef>
+                          <a:spcPts val="0"/>
+                        </a:spcBef>
+                        <a:spcAft>
+                          <a:spcPts val="0"/>
+                        </a:spcAft>
+                        <a:buNone/>
+                      </a:pPr>
+                      <a:endParaRPr sz="1400" b="0">
+                        <a:solidFill>
+                          <a:schemeClr val="dk1"/>
+                        </a:solidFill>
+                        <a:latin typeface="Malgun Gothic"/>
+                        <a:ea typeface="Malgun Gothic"/>
+                        <a:cs typeface="Malgun Gothic"/>
+                        <a:sym typeface="Malgun Gothic"/>
+                      </a:endParaRPr>
+                    </a:p>
+                  </a:txBody>
+                  <a:tcPr marL="91450" marR="91450" marT="45725" marB="45725" anchor="ctr"/>
+                </a:tc>
+                <a:tc>
+                  <a:txBody>
+                    <a:bodyPr/>
+                    <a:lstStyle/>
+                    <a:p>
+                      <a:pPr marL="0" marR="0" lvl="0" indent="0" algn="ctr" rtl="0">
+                        <a:lnSpc>
+                          <a:spcPct val="100000"/>
+                        </a:lnSpc>
+                        <a:spcBef>
+                          <a:spcPts val="0"/>
+                        </a:spcBef>
+                        <a:spcAft>
+                          <a:spcPts val="0"/>
+                        </a:spcAft>
+                        <a:buClr>
+                          <a:schemeClr val="dk1"/>
+                        </a:buClr>
+                        <a:buSzPts val="1400"/>
+                        <a:buFont typeface="Calibri"/>
+                        <a:buNone/>
+                      </a:pPr>
+                      <a:endParaRPr sz="1400" strike="sngStrike" baseline="0">
+                        <a:solidFill>
+                          <a:schemeClr val="dk1"/>
+                        </a:solidFill>
+                      </a:endParaRPr>
+                    </a:p>
+                  </a:txBody>
+                  <a:tcPr marL="91450" marR="91450" marT="45725" marB="45725" anchor="ctr"/>
+                </a:tc>
+                <a:tc>
+                  <a:txBody>
+                    <a:bodyPr/>
+                    <a:lstStyle/>
+                    <a:p>
+                      <a:pPr marL="0" marR="0" lvl="0" indent="0" algn="r" rtl="0">
+                        <a:spcBef>
+                          <a:spcPts val="0"/>
+                        </a:spcBef>
+                        <a:spcAft>
+                          <a:spcPts val="0"/>
+                        </a:spcAft>
+                        <a:buNone/>
+                      </a:pPr>
+                      <a:endParaRPr sz="1400" strike="sngStrike" baseline="0">
+                        <a:solidFill>
+                          <a:schemeClr val="dk1"/>
+                        </a:solidFill>
+                      </a:endParaRPr>
+                    </a:p>
+                  </a:txBody>
+                  <a:tcPr marL="91450" marR="91450" marT="45725" marB="45725" anchor="ctr"/>
+                </a:tc>
+                <a:tc>
+                  <a:txBody>
+                    <a:bodyPr/>
+                    <a:lstStyle/>
+                    <a:p>
+                      <a:pPr marL="0" marR="0" lvl="0" indent="0" algn="ctr" rtl="0">
+                        <a:spcBef>
+                          <a:spcPts val="0"/>
+                        </a:spcBef>
+                        <a:spcAft>
+                          <a:spcPts val="0"/>
+                        </a:spcAft>
+                        <a:buNone/>
+                      </a:pPr>
+                      <a:endParaRPr sz="1400" strike="sngStrike" baseline="0">
+                        <a:solidFill>
+                          <a:schemeClr val="dk1"/>
+                        </a:solidFill>
+                      </a:endParaRPr>
+                    </a:p>
+                  </a:txBody>
+                  <a:tcPr marL="91450" marR="91450" marT="45725" marB="45725" anchor="ctr"/>
+                </a:tc>
+                <a:tc>
+                  <a:txBody>
+                    <a:bodyPr/>
+                    <a:lstStyle/>
+                    <a:p>
+                      <a:endParaRPr lang="en-US" strike="sngStrike" baseline="0"/>
+                    </a:p>
+                  </a:txBody>
+                  <a:tcPr marL="91450" marR="91450" marT="45725" marB="45725" anchor="ctr"/>
+                </a:tc>
+                <a:extLst>
+                  <a:ext uri="{0D108BD9-81ED-4DB2-BD59-A6C34878D82A}">
+                    <a16:rowId xmlns:a16="http://schemas.microsoft.com/office/drawing/2014/main" val="10006"/>
+                  </a:ext>
+                </a:extLst>
+              </a:tr>
+              <a:tr h="298950">
+                <a:tc>
+                  <a:txBody>
+                    <a:bodyPr/>
+                    <a:lstStyle/>
+                    <a:p>
+                      <a:pPr marL="0" marR="0" lvl="0" indent="0" algn="ctr" defTabSz="914400" rtl="0" eaLnBrk="1" fontAlgn="auto" latinLnBrk="0" hangingPunct="1">
+                        <a:lnSpc>
+                          <a:spcPct val="100000"/>
+                        </a:lnSpc>
+                        <a:spcBef>
+                          <a:spcPts val="0"/>
+                        </a:spcBef>
+                        <a:spcAft>
+                          <a:spcPts val="0"/>
+                        </a:spcAft>
+                        <a:buClr>
+                          <a:srgbClr val="000000"/>
+                        </a:buClr>
+                        <a:buSzTx/>
+                        <a:buFont typeface="Arial"/>
+                        <a:buNone/>
+                        <a:tabLst/>
+                        <a:defRPr/>
+                      </a:pPr>
+                      <a:endParaRPr lang="ko-KR" altLang="en-US" sz="1400" smtClean="0">
+                        <a:solidFill>
+                          <a:schemeClr val="dk1"/>
+                        </a:solidFill>
+                      </a:endParaRPr>
+                    </a:p>
+                  </a:txBody>
+                  <a:tcPr marL="91450" marR="91450" marT="45725" marB="45725" anchor="ctr"/>
+                </a:tc>
+                <a:tc>
+                  <a:txBody>
+                    <a:bodyPr/>
+                    <a:lstStyle/>
+                    <a:p>
+                      <a:pPr marL="0" marR="0" lvl="0" indent="0" algn="ctr" defTabSz="914400" rtl="0" eaLnBrk="1" fontAlgn="auto" latinLnBrk="0" hangingPunct="1">
+                        <a:lnSpc>
+                          <a:spcPct val="100000"/>
+                        </a:lnSpc>
+                        <a:spcBef>
+                          <a:spcPts val="0"/>
+                        </a:spcBef>
+                        <a:spcAft>
+                          <a:spcPts val="0"/>
+                        </a:spcAft>
+                        <a:buClr>
+                          <a:srgbClr val="000000"/>
+                        </a:buClr>
+                        <a:buSzTx/>
+                        <a:buFont typeface="Arial"/>
+                        <a:buNone/>
+                        <a:tabLst/>
+                        <a:defRPr/>
+                      </a:pPr>
+                      <a:endParaRPr lang="ko-KR" altLang="en-US" sz="1400" smtClean="0">
+                        <a:solidFill>
+                          <a:schemeClr val="dk1"/>
+                        </a:solidFill>
+                      </a:endParaRPr>
+                    </a:p>
+                  </a:txBody>
+                  <a:tcPr marL="91450" marR="91450" marT="45725" marB="45725" anchor="ctr"/>
+                </a:tc>
+                <a:tc>
+                  <a:txBody>
+                    <a:bodyPr/>
+                    <a:lstStyle/>
+                    <a:p>
+                      <a:pPr marL="0" marR="0" lvl="0" indent="0" algn="ctr" rtl="0">
+                        <a:lnSpc>
+                          <a:spcPct val="100000"/>
+                        </a:lnSpc>
+                        <a:spcBef>
+                          <a:spcPts val="0"/>
+                        </a:spcBef>
+                        <a:spcAft>
+                          <a:spcPts val="0"/>
+                        </a:spcAft>
+                        <a:buClr>
+                          <a:schemeClr val="dk1"/>
+                        </a:buClr>
+                        <a:buSzPts val="1400"/>
+                        <a:buFont typeface="Calibri"/>
+                        <a:buNone/>
+                      </a:pPr>
+                      <a:endParaRPr sz="1400" b="0">
+                        <a:solidFill>
+                          <a:schemeClr val="dk1"/>
+                        </a:solidFill>
+                        <a:latin typeface="Malgun Gothic"/>
+                        <a:ea typeface="Malgun Gothic"/>
+                        <a:cs typeface="Malgun Gothic"/>
+                        <a:sym typeface="Malgun Gothic"/>
+                      </a:endParaRPr>
+                    </a:p>
+                  </a:txBody>
+                  <a:tcPr marL="91450" marR="91450" marT="45725" marB="45725" anchor="ctr"/>
+                </a:tc>
+                <a:tc>
+                  <a:txBody>
+                    <a:bodyPr/>
+                    <a:lstStyle/>
+                    <a:p>
+                      <a:pPr marL="0" marR="0" lvl="0" indent="0" algn="r" rtl="0">
+                        <a:spcBef>
+                          <a:spcPts val="0"/>
+                        </a:spcBef>
+                        <a:spcAft>
+                          <a:spcPts val="0"/>
+                        </a:spcAft>
+                        <a:buNone/>
+                      </a:pPr>
+                      <a:endParaRPr/>
+                    </a:p>
+                  </a:txBody>
+                  <a:tcPr marL="91450" marR="91450" marT="45725" marB="45725" anchor="ctr"/>
+                </a:tc>
+                <a:tc>
+                  <a:txBody>
+                    <a:bodyPr/>
+                    <a:lstStyle/>
+                    <a:p>
+                      <a:pPr marL="0" marR="0" lvl="0" indent="0" algn="ctr" rtl="0">
+                        <a:spcBef>
+                          <a:spcPts val="0"/>
+                        </a:spcBef>
+                        <a:spcAft>
+                          <a:spcPts val="0"/>
+                        </a:spcAft>
+                        <a:buNone/>
+                      </a:pPr>
+                      <a:endParaRPr sz="1400" b="0">
+                        <a:solidFill>
+                          <a:schemeClr val="dk1"/>
+                        </a:solidFill>
+                        <a:latin typeface="Malgun Gothic"/>
+                        <a:ea typeface="Malgun Gothic"/>
+                        <a:cs typeface="Malgun Gothic"/>
+                        <a:sym typeface="Malgun Gothic"/>
+                      </a:endParaRPr>
+                    </a:p>
+                  </a:txBody>
+                  <a:tcPr marL="91450" marR="91450" marT="45725" marB="45725" anchor="ctr"/>
+                </a:tc>
+                <a:tc>
+                  <a:txBody>
+                    <a:bodyPr/>
+                    <a:lstStyle/>
+                    <a:p>
+                      <a:pPr marL="0" marR="0" lvl="0" indent="0" algn="ctr" rtl="0">
+                        <a:spcBef>
+                          <a:spcPts val="0"/>
+                        </a:spcBef>
+                        <a:spcAft>
+                          <a:spcPts val="0"/>
+                        </a:spcAft>
+                        <a:buNone/>
+                      </a:pPr>
+                      <a:endParaRPr sz="1400" b="0">
+                        <a:solidFill>
+                          <a:schemeClr val="dk1"/>
+                        </a:solidFill>
+                        <a:latin typeface="Malgun Gothic"/>
+                        <a:ea typeface="Malgun Gothic"/>
+                        <a:cs typeface="Malgun Gothic"/>
+                        <a:sym typeface="Malgun Gothic"/>
+                      </a:endParaRPr>
+                    </a:p>
+                  </a:txBody>
+                  <a:tcPr marL="91450" marR="91450" marT="45725" marB="45725" anchor="ctr"/>
+                </a:tc>
+                <a:extLst>
+                  <a:ext uri="{0D108BD9-81ED-4DB2-BD59-A6C34878D82A}">
+                    <a16:rowId xmlns:a16="http://schemas.microsoft.com/office/drawing/2014/main" val="10007"/>
+                  </a:ext>
+                </a:extLst>
+              </a:tr>
+            </a:tbl>
+          </a:graphicData>
+        </a:graphic>
+      </p:graphicFrame>
+      <p:sp>
+        <p:nvSpPr>
+          <p:cNvPr id="11" name="Google Shape;125;p6"/>
+          <p:cNvSpPr txBox="1">
+            <a:spLocks noGrp="1"/>
+          </p:cNvSpPr>
+          <p:nvPr>
+            <p:ph type="body" idx="1"/>
+          </p:nvPr>
+        </p:nvSpPr>
+        <p:spPr>
+          <a:xfrm>
+            <a:off x="681038" y="4016189"/>
+            <a:ext cx="9048178" cy="2340163"/>
+          </a:xfrm>
+          <a:prstGeom prst="rect">
+            <a:avLst/>
+          </a:prstGeom>
+          <a:noFill/>
+          <a:ln>
+            <a:noFill/>
+          </a:ln>
+        </p:spPr>
+        <p:txBody>
+          <a:bodyPr spcFirstLastPara="1" wrap="square" lIns="91425" tIns="45700" rIns="91425" bIns="45700" anchor="t" anchorCtr="0">
+            <a:normAutofit/>
+          </a:bodyPr>
+          <a:lstStyle/>
+          <a:p>
+            <a:pPr marL="228600" indent="-228600">
+              <a:lnSpc>
+                <a:spcPct val="90000"/>
+              </a:lnSpc>
+              <a:spcBef>
+                <a:spcPts val="500"/>
+              </a:spcBef>
+              <a:buSzPts val="1480"/>
+              <a:buChar char="•"/>
+            </a:pPr>
+            <a:r>
+              <a:rPr lang="en-US" sz="1480" smtClean="0"/>
+              <a:t>GamePad F310 </a:t>
+            </a:r>
+            <a:r>
+              <a:rPr lang="en-US" sz="1480"/>
+              <a:t>: </a:t>
+            </a:r>
+            <a:endParaRPr lang="en-US" sz="1480" smtClean="0"/>
+          </a:p>
+          <a:p>
+            <a:pPr marL="685800" lvl="1" indent="-228600">
+              <a:lnSpc>
+                <a:spcPct val="90000"/>
+              </a:lnSpc>
+              <a:buSzPts val="1480"/>
+            </a:pPr>
+            <a:r>
+              <a:rPr lang="en-US" sz="1600">
+                <a:hlinkClick r:id="rId3"/>
+              </a:rPr>
+              <a:t>https://smartstore.naver.com/comtecmall/products/512423478?NaPm=ct%3Djwr1t674%7Cci%3Dafc42df00d4873a9df9518ab1574e043f70f2e5d%7Ctr%3Dsls%7Csn%3D361999%7Chk%3D3030fbb3d33d826b182b0c5a621617b820568b01</a:t>
+            </a:r>
+            <a:endParaRPr lang="en-US" sz="1600">
+              <a:hlinkClick r:id="rId4"/>
+            </a:endParaRPr>
+          </a:p>
+          <a:p>
+            <a:pPr marL="685800" lvl="1" indent="-228600">
+              <a:lnSpc>
+                <a:spcPct val="90000"/>
+              </a:lnSpc>
+              <a:buSzPts val="1480"/>
+            </a:pPr>
+            <a:r>
+              <a:rPr lang="en-US" sz="1600" smtClean="0">
+                <a:hlinkClick r:id="rId4"/>
+              </a:rPr>
+              <a:t>https</a:t>
+            </a:r>
+            <a:r>
+              <a:rPr lang="en-US" sz="1600">
+                <a:hlinkClick r:id="rId4"/>
+              </a:rPr>
+              <a:t>://</a:t>
+            </a:r>
+            <a:r>
+              <a:rPr lang="en-US" sz="1600" smtClean="0">
+                <a:hlinkClick r:id="rId4"/>
+              </a:rPr>
+              <a:t>www.amazon.com/Logitech-940-000110-Gamepad-F310/dp/B003VAHYQY</a:t>
+            </a:r>
+            <a:r>
+              <a:rPr lang="en-US" sz="1480" u="sng" smtClean="0">
+                <a:solidFill>
+                  <a:schemeClr val="hlink"/>
+                </a:solidFill>
+              </a:rPr>
+              <a:t> </a:t>
+            </a:r>
+            <a:endParaRPr lang="en-US" sz="1480" u="sng">
+              <a:solidFill>
+                <a:schemeClr val="hlink"/>
+              </a:solidFill>
+            </a:endParaRPr>
+          </a:p>
+          <a:p>
+            <a:pPr marL="379730" lvl="0" indent="-285750">
+              <a:lnSpc>
+                <a:spcPct val="90000"/>
+              </a:lnSpc>
+              <a:buSzPts val="1480"/>
+              <a:buFont typeface="Arial" panose="020B0604020202020204" pitchFamily="34" charset="0"/>
+              <a:buChar char="•"/>
+            </a:pPr>
+            <a:r>
+              <a:rPr lang="ko-KR" altLang="en-US" sz="1480"/>
+              <a:t>타투 </a:t>
+            </a:r>
+            <a:r>
+              <a:rPr lang="en-US" altLang="ko-KR" sz="1480"/>
+              <a:t>R-LINE 4</a:t>
+            </a:r>
+            <a:r>
+              <a:rPr lang="ko-KR" altLang="en-US" sz="1480"/>
+              <a:t>셀 </a:t>
+            </a:r>
+            <a:r>
+              <a:rPr lang="en-US" altLang="ko-KR" sz="1480"/>
+              <a:t>1550mAh 100C </a:t>
+            </a:r>
+            <a:r>
+              <a:rPr lang="ko-KR" altLang="en-US" sz="1480" smtClean="0"/>
+              <a:t>배터리</a:t>
+            </a:r>
+            <a:endParaRPr lang="en-US" altLang="ko-KR" sz="1480" smtClean="0"/>
+          </a:p>
+          <a:p>
+            <a:pPr marL="836930" lvl="1" indent="-285750">
+              <a:lnSpc>
+                <a:spcPct val="90000"/>
+              </a:lnSpc>
+              <a:buSzPts val="1480"/>
+              <a:buFont typeface="Arial" panose="020B0604020202020204" pitchFamily="34" charset="0"/>
+              <a:buChar char="•"/>
+            </a:pPr>
+            <a:r>
+              <a:rPr lang="en-US" sz="1600">
+                <a:hlinkClick r:id="rId5"/>
+              </a:rPr>
+              <a:t>https://smartstore.naver.com/ssrc/products/3001037622</a:t>
+            </a:r>
+            <a:endParaRPr sz="1480"/>
+          </a:p>
+        </p:txBody>
+      </p:sp>
+    </p:spTree>
+    <p:extLst>
+      <p:ext uri="{BB962C8B-B14F-4D97-AF65-F5344CB8AC3E}">
+        <p14:creationId xmlns:p14="http://schemas.microsoft.com/office/powerpoint/2010/main" val="3561521028"/>
+      </p:ext>
+    </p:extLst>
+  </p:cSld>
+  <p:clrMapOvr>
+    <a:masterClrMapping/>
+  </p:clrMapOvr>
+</p:sld>
+</file>
+
+<file path=ppt/slides/slide5.xml><?xml version="1.0" encoding="utf-8"?>
+<p:sld xmlns:a="http://schemas.openxmlformats.org/drawingml/2006/main" xmlns:r="http://schemas.openxmlformats.org/officeDocument/2006/relationships" xmlns:p="http://schemas.openxmlformats.org/presentationml/2006/main">
+  <p:cSld>
+    <p:spTree>
+      <p:nvGrpSpPr>
+        <p:cNvPr id="1" name="Shape 98"/>
+        <p:cNvGrpSpPr/>
+        <p:nvPr/>
+      </p:nvGrpSpPr>
+      <p:grpSpPr>
+        <a:xfrm>
+          <a:off x="0" y="0"/>
+          <a:ext cx="0" cy="0"/>
+          <a:chOff x="0" y="0"/>
+          <a:chExt cx="0" cy="0"/>
+        </a:xfrm>
+      </p:grpSpPr>
+      <p:sp>
+        <p:nvSpPr>
+          <p:cNvPr id="99" name="Google Shape;99;p4"/>
+          <p:cNvSpPr txBox="1">
+            <a:spLocks noGrp="1"/>
+          </p:cNvSpPr>
+          <p:nvPr>
+            <p:ph type="title"/>
+          </p:nvPr>
+        </p:nvSpPr>
+        <p:spPr>
+          <a:xfrm>
+            <a:off x="681038" y="365128"/>
+            <a:ext cx="8543925" cy="722414"/>
+          </a:xfrm>
+          <a:prstGeom prst="rect">
+            <a:avLst/>
+          </a:prstGeom>
+          <a:noFill/>
+          <a:ln>
+            <a:noFill/>
+          </a:ln>
+        </p:spPr>
+        <p:txBody>
+          <a:bodyPr spcFirstLastPara="1" wrap="square" lIns="91425" tIns="45700" rIns="91425" bIns="45700" anchor="ctr" anchorCtr="0">
+            <a:normAutofit/>
+          </a:bodyPr>
+          <a:lstStyle/>
+          <a:p>
+            <a:pPr marL="0" lvl="0" indent="0" algn="l" rtl="0">
+              <a:lnSpc>
+                <a:spcPct val="90000"/>
+              </a:lnSpc>
+              <a:spcBef>
+                <a:spcPts val="0"/>
+              </a:spcBef>
+              <a:spcAft>
+                <a:spcPts val="0"/>
+              </a:spcAft>
+              <a:buClr>
+                <a:schemeClr val="dk1"/>
+              </a:buClr>
+              <a:buSzPts val="4400"/>
+              <a:buFont typeface="Times New Roman"/>
+              <a:buNone/>
+            </a:pPr>
+            <a:r>
+              <a:rPr lang="en-US"/>
+              <a:t>NAVIO2 </a:t>
+            </a:r>
+            <a:r>
+              <a:rPr lang="en-US" smtClean="0"/>
+              <a:t>+ Raspberry PI</a:t>
+            </a:r>
+            <a:endParaRPr/>
+          </a:p>
+        </p:txBody>
+      </p:sp>
+      <p:sp>
+        <p:nvSpPr>
+          <p:cNvPr id="100" name="Google Shape;100;p4"/>
+          <p:cNvSpPr txBox="1">
+            <a:spLocks noGrp="1"/>
+          </p:cNvSpPr>
+          <p:nvPr>
+            <p:ph type="dt" idx="10"/>
+          </p:nvPr>
+        </p:nvSpPr>
+        <p:spPr>
+          <a:xfrm>
+            <a:off x="681038" y="6356352"/>
+            <a:ext cx="1162418" cy="365125"/>
+          </a:xfrm>
+          <a:prstGeom prst="rect">
+            <a:avLst/>
+          </a:prstGeom>
+          <a:noFill/>
+          <a:ln>
+            <a:noFill/>
+          </a:ln>
+        </p:spPr>
+        <p:txBody>
+          <a:bodyPr spcFirstLastPara="1" wrap="square" lIns="91425" tIns="45700" rIns="91425" bIns="45700" anchor="ctr" anchorCtr="0">
+            <a:noAutofit/>
+          </a:bodyPr>
+          <a:lstStyle/>
+          <a:p>
+            <a:pPr marL="0" lvl="0" indent="0" algn="l" rtl="0">
+              <a:spcBef>
+                <a:spcPts val="0"/>
+              </a:spcBef>
+              <a:spcAft>
+                <a:spcPts val="0"/>
+              </a:spcAft>
+              <a:buNone/>
+            </a:pPr>
+            <a:r>
+              <a:rPr lang="en-US"/>
+              <a:t>2019-05-30</a:t>
+            </a:r>
+            <a:endParaRPr/>
+          </a:p>
+        </p:txBody>
+      </p:sp>
+      <p:sp>
+        <p:nvSpPr>
+          <p:cNvPr id="101" name="Google Shape;101;p4"/>
+          <p:cNvSpPr txBox="1">
+            <a:spLocks noGrp="1"/>
+          </p:cNvSpPr>
+          <p:nvPr>
+            <p:ph type="ftr" idx="11"/>
+          </p:nvPr>
+        </p:nvSpPr>
+        <p:spPr>
+          <a:xfrm>
+            <a:off x="3281363" y="6356352"/>
+            <a:ext cx="3343275" cy="365125"/>
+          </a:xfrm>
+          <a:prstGeom prst="rect">
+            <a:avLst/>
+          </a:prstGeom>
+          <a:noFill/>
+          <a:ln>
+            <a:noFill/>
+          </a:ln>
+        </p:spPr>
+        <p:txBody>
+          <a:bodyPr spcFirstLastPara="1" wrap="square" lIns="91425" tIns="45700" rIns="91425" bIns="45700" anchor="ctr" anchorCtr="0">
+            <a:noAutofit/>
+          </a:bodyPr>
+          <a:lstStyle/>
+          <a:p>
+            <a:pPr marL="0" lvl="0" indent="0" algn="ctr" rtl="0">
+              <a:spcBef>
+                <a:spcPts val="0"/>
+              </a:spcBef>
+              <a:spcAft>
+                <a:spcPts val="0"/>
+              </a:spcAft>
+              <a:buNone/>
+            </a:pPr>
+            <a:r>
+              <a:rPr lang="en-US"/>
+              <a:t>지능형 드론 멘토링 과정</a:t>
+            </a:r>
+            <a:endParaRPr/>
+          </a:p>
+        </p:txBody>
+      </p:sp>
+      <p:sp>
+        <p:nvSpPr>
+          <p:cNvPr id="102" name="Google Shape;102;p4"/>
+          <p:cNvSpPr txBox="1">
+            <a:spLocks noGrp="1"/>
+          </p:cNvSpPr>
+          <p:nvPr>
+            <p:ph type="sldNum" idx="12"/>
+          </p:nvPr>
+        </p:nvSpPr>
+        <p:spPr>
+          <a:xfrm>
+            <a:off x="8739554" y="6356352"/>
+            <a:ext cx="485408" cy="365125"/>
+          </a:xfrm>
+          <a:prstGeom prst="rect">
+            <a:avLst/>
+          </a:prstGeom>
+          <a:noFill/>
+          <a:ln>
+            <a:noFill/>
+          </a:ln>
+        </p:spPr>
+        <p:txBody>
+          <a:bodyPr spcFirstLastPara="1" wrap="square" lIns="91425" tIns="45700" rIns="91425" bIns="45700" anchor="ctr" anchorCtr="0">
+            <a:noAutofit/>
+          </a:bodyPr>
+          <a:lstStyle/>
+          <a:p>
+            <a:pPr marL="0" lvl="0" indent="0" algn="r" rtl="0">
+              <a:spcBef>
+                <a:spcPts val="0"/>
+              </a:spcBef>
+              <a:spcAft>
+                <a:spcPts val="0"/>
+              </a:spcAft>
+              <a:buNone/>
+            </a:pPr>
+            <a:fld id="{00000000-1234-1234-1234-123412341234}" type="slidenum">
+              <a:rPr lang="en-US"/>
+              <a:t>5</a:t>
+            </a:fld>
+            <a:endParaRPr/>
+          </a:p>
+        </p:txBody>
+      </p:sp>
+      <p:graphicFrame>
+        <p:nvGraphicFramePr>
+          <p:cNvPr id="103" name="Google Shape;103;p4"/>
+          <p:cNvGraphicFramePr/>
+          <p:nvPr>
+            <p:extLst>
+              <p:ext uri="{D42A27DB-BD31-4B8C-83A1-F6EECF244321}">
+                <p14:modId xmlns:p14="http://schemas.microsoft.com/office/powerpoint/2010/main" val="3116565312"/>
+              </p:ext>
+            </p:extLst>
+          </p:nvPr>
+        </p:nvGraphicFramePr>
+        <p:xfrm>
+          <a:off x="681038" y="1255713"/>
+          <a:ext cx="8543923" cy="2352035"/>
         </p:xfrm>
         <a:graphic>
           <a:graphicData uri="http://schemas.openxmlformats.org/drawingml/2006/table">
@@ -14537,7 +17193,58 @@
                     <a:bodyPr/>
                     <a:lstStyle/>
                     <a:p>
-                      <a:endParaRPr lang="en-US"/>
+                      <a:pPr marL="0" marR="0" lvl="0" indent="0" algn="ctr" defTabSz="914400" rtl="0" eaLnBrk="1" fontAlgn="auto" latinLnBrk="0" hangingPunct="1">
+                        <a:lnSpc>
+                          <a:spcPct val="100000"/>
+                        </a:lnSpc>
+                        <a:spcBef>
+                          <a:spcPts val="0"/>
+                        </a:spcBef>
+                        <a:spcAft>
+                          <a:spcPts val="0"/>
+                        </a:spcAft>
+                        <a:buClr>
+                          <a:srgbClr val="000000"/>
+                        </a:buClr>
+                        <a:buSzTx/>
+                        <a:buFont typeface="Arial"/>
+                        <a:buNone/>
+                        <a:tabLst/>
+                        <a:defRPr/>
+                      </a:pPr>
+                      <a:r>
+                        <a:rPr kumimoji="0" lang="ko-KR" altLang="en-US" sz="1400" b="0" i="0" u="none" strike="noStrike" kern="0" cap="none" spc="0" normalizeH="0" baseline="0" noProof="0" smtClean="0">
+                          <a:ln>
+                            <a:noFill/>
+                          </a:ln>
+                          <a:solidFill>
+                            <a:srgbClr val="000000"/>
+                          </a:solidFill>
+                          <a:effectLst/>
+                          <a:uLnTx/>
+                          <a:uFillTx/>
+                          <a:latin typeface="Calibri"/>
+                          <a:ea typeface="Calibri"/>
+                          <a:cs typeface="Calibri"/>
+                          <a:sym typeface="Calibri"/>
+                        </a:rPr>
+                        <a:t>해외</a:t>
+                      </a:r>
+                      <a:endParaRPr kumimoji="0" lang="ko-KR" altLang="en-US" sz="1400" b="0" i="0" u="none" strike="noStrike" kern="0" cap="none" spc="0" normalizeH="0" baseline="0" noProof="0">
+                        <a:ln>
+                          <a:noFill/>
+                        </a:ln>
+                        <a:solidFill>
+                          <a:srgbClr val="000000"/>
+                        </a:solidFill>
+                        <a:effectLst/>
+                        <a:uLnTx/>
+                        <a:uFillTx/>
+                        <a:latin typeface="Calibri"/>
+                        <a:ea typeface="Calibri"/>
+                        <a:cs typeface="Calibri"/>
+                        <a:sym typeface="Calibri"/>
+                      </a:endParaRPr>
                     </a:p>
                   </a:txBody>
                   <a:tcPr marL="91450" marR="91450" marT="45725" marB="45725" anchor="ctr"/>
@@ -14705,7 +17412,58 @@
                     <a:bodyPr/>
                     <a:lstStyle/>
                     <a:p>
-                      <a:endParaRPr lang="en-US"/>
+                      <a:pPr marL="0" marR="0" lvl="0" indent="0" algn="ctr" defTabSz="914400" rtl="0" eaLnBrk="1" fontAlgn="auto" latinLnBrk="0" hangingPunct="1">
+                        <a:lnSpc>
+                          <a:spcPct val="100000"/>
+                        </a:lnSpc>
+                        <a:spcBef>
+                          <a:spcPts val="0"/>
+                        </a:spcBef>
+                        <a:spcAft>
+                          <a:spcPts val="0"/>
+                        </a:spcAft>
+                        <a:buClr>
+                          <a:srgbClr val="000000"/>
+                        </a:buClr>
+                        <a:buSzTx/>
+                        <a:buFont typeface="Arial"/>
+                        <a:buNone/>
+                        <a:tabLst/>
+                        <a:defRPr/>
+                      </a:pPr>
+                      <a:r>
+                        <a:rPr kumimoji="0" lang="ko-KR" altLang="en-US" sz="1400" b="0" i="0" u="none" strike="noStrike" kern="0" cap="none" spc="0" normalizeH="0" baseline="0" noProof="0" smtClean="0">
+                          <a:ln>
+                            <a:noFill/>
+                          </a:ln>
+                          <a:solidFill>
+                            <a:srgbClr val="000000"/>
+                          </a:solidFill>
+                          <a:effectLst/>
+                          <a:uLnTx/>
+                          <a:uFillTx/>
+                          <a:latin typeface="Calibri"/>
+                          <a:ea typeface="Calibri"/>
+                          <a:cs typeface="Calibri"/>
+                          <a:sym typeface="Calibri"/>
+                        </a:rPr>
+                        <a:t>해외</a:t>
+                      </a:r>
+                      <a:endParaRPr kumimoji="0" lang="ko-KR" altLang="en-US" sz="1400" b="0" i="0" u="none" strike="noStrike" kern="0" cap="none" spc="0" normalizeH="0" baseline="0" noProof="0">
+                        <a:ln>
+                          <a:noFill/>
+                        </a:ln>
+                        <a:solidFill>
+                          <a:srgbClr val="000000"/>
+                        </a:solidFill>
+                        <a:effectLst/>
+                        <a:uLnTx/>
+                        <a:uFillTx/>
+                        <a:latin typeface="Calibri"/>
+                        <a:ea typeface="Calibri"/>
+                        <a:cs typeface="Calibri"/>
+                        <a:sym typeface="Calibri"/>
+                      </a:endParaRPr>
                     </a:p>
                   </a:txBody>
                   <a:tcPr marL="91450" marR="91450" marT="45725" marB="45725" anchor="ctr"/>
@@ -14840,7 +17598,7 @@
                       <a:pPr algn="ctr"/>
                       <a:r>
                         <a:rPr lang="en-US" smtClean="0"/>
-                        <a:t>4</a:t>
+                        <a:t>3</a:t>
                       </a:r>
                       <a:endParaRPr lang="en-US"/>
                     </a:p>
@@ -15102,6 +17860,25 @@
                     <a:bodyPr/>
                     <a:lstStyle/>
                     <a:p>
+                      <a:pPr algn="ctr"/>
+                      <a:r>
+                        <a:rPr kumimoji="0" lang="ko-KR" altLang="en-US" sz="1400" b="0" i="0" u="none" strike="noStrike" kern="0" cap="none" spc="0" normalizeH="0" baseline="0" noProof="0" smtClean="0">
+                          <a:ln>
+                            <a:noFill/>
+                          </a:ln>
+                          <a:solidFill>
+                            <a:srgbClr val="000000"/>
+                          </a:solidFill>
+                          <a:effectLst/>
+                          <a:uLnTx/>
+                          <a:uFillTx/>
+                          <a:latin typeface="Calibri"/>
+                          <a:ea typeface="Calibri"/>
+                          <a:cs typeface="Calibri"/>
+                          <a:sym typeface="Calibri"/>
+                        </a:rPr>
+                        <a:t>국내</a:t>
+                      </a:r>
                       <a:endParaRPr lang="en-US"/>
                     </a:p>
                   </a:txBody>
@@ -15253,6 +18030,24 @@
                         </a:spcAft>
                         <a:buNone/>
                       </a:pPr>
+                      <a:r>
+                        <a:rPr kumimoji="0" lang="ko-KR" altLang="en-US" sz="1400" b="0" i="0" u="none" strike="noStrike" kern="0" cap="none" spc="0" normalizeH="0" baseline="0" noProof="0" smtClean="0">
+                          <a:ln>
+                            <a:noFill/>
+                          </a:ln>
+                          <a:solidFill>
+                            <a:srgbClr val="000000"/>
+                          </a:solidFill>
+                          <a:effectLst/>
+                          <a:uLnTx/>
+                          <a:uFillTx/>
+                          <a:latin typeface="Calibri"/>
+                          <a:ea typeface="Calibri"/>
+                          <a:cs typeface="Calibri"/>
+                          <a:sym typeface="Calibri"/>
+                        </a:rPr>
+                        <a:t>국내</a:t>
+                      </a:r>
                       <a:endParaRPr sz="1400" b="0">
                         <a:solidFill>
                           <a:schemeClr val="dk1"/>
@@ -15423,202 +18218,6 @@
                 <a:extLst>
                   <a:ext uri="{0D108BD9-81ED-4DB2-BD59-A6C34878D82A}">
                     <a16:rowId xmlns:a16="http://schemas.microsoft.com/office/drawing/2014/main" val="10006"/>
-                  </a:ext>
-                </a:extLst>
-              </a:tr>
-              <a:tr h="298950">
-                <a:tc>
-                  <a:txBody>
-                    <a:bodyPr/>
-                    <a:lstStyle/>
-                    <a:p>
-                      <a:pPr marL="0" marR="0" lvl="0" indent="0" algn="ctr" defTabSz="914400" rtl="0" eaLnBrk="1" fontAlgn="auto" latinLnBrk="0" hangingPunct="1">
-                        <a:lnSpc>
-                          <a:spcPct val="100000"/>
-                        </a:lnSpc>
-                        <a:spcBef>
-                          <a:spcPts val="0"/>
-                        </a:spcBef>
-                        <a:spcAft>
-                          <a:spcPts val="0"/>
-                        </a:spcAft>
-                        <a:buClr>
-                          <a:srgbClr val="000000"/>
-                        </a:buClr>
-                        <a:buSzTx/>
-                        <a:buFont typeface="Arial"/>
-                        <a:buNone/>
-                        <a:tabLst/>
-                        <a:defRPr/>
-                      </a:pPr>
-                      <a:endParaRPr lang="ko-KR" altLang="en-US" sz="1400" smtClean="0">
-                        <a:solidFill>
-                          <a:schemeClr val="dk1"/>
-                        </a:solidFill>
-                      </a:endParaRPr>
-                    </a:p>
-                  </a:txBody>
-                  <a:tcPr marL="91450" marR="91450" marT="45725" marB="45725" anchor="ctr"/>
-                </a:tc>
-                <a:tc>
-                  <a:txBody>
-                    <a:bodyPr/>
-                    <a:lstStyle/>
-                    <a:p>
-                      <a:pPr marL="0" marR="0" lvl="0" indent="0" algn="ctr" defTabSz="914400" rtl="0" eaLnBrk="1" fontAlgn="auto" latinLnBrk="0" hangingPunct="1">
-                        <a:lnSpc>
-                          <a:spcPct val="100000"/>
-                        </a:lnSpc>
-                        <a:spcBef>
-                          <a:spcPts val="0"/>
-                        </a:spcBef>
-                        <a:spcAft>
-                          <a:spcPts val="0"/>
-                        </a:spcAft>
-                        <a:buClr>
-                          <a:srgbClr val="000000"/>
-                        </a:buClr>
-                        <a:buSzTx/>
-                        <a:buFont typeface="Arial"/>
-                        <a:buNone/>
-                        <a:tabLst/>
-                        <a:defRPr/>
-                      </a:pPr>
-                      <a:r>
-                        <a:rPr lang="ko-KR" altLang="en-US" sz="1400" smtClean="0">
-                          <a:solidFill>
-                            <a:schemeClr val="dk1"/>
-                          </a:solidFill>
-                        </a:rPr>
-                        <a:t>계</a:t>
-                      </a:r>
-                    </a:p>
-                  </a:txBody>
-                  <a:tcPr marL="91450" marR="91450" marT="45725" marB="45725" anchor="ctr"/>
-                </a:tc>
-                <a:tc>
-                  <a:txBody>
-                    <a:bodyPr/>
-                    <a:lstStyle/>
-                    <a:p>
-                      <a:pPr marL="0" marR="0" lvl="0" indent="0" algn="ctr" rtl="0">
-                        <a:lnSpc>
-                          <a:spcPct val="100000"/>
-                        </a:lnSpc>
-                        <a:spcBef>
-                          <a:spcPts val="0"/>
-                        </a:spcBef>
-                        <a:spcAft>
-                          <a:spcPts val="0"/>
-                        </a:spcAft>
-                        <a:buClr>
-                          <a:schemeClr val="dk1"/>
-                        </a:buClr>
-                        <a:buSzPts val="1400"/>
-                        <a:buFont typeface="Calibri"/>
-                        <a:buNone/>
-                      </a:pPr>
-                      <a:endParaRPr sz="1400" b="0">
-                        <a:solidFill>
-                          <a:schemeClr val="dk1"/>
-                        </a:solidFill>
-                        <a:latin typeface="Malgun Gothic"/>
-                        <a:ea typeface="Malgun Gothic"/>
-                        <a:cs typeface="Malgun Gothic"/>
-                        <a:sym typeface="Malgun Gothic"/>
-                      </a:endParaRPr>
-                    </a:p>
-                  </a:txBody>
-                  <a:tcPr marL="91450" marR="91450" marT="45725" marB="45725" anchor="ctr"/>
-                </a:tc>
-                <a:tc>
-                  <a:txBody>
-                    <a:bodyPr/>
-                    <a:lstStyle/>
-                    <a:p>
-                      <a:pPr marL="0" marR="0" lvl="0" indent="0" algn="r" rtl="0">
-                        <a:spcBef>
-                          <a:spcPts val="0"/>
-                        </a:spcBef>
-                        <a:spcAft>
-                          <a:spcPts val="0"/>
-                        </a:spcAft>
-                        <a:buNone/>
-                      </a:pPr>
-                      <a:r>
-                        <a:rPr lang="en-US" sz="1400" b="0">
-                          <a:solidFill>
-                            <a:schemeClr val="dk1"/>
-                          </a:solidFill>
-                          <a:latin typeface="Malgun Gothic"/>
-                          <a:ea typeface="Malgun Gothic"/>
-                          <a:cs typeface="Malgun Gothic"/>
-                          <a:sym typeface="Malgun Gothic"/>
-                        </a:rPr>
-                        <a:t>35 만원</a:t>
-                      </a:r>
-                      <a:endParaRPr/>
-                    </a:p>
-                  </a:txBody>
-                  <a:tcPr marL="91450" marR="91450" marT="45725" marB="45725" anchor="ctr"/>
-                </a:tc>
-                <a:tc>
-                  <a:txBody>
-                    <a:bodyPr/>
-                    <a:lstStyle/>
-                    <a:p>
-                      <a:pPr marL="0" marR="0" lvl="0" indent="0" algn="ctr" rtl="0">
-                        <a:spcBef>
-                          <a:spcPts val="0"/>
-                        </a:spcBef>
-                        <a:spcAft>
-                          <a:spcPts val="0"/>
-                        </a:spcAft>
-                        <a:buNone/>
-                      </a:pPr>
-                      <a:endParaRPr sz="1400" b="0">
-                        <a:solidFill>
-                          <a:schemeClr val="dk1"/>
-                        </a:solidFill>
-                        <a:latin typeface="Malgun Gothic"/>
-                        <a:ea typeface="Malgun Gothic"/>
-                        <a:cs typeface="Malgun Gothic"/>
-                        <a:sym typeface="Malgun Gothic"/>
-                      </a:endParaRPr>
-                    </a:p>
-                  </a:txBody>
-                  <a:tcPr marL="91450" marR="91450" marT="45725" marB="45725" anchor="ctr"/>
-                </a:tc>
-                <a:tc>
-                  <a:txBody>
-                    <a:bodyPr/>
-                    <a:lstStyle/>
-                    <a:p>
-                      <a:pPr marL="0" marR="0" lvl="0" indent="0" algn="ctr" rtl="0">
-                        <a:spcBef>
-                          <a:spcPts val="0"/>
-                        </a:spcBef>
-                        <a:spcAft>
-                          <a:spcPts val="0"/>
-                        </a:spcAft>
-                        <a:buNone/>
-                      </a:pPr>
-                      <a:endParaRPr sz="1400" b="0">
-                        <a:solidFill>
-                          <a:schemeClr val="dk1"/>
-                        </a:solidFill>
-                        <a:latin typeface="Malgun Gothic"/>
-                        <a:ea typeface="Malgun Gothic"/>
-                        <a:cs typeface="Malgun Gothic"/>
-                        <a:sym typeface="Malgun Gothic"/>
-                      </a:endParaRPr>
-                    </a:p>
-                  </a:txBody>
-                  <a:tcPr marL="91450" marR="91450" marT="45725" marB="45725" anchor="ctr"/>
-                </a:tc>
-                <a:extLst>
-                  <a:ext uri="{0D108BD9-81ED-4DB2-BD59-A6C34878D82A}">
-                    <a16:rowId xmlns:a16="http://schemas.microsoft.com/office/drawing/2014/main" val="10007"/>
                   </a:ext>
                 </a:extLst>
               </a:tr>
@@ -15649,7 +18248,7 @@
         </p:blipFill>
         <p:spPr bwMode="auto">
           <a:xfrm rot="16200000">
-            <a:off x="1014191" y="4045862"/>
+            <a:off x="855814" y="3493966"/>
             <a:ext cx="1141863" cy="1491412"/>
           </a:xfrm>
           <a:prstGeom prst="rect">
@@ -15683,7 +18282,7 @@
         </p:blipFill>
         <p:spPr>
           <a:xfrm>
-            <a:off x="2599765" y="4201257"/>
+            <a:off x="681038" y="4982669"/>
             <a:ext cx="1819835" cy="1180622"/>
           </a:xfrm>
           <a:prstGeom prst="rect">
@@ -15703,8 +18302,8 @@
         </p:nvSpPr>
         <p:spPr>
           <a:xfrm>
-            <a:off x="4688536" y="4080729"/>
-            <a:ext cx="5040680" cy="2275623"/>
+            <a:off x="2816645" y="4080729"/>
+            <a:ext cx="6887404" cy="2275623"/>
           </a:xfrm>
           <a:prstGeom prst="rect">
             <a:avLst/>
@@ -15731,17 +18330,8 @@
               <a:buChar char="•"/>
             </a:pPr>
             <a:r>
-              <a:rPr lang="en-US" sz="1480" smtClean="0"/>
+              <a:rPr lang="en-US" sz="1480"/>
               <a:t>NAVIO2 : </a:t>
-            </a:r>
-            <a:r>
-              <a:rPr lang="en-US" sz="1480" u="sng" smtClean="0">
-                <a:solidFill>
-                  <a:schemeClr val="hlink"/>
-                </a:solidFill>
-                <a:hlinkClick r:id="rId5"/>
-              </a:rPr>
-              <a:t>https</a:t>
             </a:r>
             <a:r>
               <a:rPr lang="en-US" sz="1480" u="sng">
@@ -15750,15 +18340,60 @@
                 </a:solidFill>
                 <a:hlinkClick r:id="rId5"/>
               </a:rPr>
-              <a:t>://emlid.com/navio/</a:t>
+              <a:t>https://emlid.com/navio/</a:t>
+            </a:r>
+            <a:endParaRPr lang="en-US" sz="1480" u="sng">
+              <a:solidFill>
+                <a:schemeClr val="hlink"/>
+              </a:solidFill>
+            </a:endParaRPr>
+          </a:p>
+          <a:p>
+            <a:pPr marL="228600" indent="-228600">
+              <a:lnSpc>
+                <a:spcPct val="90000"/>
+              </a:lnSpc>
+              <a:spcBef>
+                <a:spcPts val="500"/>
+              </a:spcBef>
+              <a:buSzPts val="1480"/>
+              <a:buFont typeface="Calibri"/>
+              <a:buChar char="•"/>
+            </a:pPr>
+            <a:r>
+              <a:rPr lang="en-US" sz="1480" smtClean="0"/>
+              <a:t>Rspberry PI B+ </a:t>
             </a:r>
             <a:r>
               <a:rPr lang="en-US" sz="1480"/>
-              <a:t> </a:t>
+              <a:t>: </a:t>
             </a:r>
             <a:r>
+              <a:rPr lang="en-US" sz="1600">
+                <a:hlinkClick r:id="rId6"/>
+              </a:rPr>
+              <a:t>https://www.raspberrypi.org/products/raspberry-pi-3-model-b-plus/</a:t>
+            </a:r>
+            <a:endParaRPr lang="en-US" sz="1480" u="sng">
+              <a:solidFill>
+                <a:schemeClr val="hlink"/>
+              </a:solidFill>
+            </a:endParaRPr>
+          </a:p>
+          <a:p>
+            <a:pPr marL="228600" indent="-228600">
+              <a:lnSpc>
+                <a:spcPct val="90000"/>
+              </a:lnSpc>
+              <a:spcBef>
+                <a:spcPts val="500"/>
+              </a:spcBef>
+              <a:buSzPts val="1480"/>
+              <a:buChar char="•"/>
+            </a:pPr>
+            <a:r>
               <a:rPr lang="en-US" sz="1480" smtClean="0"/>
-              <a:t> </a:t>
+              <a:t>  </a:t>
             </a:r>
             <a:endParaRPr sz="1480"/>
           </a:p>
@@ -15791,12 +18426,12 @@
 </p:sld>
 </file>
 
-<file path=ppt/slides/slide5.xml><?xml version="1.0" encoding="utf-8"?>
+<file path=ppt/slides/slide6.xml><?xml version="1.0" encoding="utf-8"?>
 <p:sld xmlns:a="http://schemas.openxmlformats.org/drawingml/2006/main" xmlns:r="http://schemas.openxmlformats.org/officeDocument/2006/relationships" xmlns:p="http://schemas.openxmlformats.org/presentationml/2006/main">
   <p:cSld>
     <p:spTree>
       <p:nvGrpSpPr>
-        <p:cNvPr id="1" name="Shape 120"/>
+        <p:cNvPr id="1" name="Shape 98"/>
         <p:cNvGrpSpPr/>
         <p:nvPr/>
       </p:nvGrpSpPr>
@@ -15810,7 +18445,7 @@
       </p:grpSpPr>
       <p:sp>
         <p:nvSpPr>
-          <p:cNvPr id="121" name="Google Shape;121;p6"/>
+          <p:cNvPr id="99" name="Google Shape;99;p4"/>
           <p:cNvSpPr txBox="1">
             <a:spLocks noGrp="1"/>
           </p:cNvSpPr>
@@ -15855,8 +18490,20 @@
               <a:buNone/>
             </a:pPr>
             <a:r>
-              <a:rPr lang="en-US"/>
-              <a:t>NAVIO2 기반 드론 조립</a:t>
+              <a:rPr lang="en-US" altLang="ko-KR" smtClean="0"/>
+              <a:t>NAVIO </a:t>
+            </a:r>
+            <a:r>
+              <a:rPr lang="ko-KR" altLang="en-US" smtClean="0"/>
+              <a:t>기반 </a:t>
+            </a:r>
+            <a:r>
+              <a:rPr lang="ko-KR" altLang="en-US" smtClean="0"/>
+              <a:t>드론 조립 부품 </a:t>
+            </a:r>
+            <a:r>
+              <a:rPr lang="ko-KR" altLang="en-US" smtClean="0"/>
+              <a:t>목록</a:t>
             </a:r>
             <a:endParaRPr/>
           </a:p>
@@ -15864,7 +18511,7 @@
       </p:sp>
       <p:sp>
         <p:nvSpPr>
-          <p:cNvPr id="122" name="Google Shape;122;p6"/>
+          <p:cNvPr id="100" name="Google Shape;100;p4"/>
           <p:cNvSpPr txBox="1">
             <a:spLocks noGrp="1"/>
           </p:cNvSpPr>
@@ -15910,7 +18557,7 @@
       </p:sp>
       <p:sp>
         <p:nvSpPr>
-          <p:cNvPr id="123" name="Google Shape;123;p6"/>
+          <p:cNvPr id="101" name="Google Shape;101;p4"/>
           <p:cNvSpPr txBox="1">
             <a:spLocks noGrp="1"/>
           </p:cNvSpPr>
@@ -15956,7 +18603,7 @@
       </p:sp>
       <p:sp>
         <p:nvSpPr>
-          <p:cNvPr id="124" name="Google Shape;124;p6"/>
+          <p:cNvPr id="102" name="Google Shape;102;p4"/>
           <p:cNvSpPr txBox="1">
             <a:spLocks noGrp="1"/>
           </p:cNvSpPr>
@@ -15994,15 +18641,1483 @@
             </a:pPr>
             <a:fld id="{00000000-1234-1234-1234-123412341234}" type="slidenum">
               <a:rPr lang="en-US"/>
-              <a:t>5</a:t>
+              <a:t>6</a:t>
             </a:fld>
             <a:endParaRPr/>
           </a:p>
         </p:txBody>
       </p:sp>
+      <p:graphicFrame>
+        <p:nvGraphicFramePr>
+          <p:cNvPr id="103" name="Google Shape;103;p4"/>
+          <p:cNvGraphicFramePr/>
+          <p:nvPr>
+            <p:extLst>
+              <p:ext uri="{D42A27DB-BD31-4B8C-83A1-F6EECF244321}">
+                <p14:modId xmlns:p14="http://schemas.microsoft.com/office/powerpoint/2010/main" val="741377954"/>
+              </p:ext>
+            </p:extLst>
+          </p:nvPr>
+        </p:nvGraphicFramePr>
+        <p:xfrm>
+          <a:off x="681038" y="1255713"/>
+          <a:ext cx="8543923" cy="2656845"/>
+        </p:xfrm>
+        <a:graphic>
+          <a:graphicData uri="http://schemas.openxmlformats.org/drawingml/2006/table">
+            <a:tbl>
+              <a:tblPr firstRow="1" bandRow="1">
+                <a:noFill/>
+                <a:tableStyleId>{CC17B4C5-E569-4E65-9D09-BF25285E5803}</a:tableStyleId>
+              </a:tblPr>
+              <a:tblGrid>
+                <a:gridCol w="833997">
+                  <a:extLst>
+                    <a:ext uri="{9D8B030D-6E8A-4147-A177-3AD203B41FA5}">
+                      <a16:colId xmlns:a16="http://schemas.microsoft.com/office/drawing/2014/main" val="1298838401"/>
+                    </a:ext>
+                  </a:extLst>
+                </a:gridCol>
+                <a:gridCol w="1416424">
+                  <a:extLst>
+                    <a:ext uri="{9D8B030D-6E8A-4147-A177-3AD203B41FA5}">
+                      <a16:colId xmlns:a16="http://schemas.microsoft.com/office/drawing/2014/main" val="20001"/>
+                    </a:ext>
+                  </a:extLst>
+                </a:gridCol>
+                <a:gridCol w="3496235">
+                  <a:extLst>
+                    <a:ext uri="{9D8B030D-6E8A-4147-A177-3AD203B41FA5}">
+                      <a16:colId xmlns:a16="http://schemas.microsoft.com/office/drawing/2014/main" val="20002"/>
+                    </a:ext>
+                  </a:extLst>
+                </a:gridCol>
+                <a:gridCol w="915755">
+                  <a:extLst>
+                    <a:ext uri="{9D8B030D-6E8A-4147-A177-3AD203B41FA5}">
+                      <a16:colId xmlns:a16="http://schemas.microsoft.com/office/drawing/2014/main" val="20003"/>
+                    </a:ext>
+                  </a:extLst>
+                </a:gridCol>
+                <a:gridCol w="553318">
+                  <a:extLst>
+                    <a:ext uri="{9D8B030D-6E8A-4147-A177-3AD203B41FA5}">
+                      <a16:colId xmlns:a16="http://schemas.microsoft.com/office/drawing/2014/main" val="20004"/>
+                    </a:ext>
+                  </a:extLst>
+                </a:gridCol>
+                <a:gridCol w="1328194">
+                  <a:extLst>
+                    <a:ext uri="{9D8B030D-6E8A-4147-A177-3AD203B41FA5}">
+                      <a16:colId xmlns:a16="http://schemas.microsoft.com/office/drawing/2014/main" val="1954891527"/>
+                    </a:ext>
+                  </a:extLst>
+                </a:gridCol>
+              </a:tblGrid>
+              <a:tr h="523175">
+                <a:tc>
+                  <a:txBody>
+                    <a:bodyPr/>
+                    <a:lstStyle/>
+                    <a:p>
+                      <a:pPr marL="0" marR="0" lvl="0" indent="0" algn="ctr" rtl="0">
+                        <a:spcBef>
+                          <a:spcPts val="0"/>
+                        </a:spcBef>
+                        <a:spcAft>
+                          <a:spcPts val="0"/>
+                        </a:spcAft>
+                        <a:buNone/>
+                      </a:pPr>
+                      <a:r>
+                        <a:rPr lang="ko-KR" altLang="en-US" sz="1400" smtClean="0"/>
+                        <a:t>구매처</a:t>
+                      </a:r>
+                      <a:endParaRPr sz="1400"/>
+                    </a:p>
+                  </a:txBody>
+                  <a:tcPr marL="91450" marR="91450" marT="45725" marB="45725" anchor="ctr"/>
+                </a:tc>
+                <a:tc>
+                  <a:txBody>
+                    <a:bodyPr/>
+                    <a:lstStyle/>
+                    <a:p>
+                      <a:pPr marL="0" marR="0" lvl="0" indent="0" algn="ctr" rtl="0">
+                        <a:spcBef>
+                          <a:spcPts val="0"/>
+                        </a:spcBef>
+                        <a:spcAft>
+                          <a:spcPts val="0"/>
+                        </a:spcAft>
+                        <a:buNone/>
+                      </a:pPr>
+                      <a:r>
+                        <a:rPr lang="en-US" sz="1400"/>
+                        <a:t>제품</a:t>
+                      </a:r>
+                      <a:endParaRPr sz="1400"/>
+                    </a:p>
+                  </a:txBody>
+                  <a:tcPr marL="91450" marR="91450" marT="45725" marB="45725" anchor="ctr"/>
+                </a:tc>
+                <a:tc>
+                  <a:txBody>
+                    <a:bodyPr/>
+                    <a:lstStyle/>
+                    <a:p>
+                      <a:pPr marL="0" marR="0" lvl="0" indent="0" algn="ctr" rtl="0">
+                        <a:spcBef>
+                          <a:spcPts val="0"/>
+                        </a:spcBef>
+                        <a:spcAft>
+                          <a:spcPts val="0"/>
+                        </a:spcAft>
+                        <a:buNone/>
+                      </a:pPr>
+                      <a:r>
+                        <a:rPr lang="en-US" sz="1400"/>
+                        <a:t>모델/스펙</a:t>
+                      </a:r>
+                      <a:endParaRPr sz="1400"/>
+                    </a:p>
+                  </a:txBody>
+                  <a:tcPr marL="91450" marR="91450" marT="45725" marB="45725" anchor="ctr"/>
+                </a:tc>
+                <a:tc>
+                  <a:txBody>
+                    <a:bodyPr/>
+                    <a:lstStyle/>
+                    <a:p>
+                      <a:pPr marL="0" marR="0" lvl="0" indent="0" algn="ctr" rtl="0">
+                        <a:spcBef>
+                          <a:spcPts val="0"/>
+                        </a:spcBef>
+                        <a:spcAft>
+                          <a:spcPts val="0"/>
+                        </a:spcAft>
+                        <a:buNone/>
+                      </a:pPr>
+                      <a:r>
+                        <a:rPr lang="en-US" sz="1400"/>
+                        <a:t>가격</a:t>
+                      </a:r>
+                      <a:endParaRPr sz="1400"/>
+                    </a:p>
+                  </a:txBody>
+                  <a:tcPr marL="91450" marR="91450" marT="45725" marB="45725" anchor="ctr"/>
+                </a:tc>
+                <a:tc>
+                  <a:txBody>
+                    <a:bodyPr/>
+                    <a:lstStyle/>
+                    <a:p>
+                      <a:pPr marL="0" marR="0" lvl="0" indent="0" algn="ctr" rtl="0">
+                        <a:lnSpc>
+                          <a:spcPct val="100000"/>
+                        </a:lnSpc>
+                        <a:spcBef>
+                          <a:spcPts val="0"/>
+                        </a:spcBef>
+                        <a:spcAft>
+                          <a:spcPts val="0"/>
+                        </a:spcAft>
+                        <a:buClr>
+                          <a:schemeClr val="dk1"/>
+                        </a:buClr>
+                        <a:buSzPts val="1400"/>
+                        <a:buFont typeface="Calibri"/>
+                        <a:buNone/>
+                      </a:pPr>
+                      <a:r>
+                        <a:rPr lang="en-US" sz="1400"/>
+                        <a:t>수량</a:t>
+                      </a:r>
+                      <a:endParaRPr sz="1400"/>
+                    </a:p>
+                  </a:txBody>
+                  <a:tcPr marL="91450" marR="91450" marT="45725" marB="45725" anchor="ctr"/>
+                </a:tc>
+                <a:tc>
+                  <a:txBody>
+                    <a:bodyPr/>
+                    <a:lstStyle/>
+                    <a:p>
+                      <a:pPr marL="0" marR="0" lvl="0" indent="0" algn="ctr" rtl="0">
+                        <a:lnSpc>
+                          <a:spcPct val="100000"/>
+                        </a:lnSpc>
+                        <a:spcBef>
+                          <a:spcPts val="0"/>
+                        </a:spcBef>
+                        <a:spcAft>
+                          <a:spcPts val="0"/>
+                        </a:spcAft>
+                        <a:buClr>
+                          <a:schemeClr val="dk1"/>
+                        </a:buClr>
+                        <a:buSzPts val="1400"/>
+                        <a:buFont typeface="Calibri"/>
+                        <a:buNone/>
+                      </a:pPr>
+                      <a:r>
+                        <a:rPr lang="ko-KR" altLang="en-US" sz="1400" smtClean="0"/>
+                        <a:t>비교</a:t>
+                      </a:r>
+                      <a:endParaRPr sz="1400"/>
+                    </a:p>
+                  </a:txBody>
+                  <a:tcPr marL="91450" marR="91450" marT="45725" marB="45725" anchor="ctr"/>
+                </a:tc>
+                <a:extLst>
+                  <a:ext uri="{0D108BD9-81ED-4DB2-BD59-A6C34878D82A}">
+                    <a16:rowId xmlns:a16="http://schemas.microsoft.com/office/drawing/2014/main" val="10000"/>
+                  </a:ext>
+                </a:extLst>
+              </a:tr>
+              <a:tr h="298950">
+                <a:tc>
+                  <a:txBody>
+                    <a:bodyPr/>
+                    <a:lstStyle/>
+                    <a:p>
+                      <a:pPr algn="ctr"/>
+                      <a:r>
+                        <a:rPr lang="ko-KR" altLang="en-US" sz="1400" b="0" i="0" smtClean="0">
+                          <a:solidFill>
+                            <a:schemeClr val="dk1"/>
+                          </a:solidFill>
+                          <a:latin typeface="Calibri"/>
+                          <a:ea typeface="Calibri"/>
+                          <a:cs typeface="Calibri"/>
+                          <a:sym typeface="Calibri"/>
+                        </a:rPr>
+                        <a:t>국내</a:t>
+                      </a:r>
+                      <a:endParaRPr lang="en-US"/>
+                    </a:p>
+                  </a:txBody>
+                  <a:tcPr marL="91450" marR="91450" marT="45725" marB="45725" anchor="ctr"/>
+                </a:tc>
+                <a:tc>
+                  <a:txBody>
+                    <a:bodyPr/>
+                    <a:lstStyle/>
+                    <a:p>
+                      <a:pPr algn="ctr"/>
+                      <a:r>
+                        <a:rPr lang="ko-KR" altLang="en-US" smtClean="0"/>
+                        <a:t>드론</a:t>
+                      </a:r>
+                      <a:r>
+                        <a:rPr lang="ko-KR" altLang="en-US" baseline="0" smtClean="0"/>
+                        <a:t> 프레임</a:t>
+                      </a:r>
+                      <a:endParaRPr lang="en-US"/>
+                    </a:p>
+                  </a:txBody>
+                  <a:tcPr marL="91450" marR="91450" marT="45725" marB="45725" anchor="ctr"/>
+                </a:tc>
+                <a:tc>
+                  <a:txBody>
+                    <a:bodyPr/>
+                    <a:lstStyle/>
+                    <a:p>
+                      <a:pPr marL="0" marR="0" lvl="0" indent="0" algn="ctr" defTabSz="914400" rtl="0" eaLnBrk="1" fontAlgn="auto" latinLnBrk="0" hangingPunct="1">
+                        <a:lnSpc>
+                          <a:spcPct val="100000"/>
+                        </a:lnSpc>
+                        <a:spcBef>
+                          <a:spcPts val="0"/>
+                        </a:spcBef>
+                        <a:spcAft>
+                          <a:spcPts val="0"/>
+                        </a:spcAft>
+                        <a:buClr>
+                          <a:srgbClr val="000000"/>
+                        </a:buClr>
+                        <a:buSzTx/>
+                        <a:buFont typeface="Arial"/>
+                        <a:buNone/>
+                        <a:tabLst/>
+                        <a:defRPr/>
+                      </a:pPr>
+                      <a:r>
+                        <a:rPr lang="ko-KR" altLang="en-US" sz="1400" smtClean="0">
+                          <a:solidFill>
+                            <a:schemeClr val="dk1"/>
+                          </a:solidFill>
+                        </a:rPr>
+                        <a:t>미결정</a:t>
+                      </a:r>
+                      <a:endParaRPr lang="en-US" sz="1400" smtClean="0">
+                        <a:solidFill>
+                          <a:schemeClr val="dk1"/>
+                        </a:solidFill>
+                      </a:endParaRPr>
+                    </a:p>
+                  </a:txBody>
+                  <a:tcPr marL="91450" marR="91450" marT="45725" marB="45725" anchor="ctr"/>
+                </a:tc>
+                <a:tc>
+                  <a:txBody>
+                    <a:bodyPr/>
+                    <a:lstStyle/>
+                    <a:p>
+                      <a:pPr marL="0" marR="0" lvl="0" indent="0" algn="r" defTabSz="914400" rtl="0" eaLnBrk="1" fontAlgn="auto" latinLnBrk="0" hangingPunct="1">
+                        <a:lnSpc>
+                          <a:spcPct val="100000"/>
+                        </a:lnSpc>
+                        <a:spcBef>
+                          <a:spcPts val="0"/>
+                        </a:spcBef>
+                        <a:spcAft>
+                          <a:spcPts val="0"/>
+                        </a:spcAft>
+                        <a:buClr>
+                          <a:srgbClr val="000000"/>
+                        </a:buClr>
+                        <a:buSzTx/>
+                        <a:buFont typeface="Arial"/>
+                        <a:buNone/>
+                        <a:tabLst/>
+                        <a:defRPr/>
+                      </a:pPr>
+                      <a:endParaRPr kumimoji="0" lang="ko-KR" altLang="en-US" sz="1400" b="0" i="0" u="none" strike="noStrike" kern="0" cap="none" spc="0" normalizeH="0" baseline="0" noProof="0">
+                        <a:ln>
+                          <a:noFill/>
+                        </a:ln>
+                        <a:solidFill>
+                          <a:srgbClr val="000000"/>
+                        </a:solidFill>
+                        <a:effectLst/>
+                        <a:uLnTx/>
+                        <a:uFillTx/>
+                        <a:latin typeface="Calibri"/>
+                        <a:cs typeface="Calibri"/>
+                        <a:sym typeface="Arial"/>
+                      </a:endParaRPr>
+                    </a:p>
+                  </a:txBody>
+                  <a:tcPr marL="91450" marR="91450" marT="45725" marB="45725" anchor="ctr"/>
+                </a:tc>
+                <a:tc>
+                  <a:txBody>
+                    <a:bodyPr/>
+                    <a:lstStyle/>
+                    <a:p>
+                      <a:pPr algn="ctr"/>
+                      <a:endParaRPr lang="en-US"/>
+                    </a:p>
+                  </a:txBody>
+                  <a:tcPr marL="91450" marR="91450" marT="45725" marB="45725" anchor="ctr"/>
+                </a:tc>
+                <a:tc>
+                  <a:txBody>
+                    <a:bodyPr/>
+                    <a:lstStyle/>
+                    <a:p>
+                      <a:r>
+                        <a:rPr lang="en-US" smtClean="0"/>
+                        <a:t>NAVIO </a:t>
+                      </a:r>
+                      <a:r>
+                        <a:rPr lang="ko-KR" altLang="en-US" smtClean="0"/>
+                        <a:t>조립</a:t>
+                      </a:r>
+                      <a:endParaRPr lang="en-US"/>
+                    </a:p>
+                  </a:txBody>
+                  <a:tcPr marL="91450" marR="91450" marT="45725" marB="45725" anchor="ctr"/>
+                </a:tc>
+                <a:extLst>
+                  <a:ext uri="{0D108BD9-81ED-4DB2-BD59-A6C34878D82A}">
+                    <a16:rowId xmlns:a16="http://schemas.microsoft.com/office/drawing/2014/main" val="10003"/>
+                  </a:ext>
+                </a:extLst>
+              </a:tr>
+              <a:tr h="298950">
+                <a:tc>
+                  <a:txBody>
+                    <a:bodyPr/>
+                    <a:lstStyle/>
+                    <a:p>
+                      <a:pPr marL="0" marR="0" lvl="0" indent="0" algn="ctr" rtl="0">
+                        <a:spcBef>
+                          <a:spcPts val="0"/>
+                        </a:spcBef>
+                        <a:spcAft>
+                          <a:spcPts val="0"/>
+                        </a:spcAft>
+                        <a:buNone/>
+                      </a:pPr>
+                      <a:endParaRPr sz="1400" b="0" i="0">
+                        <a:solidFill>
+                          <a:schemeClr val="dk1"/>
+                        </a:solidFill>
+                        <a:latin typeface="Calibri"/>
+                        <a:ea typeface="Calibri"/>
+                        <a:cs typeface="Calibri"/>
+                        <a:sym typeface="Calibri"/>
+                      </a:endParaRPr>
+                    </a:p>
+                  </a:txBody>
+                  <a:tcPr marL="91450" marR="91450" marT="45725" marB="45725" anchor="ctr"/>
+                </a:tc>
+                <a:tc>
+                  <a:txBody>
+                    <a:bodyPr/>
+                    <a:lstStyle/>
+                    <a:p>
+                      <a:pPr marL="0" marR="0" lvl="0" indent="0" algn="ctr" rtl="0">
+                        <a:spcBef>
+                          <a:spcPts val="0"/>
+                        </a:spcBef>
+                        <a:spcAft>
+                          <a:spcPts val="0"/>
+                        </a:spcAft>
+                        <a:buNone/>
+                      </a:pPr>
+                      <a:r>
+                        <a:rPr lang="ko-KR" altLang="en-US" sz="1400" b="0" i="0" smtClean="0">
+                          <a:solidFill>
+                            <a:schemeClr val="dk1"/>
+                          </a:solidFill>
+                          <a:latin typeface="Calibri"/>
+                          <a:ea typeface="Calibri"/>
+                          <a:cs typeface="Calibri"/>
+                          <a:sym typeface="Calibri"/>
+                        </a:rPr>
+                        <a:t>드론 모터</a:t>
+                      </a:r>
+                      <a:endParaRPr sz="1400" b="0" i="0">
+                        <a:solidFill>
+                          <a:schemeClr val="dk1"/>
+                        </a:solidFill>
+                        <a:latin typeface="Calibri"/>
+                        <a:ea typeface="Calibri"/>
+                        <a:cs typeface="Calibri"/>
+                        <a:sym typeface="Calibri"/>
+                      </a:endParaRPr>
+                    </a:p>
+                  </a:txBody>
+                  <a:tcPr marL="91450" marR="91450" marT="45725" marB="45725" anchor="ctr"/>
+                </a:tc>
+                <a:tc>
+                  <a:txBody>
+                    <a:bodyPr/>
+                    <a:lstStyle/>
+                    <a:p>
+                      <a:pPr marL="0" marR="0" lvl="0" indent="0" algn="ctr" rtl="0">
+                        <a:lnSpc>
+                          <a:spcPct val="100000"/>
+                        </a:lnSpc>
+                        <a:spcBef>
+                          <a:spcPts val="0"/>
+                        </a:spcBef>
+                        <a:spcAft>
+                          <a:spcPts val="0"/>
+                        </a:spcAft>
+                        <a:buClr>
+                          <a:schemeClr val="dk1"/>
+                        </a:buClr>
+                        <a:buSzPts val="1400"/>
+                        <a:buFont typeface="Calibri"/>
+                        <a:buNone/>
+                      </a:pPr>
+                      <a:r>
+                        <a:rPr lang="en-US" sz="1400" smtClean="0">
+                          <a:solidFill>
+                            <a:schemeClr val="dk1"/>
+                          </a:solidFill>
+                        </a:rPr>
+                        <a:t>NAVIO</a:t>
+                      </a:r>
+                      <a:r>
+                        <a:rPr lang="en-US" sz="1400" baseline="0" smtClean="0">
+                          <a:solidFill>
+                            <a:schemeClr val="dk1"/>
+                          </a:solidFill>
+                        </a:rPr>
+                        <a:t> </a:t>
+                      </a:r>
+                      <a:r>
+                        <a:rPr lang="ko-KR" altLang="en-US" sz="1400" baseline="0" smtClean="0">
+                          <a:solidFill>
+                            <a:schemeClr val="dk1"/>
+                          </a:solidFill>
+                        </a:rPr>
+                        <a:t>최적화</a:t>
+                      </a:r>
+                      <a:endParaRPr sz="1400">
+                        <a:solidFill>
+                          <a:schemeClr val="dk1"/>
+                        </a:solidFill>
+                      </a:endParaRPr>
+                    </a:p>
+                  </a:txBody>
+                  <a:tcPr marL="91450" marR="91450" marT="45725" marB="45725" anchor="ctr"/>
+                </a:tc>
+                <a:tc>
+                  <a:txBody>
+                    <a:bodyPr/>
+                    <a:lstStyle/>
+                    <a:p>
+                      <a:pPr marL="0" marR="0" lvl="0" indent="0" algn="r" rtl="0">
+                        <a:spcBef>
+                          <a:spcPts val="0"/>
+                        </a:spcBef>
+                        <a:spcAft>
+                          <a:spcPts val="0"/>
+                        </a:spcAft>
+                        <a:buNone/>
+                      </a:pPr>
+                      <a:endParaRPr sz="1400">
+                        <a:solidFill>
+                          <a:schemeClr val="dk1"/>
+                        </a:solidFill>
+                      </a:endParaRPr>
+                    </a:p>
+                  </a:txBody>
+                  <a:tcPr marL="91450" marR="91450" marT="45725" marB="45725" anchor="ctr"/>
+                </a:tc>
+                <a:tc>
+                  <a:txBody>
+                    <a:bodyPr/>
+                    <a:lstStyle/>
+                    <a:p>
+                      <a:pPr marL="0" marR="0" lvl="0" indent="0" algn="ctr" rtl="0">
+                        <a:spcBef>
+                          <a:spcPts val="0"/>
+                        </a:spcBef>
+                        <a:spcAft>
+                          <a:spcPts val="0"/>
+                        </a:spcAft>
+                        <a:buNone/>
+                      </a:pPr>
+                      <a:endParaRPr sz="1400">
+                        <a:solidFill>
+                          <a:schemeClr val="dk1"/>
+                        </a:solidFill>
+                      </a:endParaRPr>
+                    </a:p>
+                  </a:txBody>
+                  <a:tcPr marL="91450" marR="91450" marT="45725" marB="45725" anchor="ctr"/>
+                </a:tc>
+                <a:tc>
+                  <a:txBody>
+                    <a:bodyPr/>
+                    <a:lstStyle/>
+                    <a:p>
+                      <a:pPr marL="0" marR="0" lvl="0" indent="0" algn="l" rtl="0">
+                        <a:spcBef>
+                          <a:spcPts val="0"/>
+                        </a:spcBef>
+                        <a:spcAft>
+                          <a:spcPts val="0"/>
+                        </a:spcAft>
+                        <a:buNone/>
+                      </a:pPr>
+                      <a:r>
+                        <a:rPr lang="en-US" smtClean="0"/>
+                        <a:t>NAVIO </a:t>
+                      </a:r>
+                      <a:r>
+                        <a:rPr lang="ko-KR" altLang="en-US" smtClean="0"/>
+                        <a:t>조립</a:t>
+                      </a:r>
+                      <a:endParaRPr sz="1400">
+                        <a:solidFill>
+                          <a:schemeClr val="dk1"/>
+                        </a:solidFill>
+                      </a:endParaRPr>
+                    </a:p>
+                  </a:txBody>
+                  <a:tcPr marL="91450" marR="91450" marT="45725" marB="45725" anchor="ctr"/>
+                </a:tc>
+                <a:extLst>
+                  <a:ext uri="{0D108BD9-81ED-4DB2-BD59-A6C34878D82A}">
+                    <a16:rowId xmlns:a16="http://schemas.microsoft.com/office/drawing/2014/main" val="10004"/>
+                  </a:ext>
+                </a:extLst>
+              </a:tr>
+              <a:tr h="298950">
+                <a:tc>
+                  <a:txBody>
+                    <a:bodyPr/>
+                    <a:lstStyle/>
+                    <a:p>
+                      <a:endParaRPr lang="en-US"/>
+                    </a:p>
+                  </a:txBody>
+                  <a:tcPr marL="91450" marR="91450" marT="45725" marB="45725" anchor="ctr"/>
+                </a:tc>
+                <a:tc>
+                  <a:txBody>
+                    <a:bodyPr/>
+                    <a:lstStyle/>
+                    <a:p>
+                      <a:pPr algn="ctr"/>
+                      <a:r>
+                        <a:rPr lang="en-US" smtClean="0"/>
+                        <a:t>Telemetry</a:t>
+                      </a:r>
+                      <a:endParaRPr lang="en-US"/>
+                    </a:p>
+                  </a:txBody>
+                  <a:tcPr marL="91450" marR="91450" marT="45725" marB="45725" anchor="ctr"/>
+                </a:tc>
+                <a:tc>
+                  <a:txBody>
+                    <a:bodyPr/>
+                    <a:lstStyle/>
+                    <a:p>
+                      <a:pPr marL="0" marR="0" lvl="0" indent="0" algn="ctr" rtl="0">
+                        <a:lnSpc>
+                          <a:spcPct val="100000"/>
+                        </a:lnSpc>
+                        <a:spcBef>
+                          <a:spcPts val="0"/>
+                        </a:spcBef>
+                        <a:spcAft>
+                          <a:spcPts val="0"/>
+                        </a:spcAft>
+                        <a:buClr>
+                          <a:schemeClr val="dk1"/>
+                        </a:buClr>
+                        <a:buSzPts val="1400"/>
+                        <a:buFont typeface="Calibri"/>
+                        <a:buNone/>
+                      </a:pPr>
+                      <a:r>
+                        <a:rPr lang="en-US" sz="1400" smtClean="0">
+                          <a:solidFill>
+                            <a:schemeClr val="dk1"/>
+                          </a:solidFill>
+                        </a:rPr>
+                        <a:t>NAVIO </a:t>
+                      </a:r>
+                      <a:r>
+                        <a:rPr lang="ko-KR" altLang="en-US" sz="1400" smtClean="0">
+                          <a:solidFill>
+                            <a:schemeClr val="dk1"/>
+                          </a:solidFill>
+                        </a:rPr>
+                        <a:t>최적화</a:t>
+                      </a:r>
+                      <a:endParaRPr sz="1400">
+                        <a:solidFill>
+                          <a:schemeClr val="dk1"/>
+                        </a:solidFill>
+                      </a:endParaRPr>
+                    </a:p>
+                  </a:txBody>
+                  <a:tcPr marL="91450" marR="91450" marT="45725" marB="45725" anchor="ctr"/>
+                </a:tc>
+                <a:tc>
+                  <a:txBody>
+                    <a:bodyPr/>
+                    <a:lstStyle/>
+                    <a:p>
+                      <a:pPr marL="0" marR="0" lvl="0" indent="0" algn="r" rtl="0">
+                        <a:spcBef>
+                          <a:spcPts val="0"/>
+                        </a:spcBef>
+                        <a:spcAft>
+                          <a:spcPts val="0"/>
+                        </a:spcAft>
+                        <a:buNone/>
+                      </a:pPr>
+                      <a:endParaRPr sz="1400">
+                        <a:solidFill>
+                          <a:schemeClr val="dk1"/>
+                        </a:solidFill>
+                      </a:endParaRPr>
+                    </a:p>
+                  </a:txBody>
+                  <a:tcPr marL="91450" marR="91450" marT="45725" marB="45725" anchor="ctr"/>
+                </a:tc>
+                <a:tc>
+                  <a:txBody>
+                    <a:bodyPr/>
+                    <a:lstStyle/>
+                    <a:p>
+                      <a:pPr marL="0" marR="0" lvl="0" indent="0" algn="ctr" rtl="0">
+                        <a:spcBef>
+                          <a:spcPts val="0"/>
+                        </a:spcBef>
+                        <a:spcAft>
+                          <a:spcPts val="0"/>
+                        </a:spcAft>
+                        <a:buNone/>
+                      </a:pPr>
+                      <a:endParaRPr sz="1400">
+                        <a:solidFill>
+                          <a:schemeClr val="dk1"/>
+                        </a:solidFill>
+                      </a:endParaRPr>
+                    </a:p>
+                  </a:txBody>
+                  <a:tcPr marL="91450" marR="91450" marT="45725" marB="45725" anchor="ctr"/>
+                </a:tc>
+                <a:tc>
+                  <a:txBody>
+                    <a:bodyPr/>
+                    <a:lstStyle/>
+                    <a:p>
+                      <a:r>
+                        <a:rPr lang="en-US" smtClean="0"/>
+                        <a:t>NAVIO </a:t>
+                      </a:r>
+                      <a:r>
+                        <a:rPr lang="ko-KR" altLang="en-US" smtClean="0"/>
+                        <a:t>조립</a:t>
+                      </a:r>
+                      <a:endParaRPr lang="en-US"/>
+                    </a:p>
+                  </a:txBody>
+                  <a:tcPr marL="91450" marR="91450" marT="45725" marB="45725" anchor="ctr"/>
+                </a:tc>
+                <a:extLst>
+                  <a:ext uri="{0D108BD9-81ED-4DB2-BD59-A6C34878D82A}">
+                    <a16:rowId xmlns:a16="http://schemas.microsoft.com/office/drawing/2014/main" val="10005"/>
+                  </a:ext>
+                </a:extLst>
+              </a:tr>
+              <a:tr h="298950">
+                <a:tc>
+                  <a:txBody>
+                    <a:bodyPr/>
+                    <a:lstStyle/>
+                    <a:p>
+                      <a:pPr marL="0" marR="0" lvl="0" indent="0" algn="ctr" rtl="0">
+                        <a:spcBef>
+                          <a:spcPts val="0"/>
+                        </a:spcBef>
+                        <a:spcAft>
+                          <a:spcPts val="0"/>
+                        </a:spcAft>
+                        <a:buNone/>
+                      </a:pPr>
+                      <a:endParaRPr sz="1400" b="0">
+                        <a:solidFill>
+                          <a:schemeClr val="dk1"/>
+                        </a:solidFill>
+                        <a:latin typeface="Malgun Gothic"/>
+                        <a:ea typeface="Malgun Gothic"/>
+                        <a:cs typeface="Malgun Gothic"/>
+                        <a:sym typeface="Malgun Gothic"/>
+                      </a:endParaRPr>
+                    </a:p>
+                  </a:txBody>
+                  <a:tcPr marL="91450" marR="91450" marT="45725" marB="45725" anchor="ctr"/>
+                </a:tc>
+                <a:tc>
+                  <a:txBody>
+                    <a:bodyPr/>
+                    <a:lstStyle/>
+                    <a:p>
+                      <a:pPr marL="0" marR="0" lvl="0" indent="0" algn="ctr" rtl="0">
+                        <a:spcBef>
+                          <a:spcPts val="0"/>
+                        </a:spcBef>
+                        <a:spcAft>
+                          <a:spcPts val="0"/>
+                        </a:spcAft>
+                        <a:buNone/>
+                      </a:pPr>
+                      <a:r>
+                        <a:rPr lang="ko-KR" altLang="en-US" sz="1400" b="0" smtClean="0">
+                          <a:solidFill>
+                            <a:schemeClr val="dk1"/>
+                          </a:solidFill>
+                          <a:latin typeface="Malgun Gothic"/>
+                          <a:ea typeface="Malgun Gothic"/>
+                          <a:cs typeface="Malgun Gothic"/>
+                          <a:sym typeface="Malgun Gothic"/>
+                        </a:rPr>
+                        <a:t>배터리</a:t>
+                      </a:r>
+                      <a:endParaRPr sz="1400" b="0">
+                        <a:solidFill>
+                          <a:schemeClr val="dk1"/>
+                        </a:solidFill>
+                        <a:latin typeface="Malgun Gothic"/>
+                        <a:ea typeface="Malgun Gothic"/>
+                        <a:cs typeface="Malgun Gothic"/>
+                        <a:sym typeface="Malgun Gothic"/>
+                      </a:endParaRPr>
+                    </a:p>
+                  </a:txBody>
+                  <a:tcPr marL="91450" marR="91450" marT="45725" marB="45725" anchor="ctr"/>
+                </a:tc>
+                <a:tc>
+                  <a:txBody>
+                    <a:bodyPr/>
+                    <a:lstStyle/>
+                    <a:p>
+                      <a:pPr marL="0" marR="0" lvl="0" indent="0" algn="ctr" rtl="0">
+                        <a:lnSpc>
+                          <a:spcPct val="100000"/>
+                        </a:lnSpc>
+                        <a:spcBef>
+                          <a:spcPts val="0"/>
+                        </a:spcBef>
+                        <a:spcAft>
+                          <a:spcPts val="0"/>
+                        </a:spcAft>
+                        <a:buClr>
+                          <a:schemeClr val="dk1"/>
+                        </a:buClr>
+                        <a:buSzPts val="1400"/>
+                        <a:buFont typeface="Calibri"/>
+                        <a:buNone/>
+                      </a:pPr>
+                      <a:r>
+                        <a:rPr lang="en-US" sz="1400" smtClean="0">
+                          <a:solidFill>
+                            <a:schemeClr val="dk1"/>
+                          </a:solidFill>
+                        </a:rPr>
+                        <a:t>NAVIO/ARDUPILOT </a:t>
+                      </a:r>
+                      <a:r>
+                        <a:rPr lang="ko-KR" altLang="en-US" sz="1400" smtClean="0">
+                          <a:solidFill>
+                            <a:schemeClr val="dk1"/>
+                          </a:solidFill>
+                        </a:rPr>
+                        <a:t>최적화</a:t>
+                      </a:r>
+                      <a:endParaRPr lang="ko-KR" altLang="en-US" sz="1400">
+                        <a:solidFill>
+                          <a:schemeClr val="dk1"/>
+                        </a:solidFill>
+                      </a:endParaRPr>
+                    </a:p>
+                  </a:txBody>
+                  <a:tcPr marL="91450" marR="91450" marT="45725" marB="45725" anchor="ctr"/>
+                </a:tc>
+                <a:tc>
+                  <a:txBody>
+                    <a:bodyPr/>
+                    <a:lstStyle/>
+                    <a:p>
+                      <a:pPr marL="0" marR="0" lvl="0" indent="0" algn="r" rtl="0">
+                        <a:spcBef>
+                          <a:spcPts val="0"/>
+                        </a:spcBef>
+                        <a:spcAft>
+                          <a:spcPts val="0"/>
+                        </a:spcAft>
+                        <a:buNone/>
+                      </a:pPr>
+                      <a:endParaRPr sz="1400" strike="sngStrike" baseline="0">
+                        <a:solidFill>
+                          <a:schemeClr val="dk1"/>
+                        </a:solidFill>
+                      </a:endParaRPr>
+                    </a:p>
+                  </a:txBody>
+                  <a:tcPr marL="91450" marR="91450" marT="45725" marB="45725" anchor="ctr"/>
+                </a:tc>
+                <a:tc>
+                  <a:txBody>
+                    <a:bodyPr/>
+                    <a:lstStyle/>
+                    <a:p>
+                      <a:pPr marL="0" marR="0" lvl="0" indent="0" algn="ctr" rtl="0">
+                        <a:spcBef>
+                          <a:spcPts val="0"/>
+                        </a:spcBef>
+                        <a:spcAft>
+                          <a:spcPts val="0"/>
+                        </a:spcAft>
+                        <a:buNone/>
+                      </a:pPr>
+                      <a:endParaRPr sz="1400" strike="sngStrike" baseline="0">
+                        <a:solidFill>
+                          <a:schemeClr val="dk1"/>
+                        </a:solidFill>
+                      </a:endParaRPr>
+                    </a:p>
+                  </a:txBody>
+                  <a:tcPr marL="91450" marR="91450" marT="45725" marB="45725" anchor="ctr"/>
+                </a:tc>
+                <a:tc>
+                  <a:txBody>
+                    <a:bodyPr/>
+                    <a:lstStyle/>
+                    <a:p>
+                      <a:r>
+                        <a:rPr lang="en-US" smtClean="0"/>
+                        <a:t>NAVIO </a:t>
+                      </a:r>
+                      <a:r>
+                        <a:rPr lang="ko-KR" altLang="en-US" smtClean="0"/>
+                        <a:t>조립</a:t>
+                      </a:r>
+                      <a:endParaRPr lang="en-US" strike="sngStrike" baseline="0"/>
+                    </a:p>
+                  </a:txBody>
+                  <a:tcPr marL="91450" marR="91450" marT="45725" marB="45725" anchor="ctr"/>
+                </a:tc>
+                <a:extLst>
+                  <a:ext uri="{0D108BD9-81ED-4DB2-BD59-A6C34878D82A}">
+                    <a16:rowId xmlns:a16="http://schemas.microsoft.com/office/drawing/2014/main" val="10006"/>
+                  </a:ext>
+                </a:extLst>
+              </a:tr>
+              <a:tr h="298950">
+                <a:tc>
+                  <a:txBody>
+                    <a:bodyPr/>
+                    <a:lstStyle/>
+                    <a:p>
+                      <a:pPr marL="0" marR="0" lvl="0" indent="0" algn="ctr" defTabSz="914400" rtl="0" eaLnBrk="1" fontAlgn="auto" latinLnBrk="0" hangingPunct="1">
+                        <a:lnSpc>
+                          <a:spcPct val="100000"/>
+                        </a:lnSpc>
+                        <a:spcBef>
+                          <a:spcPts val="0"/>
+                        </a:spcBef>
+                        <a:spcAft>
+                          <a:spcPts val="0"/>
+                        </a:spcAft>
+                        <a:buClr>
+                          <a:srgbClr val="000000"/>
+                        </a:buClr>
+                        <a:buSzTx/>
+                        <a:buFont typeface="Arial"/>
+                        <a:buNone/>
+                        <a:tabLst/>
+                        <a:defRPr/>
+                      </a:pPr>
+                      <a:endParaRPr lang="ko-KR" altLang="en-US" sz="1400" smtClean="0">
+                        <a:solidFill>
+                          <a:schemeClr val="dk1"/>
+                        </a:solidFill>
+                      </a:endParaRPr>
+                    </a:p>
+                  </a:txBody>
+                  <a:tcPr marL="91450" marR="91450" marT="45725" marB="45725" anchor="ctr"/>
+                </a:tc>
+                <a:tc>
+                  <a:txBody>
+                    <a:bodyPr/>
+                    <a:lstStyle/>
+                    <a:p>
+                      <a:pPr marL="0" marR="0" lvl="0" indent="0" algn="ctr" defTabSz="914400" rtl="0" eaLnBrk="1" fontAlgn="auto" latinLnBrk="0" hangingPunct="1">
+                        <a:lnSpc>
+                          <a:spcPct val="100000"/>
+                        </a:lnSpc>
+                        <a:spcBef>
+                          <a:spcPts val="0"/>
+                        </a:spcBef>
+                        <a:spcAft>
+                          <a:spcPts val="0"/>
+                        </a:spcAft>
+                        <a:buClr>
+                          <a:srgbClr val="000000"/>
+                        </a:buClr>
+                        <a:buSzTx/>
+                        <a:buFont typeface="Arial"/>
+                        <a:buNone/>
+                        <a:tabLst/>
+                        <a:defRPr/>
+                      </a:pPr>
+                      <a:endParaRPr lang="ko-KR" altLang="en-US" sz="1400" smtClean="0">
+                        <a:solidFill>
+                          <a:schemeClr val="dk1"/>
+                        </a:solidFill>
+                      </a:endParaRPr>
+                    </a:p>
+                  </a:txBody>
+                  <a:tcPr marL="91450" marR="91450" marT="45725" marB="45725" anchor="ctr"/>
+                </a:tc>
+                <a:tc>
+                  <a:txBody>
+                    <a:bodyPr/>
+                    <a:lstStyle/>
+                    <a:p>
+                      <a:pPr marL="0" marR="0" lvl="0" indent="0" algn="ctr" rtl="0">
+                        <a:lnSpc>
+                          <a:spcPct val="100000"/>
+                        </a:lnSpc>
+                        <a:spcBef>
+                          <a:spcPts val="0"/>
+                        </a:spcBef>
+                        <a:spcAft>
+                          <a:spcPts val="0"/>
+                        </a:spcAft>
+                        <a:buClr>
+                          <a:schemeClr val="dk1"/>
+                        </a:buClr>
+                        <a:buSzPts val="1400"/>
+                        <a:buFont typeface="Calibri"/>
+                        <a:buNone/>
+                      </a:pPr>
+                      <a:endParaRPr sz="1400" b="0">
+                        <a:solidFill>
+                          <a:schemeClr val="dk1"/>
+                        </a:solidFill>
+                        <a:latin typeface="Malgun Gothic"/>
+                        <a:ea typeface="Malgun Gothic"/>
+                        <a:cs typeface="Malgun Gothic"/>
+                        <a:sym typeface="Malgun Gothic"/>
+                      </a:endParaRPr>
+                    </a:p>
+                  </a:txBody>
+                  <a:tcPr marL="91450" marR="91450" marT="45725" marB="45725" anchor="ctr"/>
+                </a:tc>
+                <a:tc>
+                  <a:txBody>
+                    <a:bodyPr/>
+                    <a:lstStyle/>
+                    <a:p>
+                      <a:pPr marL="0" marR="0" lvl="0" indent="0" algn="r" rtl="0">
+                        <a:spcBef>
+                          <a:spcPts val="0"/>
+                        </a:spcBef>
+                        <a:spcAft>
+                          <a:spcPts val="0"/>
+                        </a:spcAft>
+                        <a:buNone/>
+                      </a:pPr>
+                      <a:endParaRPr/>
+                    </a:p>
+                  </a:txBody>
+                  <a:tcPr marL="91450" marR="91450" marT="45725" marB="45725" anchor="ctr"/>
+                </a:tc>
+                <a:tc>
+                  <a:txBody>
+                    <a:bodyPr/>
+                    <a:lstStyle/>
+                    <a:p>
+                      <a:pPr marL="0" marR="0" lvl="0" indent="0" algn="ctr" rtl="0">
+                        <a:spcBef>
+                          <a:spcPts val="0"/>
+                        </a:spcBef>
+                        <a:spcAft>
+                          <a:spcPts val="0"/>
+                        </a:spcAft>
+                        <a:buNone/>
+                      </a:pPr>
+                      <a:endParaRPr sz="1400" b="0">
+                        <a:solidFill>
+                          <a:schemeClr val="dk1"/>
+                        </a:solidFill>
+                        <a:latin typeface="Malgun Gothic"/>
+                        <a:ea typeface="Malgun Gothic"/>
+                        <a:cs typeface="Malgun Gothic"/>
+                        <a:sym typeface="Malgun Gothic"/>
+                      </a:endParaRPr>
+                    </a:p>
+                  </a:txBody>
+                  <a:tcPr marL="91450" marR="91450" marT="45725" marB="45725" anchor="ctr"/>
+                </a:tc>
+                <a:tc>
+                  <a:txBody>
+                    <a:bodyPr/>
+                    <a:lstStyle/>
+                    <a:p>
+                      <a:pPr marL="0" marR="0" lvl="0" indent="0" algn="ctr" rtl="0">
+                        <a:spcBef>
+                          <a:spcPts val="0"/>
+                        </a:spcBef>
+                        <a:spcAft>
+                          <a:spcPts val="0"/>
+                        </a:spcAft>
+                        <a:buNone/>
+                      </a:pPr>
+                      <a:endParaRPr sz="1400" b="0">
+                        <a:solidFill>
+                          <a:schemeClr val="dk1"/>
+                        </a:solidFill>
+                        <a:latin typeface="Malgun Gothic"/>
+                        <a:ea typeface="Malgun Gothic"/>
+                        <a:cs typeface="Malgun Gothic"/>
+                        <a:sym typeface="Malgun Gothic"/>
+                      </a:endParaRPr>
+                    </a:p>
+                  </a:txBody>
+                  <a:tcPr marL="91450" marR="91450" marT="45725" marB="45725" anchor="ctr"/>
+                </a:tc>
+                <a:extLst>
+                  <a:ext uri="{0D108BD9-81ED-4DB2-BD59-A6C34878D82A}">
+                    <a16:rowId xmlns:a16="http://schemas.microsoft.com/office/drawing/2014/main" val="10007"/>
+                  </a:ext>
+                </a:extLst>
+              </a:tr>
+              <a:tr h="298950">
+                <a:tc>
+                  <a:txBody>
+                    <a:bodyPr/>
+                    <a:lstStyle/>
+                    <a:p>
+                      <a:pPr marL="0" marR="0" lvl="0" indent="0" algn="ctr" defTabSz="914400" rtl="0" eaLnBrk="1" fontAlgn="auto" latinLnBrk="0" hangingPunct="1">
+                        <a:lnSpc>
+                          <a:spcPct val="100000"/>
+                        </a:lnSpc>
+                        <a:spcBef>
+                          <a:spcPts val="0"/>
+                        </a:spcBef>
+                        <a:spcAft>
+                          <a:spcPts val="0"/>
+                        </a:spcAft>
+                        <a:buClr>
+                          <a:srgbClr val="000000"/>
+                        </a:buClr>
+                        <a:buSzTx/>
+                        <a:buFont typeface="Arial"/>
+                        <a:buNone/>
+                        <a:tabLst/>
+                        <a:defRPr/>
+                      </a:pPr>
+                      <a:endParaRPr lang="ko-KR" altLang="en-US" sz="1400" smtClean="0">
+                        <a:solidFill>
+                          <a:schemeClr val="dk1"/>
+                        </a:solidFill>
+                      </a:endParaRPr>
+                    </a:p>
+                  </a:txBody>
+                  <a:tcPr marL="91450" marR="91450" marT="45725" marB="45725" anchor="ctr"/>
+                </a:tc>
+                <a:tc>
+                  <a:txBody>
+                    <a:bodyPr/>
+                    <a:lstStyle/>
+                    <a:p>
+                      <a:pPr marL="0" marR="0" lvl="0" indent="0" algn="ctr" defTabSz="914400" rtl="0" eaLnBrk="1" fontAlgn="auto" latinLnBrk="0" hangingPunct="1">
+                        <a:lnSpc>
+                          <a:spcPct val="100000"/>
+                        </a:lnSpc>
+                        <a:spcBef>
+                          <a:spcPts val="0"/>
+                        </a:spcBef>
+                        <a:spcAft>
+                          <a:spcPts val="0"/>
+                        </a:spcAft>
+                        <a:buClr>
+                          <a:srgbClr val="000000"/>
+                        </a:buClr>
+                        <a:buSzTx/>
+                        <a:buFont typeface="Arial"/>
+                        <a:buNone/>
+                        <a:tabLst/>
+                        <a:defRPr/>
+                      </a:pPr>
+                      <a:endParaRPr lang="ko-KR" altLang="en-US" sz="1400" smtClean="0">
+                        <a:solidFill>
+                          <a:schemeClr val="dk1"/>
+                        </a:solidFill>
+                      </a:endParaRPr>
+                    </a:p>
+                  </a:txBody>
+                  <a:tcPr marL="91450" marR="91450" marT="45725" marB="45725" anchor="ctr"/>
+                </a:tc>
+                <a:tc>
+                  <a:txBody>
+                    <a:bodyPr/>
+                    <a:lstStyle/>
+                    <a:p>
+                      <a:pPr marL="0" marR="0" lvl="0" indent="0" algn="ctr" rtl="0">
+                        <a:lnSpc>
+                          <a:spcPct val="100000"/>
+                        </a:lnSpc>
+                        <a:spcBef>
+                          <a:spcPts val="0"/>
+                        </a:spcBef>
+                        <a:spcAft>
+                          <a:spcPts val="0"/>
+                        </a:spcAft>
+                        <a:buClr>
+                          <a:schemeClr val="dk1"/>
+                        </a:buClr>
+                        <a:buSzPts val="1400"/>
+                        <a:buFont typeface="Calibri"/>
+                        <a:buNone/>
+                      </a:pPr>
+                      <a:endParaRPr sz="1400" b="0">
+                        <a:solidFill>
+                          <a:schemeClr val="dk1"/>
+                        </a:solidFill>
+                        <a:latin typeface="Malgun Gothic"/>
+                        <a:ea typeface="Malgun Gothic"/>
+                        <a:cs typeface="Malgun Gothic"/>
+                        <a:sym typeface="Malgun Gothic"/>
+                      </a:endParaRPr>
+                    </a:p>
+                  </a:txBody>
+                  <a:tcPr marL="91450" marR="91450" marT="45725" marB="45725" anchor="ctr"/>
+                </a:tc>
+                <a:tc>
+                  <a:txBody>
+                    <a:bodyPr/>
+                    <a:lstStyle/>
+                    <a:p>
+                      <a:pPr marL="0" marR="0" lvl="0" indent="0" algn="r" rtl="0">
+                        <a:spcBef>
+                          <a:spcPts val="0"/>
+                        </a:spcBef>
+                        <a:spcAft>
+                          <a:spcPts val="0"/>
+                        </a:spcAft>
+                        <a:buNone/>
+                      </a:pPr>
+                      <a:endParaRPr/>
+                    </a:p>
+                  </a:txBody>
+                  <a:tcPr marL="91450" marR="91450" marT="45725" marB="45725" anchor="ctr"/>
+                </a:tc>
+                <a:tc>
+                  <a:txBody>
+                    <a:bodyPr/>
+                    <a:lstStyle/>
+                    <a:p>
+                      <a:pPr marL="0" marR="0" lvl="0" indent="0" algn="ctr" rtl="0">
+                        <a:spcBef>
+                          <a:spcPts val="0"/>
+                        </a:spcBef>
+                        <a:spcAft>
+                          <a:spcPts val="0"/>
+                        </a:spcAft>
+                        <a:buNone/>
+                      </a:pPr>
+                      <a:endParaRPr sz="1400" b="0">
+                        <a:solidFill>
+                          <a:schemeClr val="dk1"/>
+                        </a:solidFill>
+                        <a:latin typeface="Malgun Gothic"/>
+                        <a:ea typeface="Malgun Gothic"/>
+                        <a:cs typeface="Malgun Gothic"/>
+                        <a:sym typeface="Malgun Gothic"/>
+                      </a:endParaRPr>
+                    </a:p>
+                  </a:txBody>
+                  <a:tcPr marL="91450" marR="91450" marT="45725" marB="45725" anchor="ctr"/>
+                </a:tc>
+                <a:tc>
+                  <a:txBody>
+                    <a:bodyPr/>
+                    <a:lstStyle/>
+                    <a:p>
+                      <a:pPr marL="0" marR="0" lvl="0" indent="0" algn="ctr" rtl="0">
+                        <a:spcBef>
+                          <a:spcPts val="0"/>
+                        </a:spcBef>
+                        <a:spcAft>
+                          <a:spcPts val="0"/>
+                        </a:spcAft>
+                        <a:buNone/>
+                      </a:pPr>
+                      <a:endParaRPr sz="1400" b="0">
+                        <a:solidFill>
+                          <a:schemeClr val="dk1"/>
+                        </a:solidFill>
+                        <a:latin typeface="Malgun Gothic"/>
+                        <a:ea typeface="Malgun Gothic"/>
+                        <a:cs typeface="Malgun Gothic"/>
+                        <a:sym typeface="Malgun Gothic"/>
+                      </a:endParaRPr>
+                    </a:p>
+                  </a:txBody>
+                  <a:tcPr marL="91450" marR="91450" marT="45725" marB="45725" anchor="ctr"/>
+                </a:tc>
+                <a:extLst>
+                  <a:ext uri="{0D108BD9-81ED-4DB2-BD59-A6C34878D82A}">
+                    <a16:rowId xmlns:a16="http://schemas.microsoft.com/office/drawing/2014/main" val="3216771436"/>
+                  </a:ext>
+                </a:extLst>
+              </a:tr>
+              <a:tr h="298950">
+                <a:tc>
+                  <a:txBody>
+                    <a:bodyPr/>
+                    <a:lstStyle/>
+                    <a:p>
+                      <a:pPr marL="0" marR="0" lvl="0" indent="0" algn="ctr" defTabSz="914400" rtl="0" eaLnBrk="1" fontAlgn="auto" latinLnBrk="0" hangingPunct="1">
+                        <a:lnSpc>
+                          <a:spcPct val="100000"/>
+                        </a:lnSpc>
+                        <a:spcBef>
+                          <a:spcPts val="0"/>
+                        </a:spcBef>
+                        <a:spcAft>
+                          <a:spcPts val="0"/>
+                        </a:spcAft>
+                        <a:buClr>
+                          <a:srgbClr val="000000"/>
+                        </a:buClr>
+                        <a:buSzTx/>
+                        <a:buFont typeface="Arial"/>
+                        <a:buNone/>
+                        <a:tabLst/>
+                        <a:defRPr/>
+                      </a:pPr>
+                      <a:endParaRPr lang="ko-KR" altLang="en-US" sz="1400" smtClean="0">
+                        <a:solidFill>
+                          <a:schemeClr val="dk1"/>
+                        </a:solidFill>
+                      </a:endParaRPr>
+                    </a:p>
+                  </a:txBody>
+                  <a:tcPr marL="91450" marR="91450" marT="45725" marB="45725" anchor="ctr"/>
+                </a:tc>
+                <a:tc>
+                  <a:txBody>
+                    <a:bodyPr/>
+                    <a:lstStyle/>
+                    <a:p>
+                      <a:pPr marL="0" marR="0" lvl="0" indent="0" algn="ctr" defTabSz="914400" rtl="0" eaLnBrk="1" fontAlgn="auto" latinLnBrk="0" hangingPunct="1">
+                        <a:lnSpc>
+                          <a:spcPct val="100000"/>
+                        </a:lnSpc>
+                        <a:spcBef>
+                          <a:spcPts val="0"/>
+                        </a:spcBef>
+                        <a:spcAft>
+                          <a:spcPts val="0"/>
+                        </a:spcAft>
+                        <a:buClr>
+                          <a:srgbClr val="000000"/>
+                        </a:buClr>
+                        <a:buSzTx/>
+                        <a:buFont typeface="Arial"/>
+                        <a:buNone/>
+                        <a:tabLst/>
+                        <a:defRPr/>
+                      </a:pPr>
+                      <a:endParaRPr lang="ko-KR" altLang="en-US" sz="1400" smtClean="0">
+                        <a:solidFill>
+                          <a:schemeClr val="dk1"/>
+                        </a:solidFill>
+                      </a:endParaRPr>
+                    </a:p>
+                  </a:txBody>
+                  <a:tcPr marL="91450" marR="91450" marT="45725" marB="45725" anchor="ctr"/>
+                </a:tc>
+                <a:tc>
+                  <a:txBody>
+                    <a:bodyPr/>
+                    <a:lstStyle/>
+                    <a:p>
+                      <a:pPr marL="0" marR="0" lvl="0" indent="0" algn="ctr" rtl="0">
+                        <a:lnSpc>
+                          <a:spcPct val="100000"/>
+                        </a:lnSpc>
+                        <a:spcBef>
+                          <a:spcPts val="0"/>
+                        </a:spcBef>
+                        <a:spcAft>
+                          <a:spcPts val="0"/>
+                        </a:spcAft>
+                        <a:buClr>
+                          <a:schemeClr val="dk1"/>
+                        </a:buClr>
+                        <a:buSzPts val="1400"/>
+                        <a:buFont typeface="Calibri"/>
+                        <a:buNone/>
+                      </a:pPr>
+                      <a:endParaRPr sz="1400" b="0">
+                        <a:solidFill>
+                          <a:schemeClr val="dk1"/>
+                        </a:solidFill>
+                        <a:latin typeface="Malgun Gothic"/>
+                        <a:ea typeface="Malgun Gothic"/>
+                        <a:cs typeface="Malgun Gothic"/>
+                        <a:sym typeface="Malgun Gothic"/>
+                      </a:endParaRPr>
+                    </a:p>
+                  </a:txBody>
+                  <a:tcPr marL="91450" marR="91450" marT="45725" marB="45725" anchor="ctr"/>
+                </a:tc>
+                <a:tc>
+                  <a:txBody>
+                    <a:bodyPr/>
+                    <a:lstStyle/>
+                    <a:p>
+                      <a:pPr marL="0" marR="0" lvl="0" indent="0" algn="r" rtl="0">
+                        <a:spcBef>
+                          <a:spcPts val="0"/>
+                        </a:spcBef>
+                        <a:spcAft>
+                          <a:spcPts val="0"/>
+                        </a:spcAft>
+                        <a:buNone/>
+                      </a:pPr>
+                      <a:endParaRPr/>
+                    </a:p>
+                  </a:txBody>
+                  <a:tcPr marL="91450" marR="91450" marT="45725" marB="45725" anchor="ctr"/>
+                </a:tc>
+                <a:tc>
+                  <a:txBody>
+                    <a:bodyPr/>
+                    <a:lstStyle/>
+                    <a:p>
+                      <a:pPr marL="0" marR="0" lvl="0" indent="0" algn="ctr" rtl="0">
+                        <a:spcBef>
+                          <a:spcPts val="0"/>
+                        </a:spcBef>
+                        <a:spcAft>
+                          <a:spcPts val="0"/>
+                        </a:spcAft>
+                        <a:buNone/>
+                      </a:pPr>
+                      <a:endParaRPr sz="1400" b="0">
+                        <a:solidFill>
+                          <a:schemeClr val="dk1"/>
+                        </a:solidFill>
+                        <a:latin typeface="Malgun Gothic"/>
+                        <a:ea typeface="Malgun Gothic"/>
+                        <a:cs typeface="Malgun Gothic"/>
+                        <a:sym typeface="Malgun Gothic"/>
+                      </a:endParaRPr>
+                    </a:p>
+                  </a:txBody>
+                  <a:tcPr marL="91450" marR="91450" marT="45725" marB="45725" anchor="ctr"/>
+                </a:tc>
+                <a:tc>
+                  <a:txBody>
+                    <a:bodyPr/>
+                    <a:lstStyle/>
+                    <a:p>
+                      <a:pPr marL="0" marR="0" lvl="0" indent="0" algn="ctr" rtl="0">
+                        <a:spcBef>
+                          <a:spcPts val="0"/>
+                        </a:spcBef>
+                        <a:spcAft>
+                          <a:spcPts val="0"/>
+                        </a:spcAft>
+                        <a:buNone/>
+                      </a:pPr>
+                      <a:endParaRPr sz="1400" b="0">
+                        <a:solidFill>
+                          <a:schemeClr val="dk1"/>
+                        </a:solidFill>
+                        <a:latin typeface="Malgun Gothic"/>
+                        <a:ea typeface="Malgun Gothic"/>
+                        <a:cs typeface="Malgun Gothic"/>
+                        <a:sym typeface="Malgun Gothic"/>
+                      </a:endParaRPr>
+                    </a:p>
+                  </a:txBody>
+                  <a:tcPr marL="91450" marR="91450" marT="45725" marB="45725" anchor="ctr"/>
+                </a:tc>
+                <a:extLst>
+                  <a:ext uri="{0D108BD9-81ED-4DB2-BD59-A6C34878D82A}">
+                    <a16:rowId xmlns:a16="http://schemas.microsoft.com/office/drawing/2014/main" val="3820271804"/>
+                  </a:ext>
+                </a:extLst>
+              </a:tr>
+            </a:tbl>
+          </a:graphicData>
+        </a:graphic>
+      </p:graphicFrame>
       <p:sp>
         <p:nvSpPr>
-          <p:cNvPr id="125" name="Google Shape;125;p6"/>
+          <p:cNvPr id="11" name="Google Shape;125;p6"/>
           <p:cNvSpPr txBox="1">
             <a:spLocks noGrp="1"/>
           </p:cNvSpPr>
@@ -16012,8 +20127,8 @@
         </p:nvSpPr>
         <p:spPr>
           <a:xfrm>
-            <a:off x="681038" y="1255270"/>
-            <a:ext cx="8543925" cy="5101081"/>
+            <a:off x="681038" y="4016189"/>
+            <a:ext cx="9048178" cy="2340163"/>
           </a:xfrm>
           <a:prstGeom prst="rect">
             <a:avLst/>
@@ -16029,497 +20144,34 @@
           </a:bodyPr>
           <a:lstStyle/>
           <a:p>
-            <a:pPr marL="514350" lvl="0" indent="-514350" algn="l" rtl="0">
+            <a:pPr marL="228600" indent="-228600">
               <a:lnSpc>
                 <a:spcPct val="90000"/>
               </a:lnSpc>
               <a:spcBef>
-                <a:spcPts val="0"/>
-              </a:spcBef>
-              <a:spcAft>
-                <a:spcPts val="0"/>
-              </a:spcAft>
-              <a:buClr>
-                <a:schemeClr val="dk1"/>
-              </a:buClr>
-              <a:buSzPts val="1480"/>
-              <a:buAutoNum type="arabicPeriod"/>
-            </a:pPr>
-            <a:r>
-              <a:rPr lang="en-US" sz="1480"/>
-              <a:t>콘트롤러</a:t>
-            </a:r>
-            <a:endParaRPr sz="1480"/>
-          </a:p>
-          <a:p>
-            <a:pPr marL="685800" lvl="1" indent="-228600" algn="l" rtl="0">
-              <a:lnSpc>
-                <a:spcPct val="90000"/>
-              </a:lnSpc>
-              <a:spcBef>
                 <a:spcPts val="500"/>
               </a:spcBef>
-              <a:spcAft>
-                <a:spcPts val="0"/>
-              </a:spcAft>
-              <a:buClr>
-                <a:schemeClr val="dk1"/>
-              </a:buClr>
               <a:buSzPts val="1480"/>
               <a:buChar char="•"/>
             </a:pPr>
             <a:r>
-              <a:rPr lang="en-US" sz="1480"/>
-              <a:t>NAVIO2 (10만원)</a:t>
-            </a:r>
-            <a:endParaRPr sz="1480"/>
-          </a:p>
-          <a:p>
-            <a:pPr marL="1143000" lvl="2" indent="-228600" algn="l" rtl="0">
-              <a:lnSpc>
-                <a:spcPct val="90000"/>
-              </a:lnSpc>
-              <a:spcBef>
-                <a:spcPts val="500"/>
-              </a:spcBef>
-              <a:spcAft>
-                <a:spcPts val="0"/>
-              </a:spcAft>
-              <a:buClr>
-                <a:schemeClr val="dk1"/>
-              </a:buClr>
-              <a:buSzPts val="1480"/>
-              <a:buChar char="•"/>
-            </a:pPr>
-            <a:r>
-              <a:rPr lang="en-US" sz="1480" u="sng">
-                <a:solidFill>
-                  <a:schemeClr val="hlink"/>
-                </a:solidFill>
-                <a:hlinkClick r:id="rId3"/>
-              </a:rPr>
-              <a:t>https://emlid.com/navio/</a:t>
+              <a:rPr lang="en-US" sz="1480" smtClean="0"/>
+              <a:t>aaa : </a:t>
             </a:r>
             <a:r>
-              <a:rPr lang="en-US" sz="1480"/>
+              <a:rPr lang="en-US" sz="1480" smtClean="0"/>
               <a:t> </a:t>
             </a:r>
-            <a:endParaRPr sz="1480"/>
-          </a:p>
-          <a:p>
-            <a:pPr marL="685800" lvl="1" indent="-228600" algn="l" rtl="0">
-              <a:lnSpc>
-                <a:spcPct val="90000"/>
-              </a:lnSpc>
-              <a:spcBef>
-                <a:spcPts val="500"/>
-              </a:spcBef>
-              <a:spcAft>
-                <a:spcPts val="0"/>
-              </a:spcAft>
-              <a:buClr>
-                <a:schemeClr val="dk1"/>
-              </a:buClr>
-              <a:buSzPts val="1480"/>
-              <a:buChar char="•"/>
-            </a:pPr>
-            <a:r>
-              <a:rPr lang="en-US" sz="1480">
-                <a:solidFill>
-                  <a:schemeClr val="dk1"/>
-                </a:solidFill>
-              </a:rPr>
-              <a:t>Pixhawk 4  (36만원)</a:t>
-            </a:r>
-            <a:endParaRPr sz="1480">
-              <a:solidFill>
-                <a:schemeClr val="dk1"/>
-              </a:solidFill>
-            </a:endParaRPr>
-          </a:p>
-          <a:p>
-            <a:pPr marL="1143000" lvl="2" indent="-228600" algn="l" rtl="0">
-              <a:lnSpc>
-                <a:spcPct val="90000"/>
-              </a:lnSpc>
-              <a:spcBef>
-                <a:spcPts val="500"/>
-              </a:spcBef>
-              <a:spcAft>
-                <a:spcPts val="0"/>
-              </a:spcAft>
-              <a:buClr>
-                <a:schemeClr val="dk1"/>
-              </a:buClr>
-              <a:buSzPts val="1480"/>
-              <a:buChar char="•"/>
-            </a:pPr>
-            <a:r>
-              <a:rPr lang="en-US" sz="1480" u="sng">
-                <a:solidFill>
-                  <a:schemeClr val="hlink"/>
-                </a:solidFill>
-                <a:hlinkClick r:id="rId4"/>
-              </a:rPr>
-              <a:t>http://dronewe.com/product/detail.html?product_no=3561&amp;cate_no=512&amp;display_group=1</a:t>
-            </a:r>
-            <a:endParaRPr sz="1480">
-              <a:solidFill>
-                <a:schemeClr val="dk1"/>
-              </a:solidFill>
-            </a:endParaRPr>
-          </a:p>
-          <a:p>
-            <a:pPr marL="685800" lvl="1" indent="-228600" algn="l" rtl="0">
-              <a:lnSpc>
-                <a:spcPct val="90000"/>
-              </a:lnSpc>
-              <a:spcBef>
-                <a:spcPts val="500"/>
-              </a:spcBef>
-              <a:spcAft>
-                <a:spcPts val="0"/>
-              </a:spcAft>
-              <a:buClr>
-                <a:schemeClr val="dk1"/>
-              </a:buClr>
-              <a:buSzPts val="1480"/>
-              <a:buChar char="•"/>
-            </a:pPr>
-            <a:r>
-              <a:rPr lang="en-US" sz="1480"/>
-              <a:t>Pixhack V5 (80만원)</a:t>
-            </a:r>
-            <a:endParaRPr/>
-          </a:p>
-          <a:p>
-            <a:pPr marL="1143000" lvl="2" indent="-228600" algn="l" rtl="0">
-              <a:lnSpc>
-                <a:spcPct val="90000"/>
-              </a:lnSpc>
-              <a:spcBef>
-                <a:spcPts val="500"/>
-              </a:spcBef>
-              <a:spcAft>
-                <a:spcPts val="0"/>
-              </a:spcAft>
-              <a:buClr>
-                <a:schemeClr val="dk1"/>
-              </a:buClr>
-              <a:buSzPts val="1480"/>
-              <a:buChar char="•"/>
-            </a:pPr>
-            <a:r>
-              <a:rPr lang="en-US" sz="1480" u="sng">
-                <a:solidFill>
-                  <a:schemeClr val="hlink"/>
-                </a:solidFill>
-                <a:hlinkClick r:id="rId5"/>
-              </a:rPr>
-              <a:t>http://dronewe.com/product/detail.html?product_no=4039&amp;cate_no=667&amp;display_group=1</a:t>
-            </a:r>
-            <a:endParaRPr sz="1480"/>
-          </a:p>
-          <a:p>
-            <a:pPr marL="514350" lvl="0" indent="-514350" algn="l" rtl="0">
-              <a:lnSpc>
-                <a:spcPct val="90000"/>
-              </a:lnSpc>
-              <a:spcBef>
-                <a:spcPts val="1000"/>
-              </a:spcBef>
-              <a:spcAft>
-                <a:spcPts val="0"/>
-              </a:spcAft>
-              <a:buClr>
-                <a:schemeClr val="dk1"/>
-              </a:buClr>
-              <a:buSzPts val="1480"/>
-              <a:buAutoNum type="arabicPeriod"/>
-            </a:pPr>
-            <a:r>
-              <a:rPr lang="en-US" sz="1480"/>
-              <a:t>본체</a:t>
-            </a:r>
-            <a:endParaRPr sz="1480"/>
-          </a:p>
-          <a:p>
-            <a:pPr marL="685800" lvl="1" indent="-228600" algn="l" rtl="0">
-              <a:lnSpc>
-                <a:spcPct val="90000"/>
-              </a:lnSpc>
-              <a:spcBef>
-                <a:spcPts val="500"/>
-              </a:spcBef>
-              <a:spcAft>
-                <a:spcPts val="0"/>
-              </a:spcAft>
-              <a:buClr>
-                <a:schemeClr val="dk1"/>
-              </a:buClr>
-              <a:buSzPts val="1480"/>
-              <a:buChar char="•"/>
-            </a:pPr>
-            <a:r>
-              <a:rPr lang="en-US" sz="1480"/>
-              <a:t>SHRC H1G ($ 94)</a:t>
-            </a:r>
-            <a:endParaRPr/>
-          </a:p>
-          <a:p>
-            <a:pPr marL="1143000" lvl="2" indent="-228600" algn="l" rtl="0">
-              <a:lnSpc>
-                <a:spcPct val="90000"/>
-              </a:lnSpc>
-              <a:spcBef>
-                <a:spcPts val="500"/>
-              </a:spcBef>
-              <a:spcAft>
-                <a:spcPts val="0"/>
-              </a:spcAft>
-              <a:buClr>
-                <a:schemeClr val="dk1"/>
-              </a:buClr>
-              <a:buSzPts val="1480"/>
-              <a:buChar char="•"/>
-            </a:pPr>
-            <a:r>
-              <a:rPr lang="en-US" sz="1480" u="sng">
-                <a:solidFill>
-                  <a:schemeClr val="hlink"/>
-                </a:solidFill>
-                <a:hlinkClick r:id="rId6"/>
-              </a:rPr>
-              <a:t>https://www.gearbest.com/rc-quadcopters/pp_009187953341.html?wid=1433363</a:t>
-            </a:r>
-            <a:endParaRPr sz="1480"/>
-          </a:p>
-          <a:p>
-            <a:pPr marL="685800" lvl="1" indent="-228600" algn="l" rtl="0">
-              <a:lnSpc>
-                <a:spcPct val="90000"/>
-              </a:lnSpc>
-              <a:spcBef>
-                <a:spcPts val="500"/>
-              </a:spcBef>
-              <a:spcAft>
-                <a:spcPts val="0"/>
-              </a:spcAft>
-              <a:buClr>
-                <a:schemeClr val="dk1"/>
-              </a:buClr>
-              <a:buSzPts val="1480"/>
-              <a:buChar char="•"/>
-            </a:pPr>
-            <a:r>
-              <a:rPr lang="en-US" sz="1480"/>
-              <a:t>JDRC JD ($ 80)</a:t>
-            </a:r>
-            <a:endParaRPr/>
-          </a:p>
-          <a:p>
-            <a:pPr marL="1143000" lvl="2" indent="-228600" algn="l" rtl="0">
-              <a:lnSpc>
-                <a:spcPct val="90000"/>
-              </a:lnSpc>
-              <a:spcBef>
-                <a:spcPts val="500"/>
-              </a:spcBef>
-              <a:spcAft>
-                <a:spcPts val="0"/>
-              </a:spcAft>
-              <a:buClr>
-                <a:schemeClr val="dk1"/>
-              </a:buClr>
-              <a:buSzPts val="1480"/>
-              <a:buChar char="•"/>
-            </a:pPr>
-            <a:r>
-              <a:rPr lang="en-US" sz="1480" u="sng">
-                <a:solidFill>
-                  <a:schemeClr val="hlink"/>
-                </a:solidFill>
-                <a:hlinkClick r:id="rId7"/>
-              </a:rPr>
-              <a:t>https://www.gearbest.com/rc-quadcopters/pp_009531904281.html?wid=1433363</a:t>
-            </a:r>
-            <a:endParaRPr sz="1480"/>
-          </a:p>
-          <a:p>
-            <a:pPr marL="685800" lvl="1" indent="-228600" algn="l" rtl="0">
-              <a:lnSpc>
-                <a:spcPct val="90000"/>
-              </a:lnSpc>
-              <a:spcBef>
-                <a:spcPts val="500"/>
-              </a:spcBef>
-              <a:spcAft>
-                <a:spcPts val="0"/>
-              </a:spcAft>
-              <a:buClr>
-                <a:schemeClr val="dk1"/>
-              </a:buClr>
-              <a:buSzPts val="1480"/>
-              <a:buChar char="•"/>
-            </a:pPr>
-            <a:r>
-              <a:rPr lang="en-US" sz="1480"/>
-              <a:t>GEPRC Mark2 ($ 264)</a:t>
-            </a:r>
-            <a:endParaRPr/>
-          </a:p>
-          <a:p>
-            <a:pPr marL="1143000" lvl="2" indent="-228600" algn="l" rtl="0">
-              <a:lnSpc>
-                <a:spcPct val="90000"/>
-              </a:lnSpc>
-              <a:spcBef>
-                <a:spcPts val="500"/>
-              </a:spcBef>
-              <a:spcAft>
-                <a:spcPts val="0"/>
-              </a:spcAft>
-              <a:buClr>
-                <a:schemeClr val="dk1"/>
-              </a:buClr>
-              <a:buSzPts val="1480"/>
-              <a:buChar char="•"/>
-            </a:pPr>
-            <a:r>
-              <a:rPr lang="en-US" sz="1480" u="sng">
-                <a:solidFill>
-                  <a:schemeClr val="hlink"/>
-                </a:solidFill>
-                <a:hlinkClick r:id="rId8"/>
-              </a:rPr>
-              <a:t>https://www.gearbest.com/brush-fpv-racer/pp_009166157856.html?wid=1433363</a:t>
-            </a:r>
-            <a:endParaRPr sz="1480"/>
-          </a:p>
-          <a:p>
-            <a:pPr marL="685800" lvl="1" indent="-228600" algn="l" rtl="0">
-              <a:lnSpc>
-                <a:spcPct val="90000"/>
-              </a:lnSpc>
-              <a:spcBef>
-                <a:spcPts val="500"/>
-              </a:spcBef>
-              <a:spcAft>
-                <a:spcPts val="0"/>
-              </a:spcAft>
-              <a:buClr>
-                <a:schemeClr val="dk1"/>
-              </a:buClr>
-              <a:buSzPts val="1480"/>
-              <a:buChar char="•"/>
-            </a:pPr>
-            <a:r>
-              <a:rPr lang="en-US" sz="1480"/>
-              <a:t>GT-R530 NX( $ 243 )</a:t>
-            </a:r>
-            <a:endParaRPr/>
-          </a:p>
-          <a:p>
-            <a:pPr marL="1143000" lvl="2" indent="-228600" algn="l" rtl="0">
-              <a:lnSpc>
-                <a:spcPct val="90000"/>
-              </a:lnSpc>
-              <a:spcBef>
-                <a:spcPts val="500"/>
-              </a:spcBef>
-              <a:spcAft>
-                <a:spcPts val="0"/>
-              </a:spcAft>
-              <a:buClr>
-                <a:schemeClr val="dk1"/>
-              </a:buClr>
-              <a:buSzPts val="1480"/>
-              <a:buChar char="•"/>
-            </a:pPr>
-            <a:r>
-              <a:rPr lang="en-US" sz="1480" u="sng">
-                <a:solidFill>
-                  <a:schemeClr val="hlink"/>
-                </a:solidFill>
-                <a:hlinkClick r:id="rId9"/>
-              </a:rPr>
-              <a:t>https://www.gearbest.com/brush-fpv-racer/pp_009542172048.html?wid=1433363</a:t>
-            </a:r>
-            <a:endParaRPr sz="1480"/>
-          </a:p>
-          <a:p>
-            <a:pPr marL="685800" lvl="1" indent="-228600" algn="l" rtl="0">
-              <a:lnSpc>
-                <a:spcPct val="90000"/>
-              </a:lnSpc>
-              <a:spcBef>
-                <a:spcPts val="500"/>
-              </a:spcBef>
-              <a:spcAft>
-                <a:spcPts val="0"/>
-              </a:spcAft>
-              <a:buClr>
-                <a:schemeClr val="dk1"/>
-              </a:buClr>
-              <a:buSzPts val="1480"/>
-              <a:buChar char="•"/>
-            </a:pPr>
-            <a:r>
-              <a:rPr lang="en-US" sz="1480"/>
-              <a:t>Aurora RC Mini Fight ($ 137)</a:t>
-            </a:r>
-            <a:endParaRPr/>
-          </a:p>
-          <a:p>
-            <a:pPr marL="1143000" lvl="2" indent="-228600" algn="l" rtl="0">
-              <a:lnSpc>
-                <a:spcPct val="90000"/>
-              </a:lnSpc>
-              <a:spcBef>
-                <a:spcPts val="500"/>
-              </a:spcBef>
-              <a:spcAft>
-                <a:spcPts val="0"/>
-              </a:spcAft>
-              <a:buClr>
-                <a:schemeClr val="dk1"/>
-              </a:buClr>
-              <a:buSzPts val="1480"/>
-              <a:buChar char="•"/>
-            </a:pPr>
-            <a:r>
-              <a:rPr lang="en-US" sz="1480" u="sng">
-                <a:solidFill>
-                  <a:schemeClr val="hlink"/>
-                </a:solidFill>
-                <a:hlinkClick r:id="rId10"/>
-              </a:rPr>
-              <a:t>https://www.gearbest.com/brushless-fpv-racer/pp_1156927.html?wid=1433363</a:t>
-            </a:r>
-            <a:endParaRPr sz="1480"/>
-          </a:p>
-          <a:p>
-            <a:pPr marL="285750" lvl="0" indent="-191770" algn="l" rtl="0">
-              <a:lnSpc>
-                <a:spcPct val="90000"/>
-              </a:lnSpc>
-              <a:spcBef>
-                <a:spcPts val="1000"/>
-              </a:spcBef>
-              <a:spcAft>
-                <a:spcPts val="0"/>
-              </a:spcAft>
-              <a:buClr>
-                <a:schemeClr val="dk1"/>
-              </a:buClr>
-              <a:buSzPts val="1480"/>
-              <a:buNone/>
-            </a:pPr>
             <a:endParaRPr sz="1480"/>
           </a:p>
         </p:txBody>
       </p:sp>
     </p:spTree>
+    <p:extLst>
+      <p:ext uri="{BB962C8B-B14F-4D97-AF65-F5344CB8AC3E}">
+        <p14:creationId xmlns:p14="http://schemas.microsoft.com/office/powerpoint/2010/main" val="3204291472"/>
+      </p:ext>
+    </p:extLst>
   </p:cSld>
   <p:clrMapOvr>
     <a:masterClrMapping/>
@@ -16527,7 +20179,7 @@
 </p:sld>
 </file>
 
-<file path=ppt/slides/slide6.xml><?xml version="1.0" encoding="utf-8"?>
+<file path=ppt/slides/slide7.xml><?xml version="1.0" encoding="utf-8"?>
 <p:sld xmlns:a="http://schemas.openxmlformats.org/drawingml/2006/main" xmlns:r="http://schemas.openxmlformats.org/officeDocument/2006/relationships" xmlns:p="http://schemas.openxmlformats.org/presentationml/2006/main">
   <p:cSld>
     <p:spTree>
@@ -16788,7 +20440,7 @@
             </a:pPr>
             <a:fld id="{00000000-1234-1234-1234-123412341234}" type="slidenum">
               <a:rPr lang="en-US"/>
-              <a:t>6</a:t>
+              <a:t>7</a:t>
             </a:fld>
             <a:endParaRPr/>
           </a:p>
@@ -16802,7 +20454,7 @@
 </p:sld>
 </file>
 
-<file path=ppt/slides/slide7.xml><?xml version="1.0" encoding="utf-8"?>
+<file path=ppt/slides/slide8.xml><?xml version="1.0" encoding="utf-8"?>
 <p:sld xmlns:a="http://schemas.openxmlformats.org/drawingml/2006/main" xmlns:r="http://schemas.openxmlformats.org/officeDocument/2006/relationships" xmlns:p="http://schemas.openxmlformats.org/presentationml/2006/main">
   <p:cSld>
     <p:spTree>
@@ -16913,7 +20565,7 @@
             </a:pPr>
             <a:fld id="{00000000-1234-1234-1234-123412341234}" type="slidenum">
               <a:rPr lang="en-US"/>
-              <a:t>7</a:t>
+              <a:t>8</a:t>
             </a:fld>
             <a:endParaRPr/>
           </a:p>
